--- a/Elektricky_koncept_1.pptx
+++ b/Elektricky_koncept_1.pptx
@@ -5,10 +5,10 @@
     <p:sldMasterId id="2147483648" r:id="rId1"/>
   </p:sldMasterIdLst>
   <p:notesMasterIdLst>
-    <p:notesMasterId r:id="rId11"/>
+    <p:notesMasterId r:id="rId12"/>
   </p:notesMasterIdLst>
   <p:handoutMasterIdLst>
-    <p:handoutMasterId r:id="rId12"/>
+    <p:handoutMasterId r:id="rId13"/>
   </p:handoutMasterIdLst>
   <p:sldIdLst>
     <p:sldId id="256" r:id="rId2"/>
@@ -16,10 +16,11 @@
     <p:sldId id="348" r:id="rId4"/>
     <p:sldId id="353" r:id="rId5"/>
     <p:sldId id="354" r:id="rId6"/>
-    <p:sldId id="338" r:id="rId7"/>
-    <p:sldId id="350" r:id="rId8"/>
-    <p:sldId id="355" r:id="rId9"/>
-    <p:sldId id="356" r:id="rId10"/>
+    <p:sldId id="358" r:id="rId7"/>
+    <p:sldId id="338" r:id="rId8"/>
+    <p:sldId id="350" r:id="rId9"/>
+    <p:sldId id="355" r:id="rId10"/>
+    <p:sldId id="356" r:id="rId11"/>
   </p:sldIdLst>
   <p:sldSz cx="9144000" cy="6858000" type="screen4x3"/>
   <p:notesSz cx="7102475" cy="10234613"/>
@@ -223,7 +224,7 @@
             <a:fld id="{4154D9BF-E660-460C-AED4-45E8DC79D8B0}" type="datetimeFigureOut">
               <a:rPr lang="en-US" smtClean="0"/>
               <a:pPr/>
-              <a:t>12/18/20</a:t>
+              <a:t>12/20/20</a:t>
             </a:fld>
             <a:endParaRPr lang="en-US"/>
           </a:p>
@@ -397,7 +398,7 @@
             <a:fld id="{EE50A5D9-E006-4D83-9074-107F530726E6}" type="datetimeFigureOut">
               <a:rPr lang="en-US" smtClean="0"/>
               <a:pPr/>
-              <a:t>12/18/20</a:t>
+              <a:t>12/20/20</a:t>
             </a:fld>
             <a:endParaRPr lang="en-US"/>
           </a:p>
@@ -733,6 +734,69 @@
 </p:notes>
 </file>
 
+<file path=ppt/notesSlides/notesSlide10.xml><?xml version="1.0" encoding="utf-8"?>
+<p:notes xmlns:a="http://schemas.openxmlformats.org/drawingml/2006/main" xmlns:r="http://schemas.openxmlformats.org/officeDocument/2006/relationships" xmlns:p="http://schemas.openxmlformats.org/presentationml/2006/main">
+  <p:cSld>
+    <p:spTree>
+      <p:nvGrpSpPr>
+        <p:cNvPr id="1" name=""/>
+        <p:cNvGrpSpPr/>
+        <p:nvPr/>
+      </p:nvGrpSpPr>
+      <p:grpSpPr>
+        <a:xfrm>
+          <a:off x="0" y="0"/>
+          <a:ext cx="0" cy="0"/>
+          <a:chOff x="0" y="0"/>
+          <a:chExt cx="0" cy="0"/>
+        </a:xfrm>
+      </p:grpSpPr>
+      <p:sp>
+        <p:nvSpPr>
+          <p:cNvPr id="2" name="Zástupný symbol obrazu snímky 1"/>
+          <p:cNvSpPr>
+            <a:spLocks noGrp="1" noRot="1" noChangeAspect="1"/>
+          </p:cNvSpPr>
+          <p:nvPr>
+            <p:ph type="sldImg"/>
+          </p:nvPr>
+        </p:nvSpPr>
+        <p:spPr/>
+      </p:sp>
+      <p:sp>
+        <p:nvSpPr>
+          <p:cNvPr id="3" name="Zástupný symbol poznámok 2"/>
+          <p:cNvSpPr>
+            <a:spLocks noGrp="1"/>
+          </p:cNvSpPr>
+          <p:nvPr>
+            <p:ph type="body" idx="1"/>
+          </p:nvPr>
+        </p:nvSpPr>
+        <p:spPr/>
+        <p:txBody>
+          <a:bodyPr>
+            <a:normAutofit/>
+          </a:bodyPr>
+          <a:lstStyle/>
+          <a:p>
+            <a:endParaRPr lang="en-US"/>
+          </a:p>
+        </p:txBody>
+      </p:sp>
+    </p:spTree>
+    <p:extLst>
+      <p:ext uri="{BB962C8B-B14F-4D97-AF65-F5344CB8AC3E}">
+        <p14:creationId xmlns:p14="http://schemas.microsoft.com/office/powerpoint/2010/main" val="527500416"/>
+      </p:ext>
+    </p:extLst>
+  </p:cSld>
+  <p:clrMapOvr>
+    <a:masterClrMapping/>
+  </p:clrMapOvr>
+</p:notes>
+</file>
+
 <file path=ppt/notesSlides/notesSlide2.xml><?xml version="1.0" encoding="utf-8"?>
 <p:notes xmlns:a="http://schemas.openxmlformats.org/drawingml/2006/main" xmlns:r="http://schemas.openxmlformats.org/officeDocument/2006/relationships" xmlns:p="http://schemas.openxmlformats.org/presentationml/2006/main">
   <p:cSld>
@@ -1038,7 +1102,7 @@
     </p:spTree>
     <p:extLst>
       <p:ext uri="{BB962C8B-B14F-4D97-AF65-F5344CB8AC3E}">
-        <p14:creationId xmlns:p14="http://schemas.microsoft.com/office/powerpoint/2010/main" val="2196508792"/>
+        <p14:creationId xmlns:p14="http://schemas.microsoft.com/office/powerpoint/2010/main" val="3756165017"/>
       </p:ext>
     </p:extLst>
   </p:cSld>
@@ -1094,7 +1158,7 @@
           </a:bodyPr>
           <a:lstStyle/>
           <a:p>
-            <a:endParaRPr lang="en-US" dirty="0"/>
+            <a:endParaRPr lang="en-US"/>
           </a:p>
         </p:txBody>
       </p:sp>
@@ -1157,14 +1221,14 @@
           </a:bodyPr>
           <a:lstStyle/>
           <a:p>
-            <a:endParaRPr lang="en-US"/>
+            <a:endParaRPr lang="en-US" dirty="0"/>
           </a:p>
         </p:txBody>
       </p:sp>
     </p:spTree>
     <p:extLst>
       <p:ext uri="{BB962C8B-B14F-4D97-AF65-F5344CB8AC3E}">
-        <p14:creationId xmlns:p14="http://schemas.microsoft.com/office/powerpoint/2010/main" val="3098723401"/>
+        <p14:creationId xmlns:p14="http://schemas.microsoft.com/office/powerpoint/2010/main" val="2196508792"/>
       </p:ext>
     </p:extLst>
   </p:cSld>
@@ -1220,14 +1284,14 @@
           </a:bodyPr>
           <a:lstStyle/>
           <a:p>
-            <a:endParaRPr lang="en-US"/>
+            <a:endParaRPr lang="en-US" dirty="0"/>
           </a:p>
         </p:txBody>
       </p:sp>
     </p:spTree>
     <p:extLst>
       <p:ext uri="{BB962C8B-B14F-4D97-AF65-F5344CB8AC3E}">
-        <p14:creationId xmlns:p14="http://schemas.microsoft.com/office/powerpoint/2010/main" val="527500416"/>
+        <p14:creationId xmlns:p14="http://schemas.microsoft.com/office/powerpoint/2010/main" val="3098723401"/>
       </p:ext>
     </p:extLst>
   </p:cSld>
@@ -1416,7 +1480,7 @@
           <a:p>
             <a:fld id="{F2CD2549-3F6D-4D8D-B0ED-B7963BA33AAA}" type="datetime1">
               <a:rPr lang="sk-SK" smtClean="0"/>
-              <a:t>18.12.20</a:t>
+              <a:t>20.12.20</a:t>
             </a:fld>
             <a:endParaRPr lang="sk-SK"/>
           </a:p>
@@ -1584,7 +1648,7 @@
           <a:p>
             <a:fld id="{48CB5AF3-4E91-4411-A5C3-A653CE77824C}" type="datetime1">
               <a:rPr lang="sk-SK" smtClean="0"/>
-              <a:t>18.12.20</a:t>
+              <a:t>20.12.20</a:t>
             </a:fld>
             <a:endParaRPr lang="sk-SK"/>
           </a:p>
@@ -1762,7 +1826,7 @@
           <a:p>
             <a:fld id="{E6AA90D0-AB07-4224-857B-8E4B55FF41CE}" type="datetime1">
               <a:rPr lang="sk-SK" smtClean="0"/>
-              <a:t>18.12.20</a:t>
+              <a:t>20.12.20</a:t>
             </a:fld>
             <a:endParaRPr lang="sk-SK"/>
           </a:p>
@@ -1930,7 +1994,7 @@
           <a:p>
             <a:fld id="{157C7F18-896F-4490-B057-6427AF82F240}" type="datetime1">
               <a:rPr lang="sk-SK" smtClean="0"/>
-              <a:t>18.12.20</a:t>
+              <a:t>20.12.20</a:t>
             </a:fld>
             <a:endParaRPr lang="sk-SK"/>
           </a:p>
@@ -2175,7 +2239,7 @@
           <a:p>
             <a:fld id="{54C274CD-0516-4C4B-AEB4-38C30D2AAC03}" type="datetime1">
               <a:rPr lang="sk-SK" smtClean="0"/>
-              <a:t>18.12.20</a:t>
+              <a:t>20.12.20</a:t>
             </a:fld>
             <a:endParaRPr lang="sk-SK"/>
           </a:p>
@@ -2460,7 +2524,7 @@
           <a:p>
             <a:fld id="{077E30F0-DDF8-4A17-A01B-51A2F7062843}" type="datetime1">
               <a:rPr lang="sk-SK" smtClean="0"/>
-              <a:t>18.12.20</a:t>
+              <a:t>20.12.20</a:t>
             </a:fld>
             <a:endParaRPr lang="sk-SK"/>
           </a:p>
@@ -2879,7 +2943,7 @@
           <a:p>
             <a:fld id="{F47151C2-6DE0-48B6-849D-575B9D84FF25}" type="datetime1">
               <a:rPr lang="sk-SK" smtClean="0"/>
-              <a:t>18.12.20</a:t>
+              <a:t>20.12.20</a:t>
             </a:fld>
             <a:endParaRPr lang="sk-SK"/>
           </a:p>
@@ -2996,7 +3060,7 @@
           <a:p>
             <a:fld id="{A04895D6-AB33-4A71-99D5-B6FDA8CF6281}" type="datetime1">
               <a:rPr lang="sk-SK" smtClean="0"/>
-              <a:t>18.12.20</a:t>
+              <a:t>20.12.20</a:t>
             </a:fld>
             <a:endParaRPr lang="sk-SK"/>
           </a:p>
@@ -3091,7 +3155,7 @@
           <a:p>
             <a:fld id="{4B0AE727-FE2E-4059-B00A-1CE7BB7749F8}" type="datetime1">
               <a:rPr lang="sk-SK" smtClean="0"/>
-              <a:t>18.12.20</a:t>
+              <a:t>20.12.20</a:t>
             </a:fld>
             <a:endParaRPr lang="sk-SK"/>
           </a:p>
@@ -3366,7 +3430,7 @@
           <a:p>
             <a:fld id="{6EA7A059-DC4F-4EAF-960B-36B0F00ECE3A}" type="datetime1">
               <a:rPr lang="sk-SK" smtClean="0"/>
-              <a:t>18.12.20</a:t>
+              <a:t>20.12.20</a:t>
             </a:fld>
             <a:endParaRPr lang="sk-SK"/>
           </a:p>
@@ -3618,7 +3682,7 @@
           <a:p>
             <a:fld id="{A304EB22-029B-4467-8E6A-83626F9333A6}" type="datetime1">
               <a:rPr lang="sk-SK" smtClean="0"/>
-              <a:t>18.12.20</a:t>
+              <a:t>20.12.20</a:t>
             </a:fld>
             <a:endParaRPr lang="sk-SK"/>
           </a:p>
@@ -3829,7 +3893,7 @@
           <a:p>
             <a:fld id="{76C3103D-C0EA-45D5-9165-90129E8F78BB}" type="datetime1">
               <a:rPr lang="sk-SK" smtClean="0"/>
-              <a:t>18.12.20</a:t>
+              <a:t>20.12.20</a:t>
             </a:fld>
             <a:endParaRPr lang="sk-SK"/>
           </a:p>
@@ -4340,7 +4404,7 @@
                 <a:ea typeface="Times New Roman" pitchFamily="18" charset="0"/>
                 <a:cs typeface="Times New Roman" pitchFamily="18" charset="0"/>
               </a:rPr>
-              <a:t>23.</a:t>
+              <a:t>20.</a:t>
             </a:r>
             <a:r>
               <a:rPr lang="sk-SK" sz="1600" dirty="0">
@@ -4362,7 +4426,7 @@
                 <a:ea typeface="Times New Roman" pitchFamily="18" charset="0"/>
                 <a:cs typeface="Times New Roman" pitchFamily="18" charset="0"/>
               </a:rPr>
-              <a:t>10.</a:t>
+              <a:t>12.</a:t>
             </a:r>
             <a:r>
               <a:rPr lang="sk-SK" sz="1600" dirty="0">
@@ -4406,7 +4470,7 @@
                 <a:ea typeface="Times New Roman" pitchFamily="18" charset="0"/>
                 <a:cs typeface="Times New Roman" pitchFamily="18" charset="0"/>
               </a:rPr>
-              <a:t> Version 1.3</a:t>
+              <a:t> Version 1.4</a:t>
             </a:r>
             <a:endParaRPr lang="en-US" sz="1600" dirty="0">
               <a:solidFill>
@@ -4510,7 +4574,7 @@
 </p:sld>
 </file>
 
-<file path=ppt/slides/slide2.xml><?xml version="1.0" encoding="utf-8"?>
+<file path=ppt/slides/slide10.xml><?xml version="1.0" encoding="utf-8"?>
 <p:sld xmlns:a="http://schemas.openxmlformats.org/drawingml/2006/main" xmlns:r="http://schemas.openxmlformats.org/officeDocument/2006/relationships" xmlns:p="http://schemas.openxmlformats.org/presentationml/2006/main">
   <p:cSld>
     <p:spTree>
@@ -4551,40 +4615,8 @@
             <a:fld id="{F028A4AA-47DC-4BFA-9119-5860EA5BD96A}" type="datetime1">
               <a:rPr lang="sk-SK" smtClean="0"/>
               <a:pPr algn="ctr"/>
-              <a:t>18.12.20</a:t>
+              <a:t>20.12.20</a:t>
             </a:fld>
-            <a:endParaRPr lang="sk-SK" dirty="0"/>
-          </a:p>
-        </p:txBody>
-      </p:sp>
-      <p:sp>
-        <p:nvSpPr>
-          <p:cNvPr id="3" name="Zástupný symbol päty 2"/>
-          <p:cNvSpPr>
-            <a:spLocks noGrp="1"/>
-          </p:cNvSpPr>
-          <p:nvPr>
-            <p:ph type="ftr" sz="quarter" idx="11"/>
-          </p:nvPr>
-        </p:nvSpPr>
-        <p:spPr>
-          <a:xfrm>
-            <a:off x="3124200" y="6492875"/>
-            <a:ext cx="2895600" cy="365125"/>
-          </a:xfrm>
-        </p:spPr>
-        <p:txBody>
-          <a:bodyPr/>
-          <a:lstStyle/>
-          <a:p>
-            <a:r>
-              <a:rPr lang="sk-SK" b="1" dirty="0">
-                <a:latin typeface="Calibri" pitchFamily="34" charset="0"/>
-                <a:ea typeface="Times New Roman" pitchFamily="18" charset="0"/>
-                <a:cs typeface="Times New Roman" pitchFamily="18" charset="0"/>
-              </a:rPr>
-              <a:t>Diplomová práca</a:t>
-            </a:r>
             <a:endParaRPr lang="sk-SK" dirty="0"/>
           </a:p>
         </p:txBody>
@@ -4613,9 +4645,59 @@
             <a:fld id="{D6463108-0728-4F2C-A3A7-356034624A9C}" type="slidenum">
               <a:rPr lang="sk-SK" smtClean="0"/>
               <a:pPr algn="ctr"/>
-              <a:t>4</a:t>
+              <a:t>12</a:t>
             </a:fld>
             <a:endParaRPr lang="sk-SK" dirty="0"/>
+          </a:p>
+        </p:txBody>
+      </p:sp>
+      <p:sp>
+        <p:nvSpPr>
+          <p:cNvPr id="3" name="Rectangle 2">
+            <a:extLst>
+              <a:ext uri="{FF2B5EF4-FFF2-40B4-BE49-F238E27FC236}">
+                <a16:creationId xmlns:a16="http://schemas.microsoft.com/office/drawing/2014/main" id="{BFBEA77A-56CA-F843-946C-38471D59D06B}"/>
+              </a:ext>
+            </a:extLst>
+          </p:cNvPr>
+          <p:cNvSpPr/>
+          <p:nvPr/>
+        </p:nvSpPr>
+        <p:spPr>
+          <a:xfrm>
+            <a:off x="1676400" y="1387673"/>
+            <a:ext cx="6019800" cy="4267200"/>
+          </a:xfrm>
+          <a:prstGeom prst="rect">
+            <a:avLst/>
+          </a:prstGeom>
+          <a:solidFill>
+            <a:srgbClr val="FDDA33"/>
+          </a:solidFill>
+          <a:ln>
+            <a:noFill/>
+          </a:ln>
+        </p:spPr>
+        <p:style>
+          <a:lnRef idx="0">
+            <a:scrgbClr r="0" g="0" b="0"/>
+          </a:lnRef>
+          <a:fillRef idx="0">
+            <a:scrgbClr r="0" g="0" b="0"/>
+          </a:fillRef>
+          <a:effectRef idx="0">
+            <a:scrgbClr r="0" g="0" b="0"/>
+          </a:effectRef>
+          <a:fontRef idx="minor">
+            <a:schemeClr val="lt1"/>
+          </a:fontRef>
+        </p:style>
+        <p:txBody>
+          <a:bodyPr rtlCol="0" anchor="ctr"/>
+          <a:lstStyle/>
+          <a:p>
+            <a:pPr algn="ctr"/>
+            <a:endParaRPr lang="en-SK"/>
           </a:p>
         </p:txBody>
       </p:sp>
@@ -4855,6 +4937,977 @@
           <a:p>
             <a:r>
               <a:rPr lang="en-US" b="1" dirty="0"/>
+              <a:t>Electrical concept: Shut down during safety event</a:t>
+            </a:r>
+          </a:p>
+        </p:txBody>
+      </p:sp>
+      <p:cxnSp>
+        <p:nvCxnSpPr>
+          <p:cNvPr id="13" name="Rovná spojnica 12"/>
+          <p:cNvCxnSpPr/>
+          <p:nvPr/>
+        </p:nvCxnSpPr>
+        <p:spPr>
+          <a:xfrm flipH="1">
+            <a:off x="6350" y="6551319"/>
+            <a:ext cx="9131300" cy="0"/>
+          </a:xfrm>
+          <a:prstGeom prst="line">
+            <a:avLst/>
+          </a:prstGeom>
+          <a:ln>
+            <a:solidFill>
+              <a:srgbClr val="DDDDDD"/>
+            </a:solidFill>
+          </a:ln>
+        </p:spPr>
+        <p:style>
+          <a:lnRef idx="1">
+            <a:schemeClr val="accent1"/>
+          </a:lnRef>
+          <a:fillRef idx="0">
+            <a:schemeClr val="accent1"/>
+          </a:fillRef>
+          <a:effectRef idx="0">
+            <a:schemeClr val="accent1"/>
+          </a:effectRef>
+          <a:fontRef idx="minor">
+            <a:schemeClr val="tx1"/>
+          </a:fontRef>
+        </p:style>
+      </p:cxnSp>
+      <p:sp>
+        <p:nvSpPr>
+          <p:cNvPr id="84" name="Zástupný symbol päty 2"/>
+          <p:cNvSpPr>
+            <a:spLocks noGrp="1"/>
+          </p:cNvSpPr>
+          <p:nvPr>
+            <p:ph type="ftr" sz="quarter" idx="11"/>
+          </p:nvPr>
+        </p:nvSpPr>
+        <p:spPr>
+          <a:xfrm>
+            <a:off x="3124200" y="6492875"/>
+            <a:ext cx="2895600" cy="365125"/>
+          </a:xfrm>
+        </p:spPr>
+        <p:txBody>
+          <a:bodyPr/>
+          <a:lstStyle/>
+          <a:p>
+            <a:r>
+              <a:rPr lang="sk-SK" b="1" dirty="0">
+                <a:latin typeface="Calibri" pitchFamily="34" charset="0"/>
+                <a:ea typeface="Times New Roman" pitchFamily="18" charset="0"/>
+                <a:cs typeface="Times New Roman" pitchFamily="18" charset="0"/>
+              </a:rPr>
+              <a:t>Diplomová práca</a:t>
+            </a:r>
+            <a:endParaRPr lang="sk-SK" dirty="0"/>
+          </a:p>
+        </p:txBody>
+      </p:sp>
+      <p:sp>
+        <p:nvSpPr>
+          <p:cNvPr id="42" name="Valec 2">
+            <a:extLst>
+              <a:ext uri="{FF2B5EF4-FFF2-40B4-BE49-F238E27FC236}">
+                <a16:creationId xmlns:a16="http://schemas.microsoft.com/office/drawing/2014/main" id="{E94D7AD6-993E-784E-B41A-95DAA2E52F6E}"/>
+              </a:ext>
+            </a:extLst>
+          </p:cNvPr>
+          <p:cNvSpPr/>
+          <p:nvPr/>
+        </p:nvSpPr>
+        <p:spPr>
+          <a:xfrm>
+            <a:off x="5829303" y="3369652"/>
+            <a:ext cx="609599" cy="1032201"/>
+          </a:xfrm>
+          <a:prstGeom prst="can">
+            <a:avLst>
+              <a:gd name="adj" fmla="val 30920"/>
+            </a:avLst>
+          </a:prstGeom>
+          <a:solidFill>
+            <a:schemeClr val="bg1"/>
+          </a:solidFill>
+          <a:ln w="9525" cap="flat" cmpd="sng" algn="ctr">
+            <a:solidFill>
+              <a:schemeClr val="dk1"/>
+            </a:solidFill>
+            <a:prstDash val="solid"/>
+            <a:round/>
+            <a:headEnd type="none" w="med" len="med"/>
+            <a:tailEnd type="none" w="med" len="med"/>
+          </a:ln>
+        </p:spPr>
+        <p:style>
+          <a:lnRef idx="0">
+            <a:scrgbClr r="0" g="0" b="0"/>
+          </a:lnRef>
+          <a:fillRef idx="0">
+            <a:scrgbClr r="0" g="0" b="0"/>
+          </a:fillRef>
+          <a:effectRef idx="0">
+            <a:scrgbClr r="0" g="0" b="0"/>
+          </a:effectRef>
+          <a:fontRef idx="minor">
+            <a:schemeClr val="dk1"/>
+          </a:fontRef>
+        </p:style>
+        <p:txBody>
+          <a:bodyPr rtlCol="0" anchor="ctr"/>
+          <a:lstStyle/>
+          <a:p>
+            <a:pPr algn="ctr"/>
+            <a:endParaRPr lang="sk-SK"/>
+          </a:p>
+        </p:txBody>
+      </p:sp>
+      <p:sp>
+        <p:nvSpPr>
+          <p:cNvPr id="44" name="Ovál 3">
+            <a:extLst>
+              <a:ext uri="{FF2B5EF4-FFF2-40B4-BE49-F238E27FC236}">
+                <a16:creationId xmlns:a16="http://schemas.microsoft.com/office/drawing/2014/main" id="{530E536D-BE98-204E-B427-D0FB4AD0BE7E}"/>
+              </a:ext>
+            </a:extLst>
+          </p:cNvPr>
+          <p:cNvSpPr/>
+          <p:nvPr/>
+        </p:nvSpPr>
+        <p:spPr>
+          <a:xfrm>
+            <a:off x="5181602" y="3130182"/>
+            <a:ext cx="1905000" cy="441028"/>
+          </a:xfrm>
+          <a:prstGeom prst="ellipse">
+            <a:avLst/>
+          </a:prstGeom>
+        </p:spPr>
+        <p:style>
+          <a:lnRef idx="2">
+            <a:schemeClr val="dk1"/>
+          </a:lnRef>
+          <a:fillRef idx="1">
+            <a:schemeClr val="lt1"/>
+          </a:fillRef>
+          <a:effectRef idx="0">
+            <a:schemeClr val="dk1"/>
+          </a:effectRef>
+          <a:fontRef idx="minor">
+            <a:schemeClr val="dk1"/>
+          </a:fontRef>
+        </p:style>
+        <p:txBody>
+          <a:bodyPr rtlCol="0" anchor="ctr"/>
+          <a:lstStyle/>
+          <a:p>
+            <a:pPr algn="ctr"/>
+            <a:endParaRPr lang="sk-SK"/>
+          </a:p>
+        </p:txBody>
+      </p:sp>
+      <p:sp>
+        <p:nvSpPr>
+          <p:cNvPr id="45" name="Text Box 2">
+            <a:extLst>
+              <a:ext uri="{FF2B5EF4-FFF2-40B4-BE49-F238E27FC236}">
+                <a16:creationId xmlns:a16="http://schemas.microsoft.com/office/drawing/2014/main" id="{CC26CACE-6395-E541-91CB-AB54D6661409}"/>
+              </a:ext>
+            </a:extLst>
+          </p:cNvPr>
+          <p:cNvSpPr txBox="1">
+            <a:spLocks noChangeArrowheads="1"/>
+          </p:cNvSpPr>
+          <p:nvPr/>
+        </p:nvSpPr>
+        <p:spPr bwMode="auto">
+          <a:xfrm>
+            <a:off x="5267933" y="4411968"/>
+            <a:ext cx="1790830" cy="1169551"/>
+          </a:xfrm>
+          <a:prstGeom prst="rect">
+            <a:avLst/>
+          </a:prstGeom>
+          <a:noFill/>
+          <a:ln w="9525">
+            <a:noFill/>
+            <a:miter lim="800000"/>
+            <a:headEnd/>
+            <a:tailEnd/>
+          </a:ln>
+        </p:spPr>
+        <p:txBody>
+          <a:bodyPr vert="horz" wrap="square" lIns="91440" tIns="45720" rIns="91440" bIns="45720" numCol="1" anchor="t" anchorCtr="0" compatLnSpc="1">
+            <a:prstTxWarp prst="textNoShape">
+              <a:avLst/>
+            </a:prstTxWarp>
+            <a:spAutoFit/>
+          </a:bodyPr>
+          <a:lstStyle>
+            <a:defPPr>
+              <a:defRPr lang="sk-SK"/>
+            </a:defPPr>
+            <a:lvl1pPr marL="0" algn="l" defTabSz="914400" rtl="0" eaLnBrk="1" latinLnBrk="0" hangingPunct="1">
+              <a:defRPr sz="1800" kern="1200">
+                <a:solidFill>
+                  <a:schemeClr val="tx1"/>
+                </a:solidFill>
+                <a:latin typeface="+mn-lt"/>
+                <a:ea typeface="+mn-ea"/>
+                <a:cs typeface="+mn-cs"/>
+              </a:defRPr>
+            </a:lvl1pPr>
+            <a:lvl2pPr marL="457200" algn="l" defTabSz="914400" rtl="0" eaLnBrk="1" latinLnBrk="0" hangingPunct="1">
+              <a:defRPr sz="1800" kern="1200">
+                <a:solidFill>
+                  <a:schemeClr val="tx1"/>
+                </a:solidFill>
+                <a:latin typeface="+mn-lt"/>
+                <a:ea typeface="+mn-ea"/>
+                <a:cs typeface="+mn-cs"/>
+              </a:defRPr>
+            </a:lvl2pPr>
+            <a:lvl3pPr marL="914400" algn="l" defTabSz="914400" rtl="0" eaLnBrk="1" latinLnBrk="0" hangingPunct="1">
+              <a:defRPr sz="1800" kern="1200">
+                <a:solidFill>
+                  <a:schemeClr val="tx1"/>
+                </a:solidFill>
+                <a:latin typeface="+mn-lt"/>
+                <a:ea typeface="+mn-ea"/>
+                <a:cs typeface="+mn-cs"/>
+              </a:defRPr>
+            </a:lvl3pPr>
+            <a:lvl4pPr marL="1371600" algn="l" defTabSz="914400" rtl="0" eaLnBrk="1" latinLnBrk="0" hangingPunct="1">
+              <a:defRPr sz="1800" kern="1200">
+                <a:solidFill>
+                  <a:schemeClr val="tx1"/>
+                </a:solidFill>
+                <a:latin typeface="+mn-lt"/>
+                <a:ea typeface="+mn-ea"/>
+                <a:cs typeface="+mn-cs"/>
+              </a:defRPr>
+            </a:lvl4pPr>
+            <a:lvl5pPr marL="1828800" algn="l" defTabSz="914400" rtl="0" eaLnBrk="1" latinLnBrk="0" hangingPunct="1">
+              <a:defRPr sz="1800" kern="1200">
+                <a:solidFill>
+                  <a:schemeClr val="tx1"/>
+                </a:solidFill>
+                <a:latin typeface="+mn-lt"/>
+                <a:ea typeface="+mn-ea"/>
+                <a:cs typeface="+mn-cs"/>
+              </a:defRPr>
+            </a:lvl5pPr>
+            <a:lvl6pPr marL="2286000" algn="l" defTabSz="914400" rtl="0" eaLnBrk="1" latinLnBrk="0" hangingPunct="1">
+              <a:defRPr sz="1800" kern="1200">
+                <a:solidFill>
+                  <a:schemeClr val="tx1"/>
+                </a:solidFill>
+                <a:latin typeface="+mn-lt"/>
+                <a:ea typeface="+mn-ea"/>
+                <a:cs typeface="+mn-cs"/>
+              </a:defRPr>
+            </a:lvl6pPr>
+            <a:lvl7pPr marL="2743200" algn="l" defTabSz="914400" rtl="0" eaLnBrk="1" latinLnBrk="0" hangingPunct="1">
+              <a:defRPr sz="1800" kern="1200">
+                <a:solidFill>
+                  <a:schemeClr val="tx1"/>
+                </a:solidFill>
+                <a:latin typeface="+mn-lt"/>
+                <a:ea typeface="+mn-ea"/>
+                <a:cs typeface="+mn-cs"/>
+              </a:defRPr>
+            </a:lvl7pPr>
+            <a:lvl8pPr marL="3200400" algn="l" defTabSz="914400" rtl="0" eaLnBrk="1" latinLnBrk="0" hangingPunct="1">
+              <a:defRPr sz="1800" kern="1200">
+                <a:solidFill>
+                  <a:schemeClr val="tx1"/>
+                </a:solidFill>
+                <a:latin typeface="+mn-lt"/>
+                <a:ea typeface="+mn-ea"/>
+                <a:cs typeface="+mn-cs"/>
+              </a:defRPr>
+            </a:lvl8pPr>
+            <a:lvl9pPr marL="3657600" algn="l" defTabSz="914400" rtl="0" eaLnBrk="1" latinLnBrk="0" hangingPunct="1">
+              <a:defRPr sz="1800" kern="1200">
+                <a:solidFill>
+                  <a:schemeClr val="tx1"/>
+                </a:solidFill>
+                <a:latin typeface="+mn-lt"/>
+                <a:ea typeface="+mn-ea"/>
+                <a:cs typeface="+mn-cs"/>
+              </a:defRPr>
+            </a:lvl9pPr>
+          </a:lstStyle>
+          <a:p>
+            <a:pPr lvl="0" algn="ctr" fontAlgn="base">
+              <a:spcBef>
+                <a:spcPct val="0"/>
+              </a:spcBef>
+              <a:spcAft>
+                <a:spcPct val="0"/>
+              </a:spcAft>
+            </a:pPr>
+            <a:r>
+              <a:rPr lang="en-US" sz="1400" b="1" dirty="0">
+                <a:latin typeface="Calibri" pitchFamily="34" charset="0"/>
+                <a:cs typeface="Arial" pitchFamily="34" charset="0"/>
+              </a:rPr>
+              <a:t>Rotary table</a:t>
+            </a:r>
+          </a:p>
+          <a:p>
+            <a:pPr lvl="0" algn="ctr" fontAlgn="base">
+              <a:spcBef>
+                <a:spcPct val="0"/>
+              </a:spcBef>
+              <a:spcAft>
+                <a:spcPct val="0"/>
+              </a:spcAft>
+            </a:pPr>
+            <a:r>
+              <a:rPr lang="en-US" sz="1400" dirty="0">
+                <a:latin typeface="Calibri" pitchFamily="34" charset="0"/>
+                <a:cs typeface="Arial" pitchFamily="34" charset="0"/>
+              </a:rPr>
+              <a:t>pneumatic pistons</a:t>
+            </a:r>
+          </a:p>
+          <a:p>
+            <a:pPr algn="ctr" fontAlgn="base">
+              <a:spcBef>
+                <a:spcPct val="0"/>
+              </a:spcBef>
+              <a:spcAft>
+                <a:spcPct val="0"/>
+              </a:spcAft>
+            </a:pPr>
+            <a:r>
+              <a:rPr lang="en-US" sz="1400" dirty="0">
+                <a:latin typeface="Calibri" pitchFamily="34" charset="0"/>
+                <a:cs typeface="Arial" pitchFamily="34" charset="0"/>
+              </a:rPr>
+              <a:t>rotation</a:t>
+            </a:r>
+          </a:p>
+          <a:p>
+            <a:pPr lvl="0" algn="ctr" fontAlgn="base">
+              <a:spcBef>
+                <a:spcPct val="0"/>
+              </a:spcBef>
+              <a:spcAft>
+                <a:spcPct val="0"/>
+              </a:spcAft>
+            </a:pPr>
+            <a:r>
+              <a:rPr lang="en-US" sz="1400" dirty="0" err="1">
+                <a:latin typeface="Calibri" pitchFamily="34" charset="0"/>
+                <a:cs typeface="Arial" pitchFamily="34" charset="0"/>
+              </a:rPr>
+              <a:t>ect</a:t>
+            </a:r>
+            <a:r>
+              <a:rPr lang="en-US" sz="1400" dirty="0">
+                <a:latin typeface="Calibri" pitchFamily="34" charset="0"/>
+                <a:cs typeface="Arial" pitchFamily="34" charset="0"/>
+              </a:rPr>
+              <a:t>. outputs</a:t>
+            </a:r>
+          </a:p>
+          <a:p>
+            <a:pPr lvl="0" algn="ctr" fontAlgn="base">
+              <a:spcBef>
+                <a:spcPct val="0"/>
+              </a:spcBef>
+              <a:spcAft>
+                <a:spcPct val="0"/>
+              </a:spcAft>
+            </a:pPr>
+            <a:endParaRPr lang="en-US" sz="1400" dirty="0">
+              <a:latin typeface="Calibri" pitchFamily="34" charset="0"/>
+              <a:cs typeface="Arial" pitchFamily="34" charset="0"/>
+            </a:endParaRPr>
+          </a:p>
+        </p:txBody>
+      </p:sp>
+      <p:pic>
+        <p:nvPicPr>
+          <p:cNvPr id="46" name="Obrázok 3">
+            <a:extLst>
+              <a:ext uri="{FF2B5EF4-FFF2-40B4-BE49-F238E27FC236}">
+                <a16:creationId xmlns:a16="http://schemas.microsoft.com/office/drawing/2014/main" id="{9D051CD7-FE48-1543-B56B-3613382267A2}"/>
+              </a:ext>
+            </a:extLst>
+          </p:cNvPr>
+          <p:cNvPicPr>
+            <a:picLocks noChangeAspect="1"/>
+          </p:cNvPicPr>
+          <p:nvPr/>
+        </p:nvPicPr>
+        <p:blipFill>
+          <a:blip r:embed="rId4">
+            <a:extLst>
+              <a:ext uri="{28A0092B-C50C-407E-A947-70E740481C1C}">
+                <a14:useLocalDpi xmlns:a14="http://schemas.microsoft.com/office/drawing/2010/main" val="0"/>
+              </a:ext>
+            </a:extLst>
+          </a:blip>
+          <a:stretch>
+            <a:fillRect/>
+          </a:stretch>
+        </p:blipFill>
+        <p:spPr>
+          <a:xfrm>
+            <a:off x="2286000" y="1531134"/>
+            <a:ext cx="2731666" cy="3424741"/>
+          </a:xfrm>
+          <a:prstGeom prst="rect">
+            <a:avLst/>
+          </a:prstGeom>
+        </p:spPr>
+      </p:pic>
+      <p:sp>
+        <p:nvSpPr>
+          <p:cNvPr id="47" name="Text Box 2">
+            <a:extLst>
+              <a:ext uri="{FF2B5EF4-FFF2-40B4-BE49-F238E27FC236}">
+                <a16:creationId xmlns:a16="http://schemas.microsoft.com/office/drawing/2014/main" id="{DB49FC7A-B8BF-F642-AB63-CE0E009DE5DB}"/>
+              </a:ext>
+            </a:extLst>
+          </p:cNvPr>
+          <p:cNvSpPr txBox="1">
+            <a:spLocks noChangeArrowheads="1"/>
+          </p:cNvSpPr>
+          <p:nvPr/>
+        </p:nvSpPr>
+        <p:spPr bwMode="auto">
+          <a:xfrm flipH="1">
+            <a:off x="2721935" y="4900983"/>
+            <a:ext cx="1585133" cy="523220"/>
+          </a:xfrm>
+          <a:prstGeom prst="rect">
+            <a:avLst/>
+          </a:prstGeom>
+          <a:noFill/>
+          <a:ln w="9525">
+            <a:noFill/>
+            <a:miter lim="800000"/>
+            <a:headEnd/>
+            <a:tailEnd/>
+          </a:ln>
+        </p:spPr>
+        <p:txBody>
+          <a:bodyPr vert="horz" wrap="square" lIns="91440" tIns="45720" rIns="91440" bIns="45720" numCol="1" anchor="t" anchorCtr="0" compatLnSpc="1">
+            <a:prstTxWarp prst="textNoShape">
+              <a:avLst/>
+            </a:prstTxWarp>
+            <a:spAutoFit/>
+          </a:bodyPr>
+          <a:lstStyle>
+            <a:defPPr>
+              <a:defRPr lang="sk-SK"/>
+            </a:defPPr>
+            <a:lvl1pPr marL="0" algn="l" defTabSz="914400" rtl="0" eaLnBrk="1" latinLnBrk="0" hangingPunct="1">
+              <a:defRPr sz="1800" kern="1200">
+                <a:solidFill>
+                  <a:schemeClr val="tx1"/>
+                </a:solidFill>
+                <a:latin typeface="+mn-lt"/>
+                <a:ea typeface="+mn-ea"/>
+                <a:cs typeface="+mn-cs"/>
+              </a:defRPr>
+            </a:lvl1pPr>
+            <a:lvl2pPr marL="457200" algn="l" defTabSz="914400" rtl="0" eaLnBrk="1" latinLnBrk="0" hangingPunct="1">
+              <a:defRPr sz="1800" kern="1200">
+                <a:solidFill>
+                  <a:schemeClr val="tx1"/>
+                </a:solidFill>
+                <a:latin typeface="+mn-lt"/>
+                <a:ea typeface="+mn-ea"/>
+                <a:cs typeface="+mn-cs"/>
+              </a:defRPr>
+            </a:lvl2pPr>
+            <a:lvl3pPr marL="914400" algn="l" defTabSz="914400" rtl="0" eaLnBrk="1" latinLnBrk="0" hangingPunct="1">
+              <a:defRPr sz="1800" kern="1200">
+                <a:solidFill>
+                  <a:schemeClr val="tx1"/>
+                </a:solidFill>
+                <a:latin typeface="+mn-lt"/>
+                <a:ea typeface="+mn-ea"/>
+                <a:cs typeface="+mn-cs"/>
+              </a:defRPr>
+            </a:lvl3pPr>
+            <a:lvl4pPr marL="1371600" algn="l" defTabSz="914400" rtl="0" eaLnBrk="1" latinLnBrk="0" hangingPunct="1">
+              <a:defRPr sz="1800" kern="1200">
+                <a:solidFill>
+                  <a:schemeClr val="tx1"/>
+                </a:solidFill>
+                <a:latin typeface="+mn-lt"/>
+                <a:ea typeface="+mn-ea"/>
+                <a:cs typeface="+mn-cs"/>
+              </a:defRPr>
+            </a:lvl4pPr>
+            <a:lvl5pPr marL="1828800" algn="l" defTabSz="914400" rtl="0" eaLnBrk="1" latinLnBrk="0" hangingPunct="1">
+              <a:defRPr sz="1800" kern="1200">
+                <a:solidFill>
+                  <a:schemeClr val="tx1"/>
+                </a:solidFill>
+                <a:latin typeface="+mn-lt"/>
+                <a:ea typeface="+mn-ea"/>
+                <a:cs typeface="+mn-cs"/>
+              </a:defRPr>
+            </a:lvl5pPr>
+            <a:lvl6pPr marL="2286000" algn="l" defTabSz="914400" rtl="0" eaLnBrk="1" latinLnBrk="0" hangingPunct="1">
+              <a:defRPr sz="1800" kern="1200">
+                <a:solidFill>
+                  <a:schemeClr val="tx1"/>
+                </a:solidFill>
+                <a:latin typeface="+mn-lt"/>
+                <a:ea typeface="+mn-ea"/>
+                <a:cs typeface="+mn-cs"/>
+              </a:defRPr>
+            </a:lvl6pPr>
+            <a:lvl7pPr marL="2743200" algn="l" defTabSz="914400" rtl="0" eaLnBrk="1" latinLnBrk="0" hangingPunct="1">
+              <a:defRPr sz="1800" kern="1200">
+                <a:solidFill>
+                  <a:schemeClr val="tx1"/>
+                </a:solidFill>
+                <a:latin typeface="+mn-lt"/>
+                <a:ea typeface="+mn-ea"/>
+                <a:cs typeface="+mn-cs"/>
+              </a:defRPr>
+            </a:lvl7pPr>
+            <a:lvl8pPr marL="3200400" algn="l" defTabSz="914400" rtl="0" eaLnBrk="1" latinLnBrk="0" hangingPunct="1">
+              <a:defRPr sz="1800" kern="1200">
+                <a:solidFill>
+                  <a:schemeClr val="tx1"/>
+                </a:solidFill>
+                <a:latin typeface="+mn-lt"/>
+                <a:ea typeface="+mn-ea"/>
+                <a:cs typeface="+mn-cs"/>
+              </a:defRPr>
+            </a:lvl8pPr>
+            <a:lvl9pPr marL="3657600" algn="l" defTabSz="914400" rtl="0" eaLnBrk="1" latinLnBrk="0" hangingPunct="1">
+              <a:defRPr sz="1800" kern="1200">
+                <a:solidFill>
+                  <a:schemeClr val="tx1"/>
+                </a:solidFill>
+                <a:latin typeface="+mn-lt"/>
+                <a:ea typeface="+mn-ea"/>
+                <a:cs typeface="+mn-cs"/>
+              </a:defRPr>
+            </a:lvl9pPr>
+          </a:lstStyle>
+          <a:p>
+            <a:pPr lvl="0" algn="ctr" fontAlgn="base">
+              <a:spcBef>
+                <a:spcPct val="0"/>
+              </a:spcBef>
+              <a:spcAft>
+                <a:spcPct val="0"/>
+              </a:spcAft>
+            </a:pPr>
+            <a:r>
+              <a:rPr lang="en-US" sz="1400" b="1" dirty="0">
+                <a:latin typeface="Calibri" pitchFamily="34" charset="0"/>
+                <a:cs typeface="Arial" pitchFamily="34" charset="0"/>
+              </a:rPr>
+              <a:t>Robot</a:t>
+            </a:r>
+          </a:p>
+          <a:p>
+            <a:pPr lvl="0" algn="ctr" fontAlgn="base">
+              <a:spcBef>
+                <a:spcPct val="0"/>
+              </a:spcBef>
+              <a:spcAft>
+                <a:spcPct val="0"/>
+              </a:spcAft>
+            </a:pPr>
+            <a:r>
+              <a:rPr lang="en-US" sz="1400" dirty="0">
+                <a:latin typeface="Calibri" pitchFamily="34" charset="0"/>
+                <a:cs typeface="Arial" pitchFamily="34" charset="0"/>
+              </a:rPr>
+              <a:t>current movement</a:t>
+            </a:r>
+          </a:p>
+        </p:txBody>
+      </p:sp>
+    </p:spTree>
+    <p:extLst>
+      <p:ext uri="{BB962C8B-B14F-4D97-AF65-F5344CB8AC3E}">
+        <p14:creationId xmlns:p14="http://schemas.microsoft.com/office/powerpoint/2010/main" val="1155813441"/>
+      </p:ext>
+    </p:extLst>
+  </p:cSld>
+  <p:clrMapOvr>
+    <a:masterClrMapping/>
+  </p:clrMapOvr>
+  <mc:AlternateContent xmlns:mc="http://schemas.openxmlformats.org/markup-compatibility/2006" xmlns:p14="http://schemas.microsoft.com/office/powerpoint/2010/main">
+    <mc:Choice Requires="p14">
+      <p:transition spd="slow" p14:dur="1200">
+        <p14:prism/>
+      </p:transition>
+    </mc:Choice>
+    <mc:Fallback xmlns="">
+      <p:transition spd="slow">
+        <p:fade/>
+      </p:transition>
+    </mc:Fallback>
+  </mc:AlternateContent>
+</p:sld>
+</file>
+
+<file path=ppt/slides/slide2.xml><?xml version="1.0" encoding="utf-8"?>
+<p:sld xmlns:a="http://schemas.openxmlformats.org/drawingml/2006/main" xmlns:r="http://schemas.openxmlformats.org/officeDocument/2006/relationships" xmlns:p="http://schemas.openxmlformats.org/presentationml/2006/main">
+  <p:cSld>
+    <p:spTree>
+      <p:nvGrpSpPr>
+        <p:cNvPr id="1" name=""/>
+        <p:cNvGrpSpPr/>
+        <p:nvPr/>
+      </p:nvGrpSpPr>
+      <p:grpSpPr>
+        <a:xfrm>
+          <a:off x="0" y="0"/>
+          <a:ext cx="0" cy="0"/>
+          <a:chOff x="0" y="0"/>
+          <a:chExt cx="0" cy="0"/>
+        </a:xfrm>
+      </p:grpSpPr>
+      <p:sp>
+        <p:nvSpPr>
+          <p:cNvPr id="2" name="Zástupný symbol dátumu 1"/>
+          <p:cNvSpPr>
+            <a:spLocks noGrp="1"/>
+          </p:cNvSpPr>
+          <p:nvPr>
+            <p:ph type="dt" sz="half" idx="10"/>
+          </p:nvPr>
+        </p:nvSpPr>
+        <p:spPr>
+          <a:xfrm>
+            <a:off x="0" y="6492875"/>
+            <a:ext cx="1447800" cy="365125"/>
+          </a:xfrm>
+        </p:spPr>
+        <p:txBody>
+          <a:bodyPr/>
+          <a:lstStyle/>
+          <a:p>
+            <a:pPr algn="ctr"/>
+            <a:fld id="{F028A4AA-47DC-4BFA-9119-5860EA5BD96A}" type="datetime1">
+              <a:rPr lang="sk-SK" smtClean="0"/>
+              <a:pPr algn="ctr"/>
+              <a:t>20.12.20</a:t>
+            </a:fld>
+            <a:endParaRPr lang="sk-SK" dirty="0"/>
+          </a:p>
+        </p:txBody>
+      </p:sp>
+      <p:sp>
+        <p:nvSpPr>
+          <p:cNvPr id="3" name="Zástupný symbol päty 2"/>
+          <p:cNvSpPr>
+            <a:spLocks noGrp="1"/>
+          </p:cNvSpPr>
+          <p:nvPr>
+            <p:ph type="ftr" sz="quarter" idx="11"/>
+          </p:nvPr>
+        </p:nvSpPr>
+        <p:spPr>
+          <a:xfrm>
+            <a:off x="3124200" y="6492875"/>
+            <a:ext cx="2895600" cy="365125"/>
+          </a:xfrm>
+        </p:spPr>
+        <p:txBody>
+          <a:bodyPr/>
+          <a:lstStyle/>
+          <a:p>
+            <a:r>
+              <a:rPr lang="sk-SK" b="1" dirty="0">
+                <a:latin typeface="Calibri" pitchFamily="34" charset="0"/>
+                <a:ea typeface="Times New Roman" pitchFamily="18" charset="0"/>
+                <a:cs typeface="Times New Roman" pitchFamily="18" charset="0"/>
+              </a:rPr>
+              <a:t>Diplomová práca</a:t>
+            </a:r>
+            <a:endParaRPr lang="sk-SK" dirty="0"/>
+          </a:p>
+        </p:txBody>
+      </p:sp>
+      <p:sp>
+        <p:nvSpPr>
+          <p:cNvPr id="5" name="Zástupný symbol čísla snímky 4"/>
+          <p:cNvSpPr>
+            <a:spLocks noGrp="1"/>
+          </p:cNvSpPr>
+          <p:nvPr>
+            <p:ph type="sldNum" sz="quarter" idx="12"/>
+          </p:nvPr>
+        </p:nvSpPr>
+        <p:spPr>
+          <a:xfrm>
+            <a:off x="8458200" y="6515287"/>
+            <a:ext cx="685800" cy="365125"/>
+          </a:xfrm>
+        </p:spPr>
+        <p:txBody>
+          <a:bodyPr/>
+          <a:lstStyle/>
+          <a:p>
+            <a:pPr algn="ctr"/>
+            <a:fld id="{D6463108-0728-4F2C-A3A7-356034624A9C}" type="slidenum">
+              <a:rPr lang="sk-SK" smtClean="0"/>
+              <a:pPr algn="ctr"/>
+              <a:t>4</a:t>
+            </a:fld>
+            <a:endParaRPr lang="sk-SK" dirty="0"/>
+          </a:p>
+        </p:txBody>
+      </p:sp>
+      <p:grpSp>
+        <p:nvGrpSpPr>
+          <p:cNvPr id="16" name="Skupina 15"/>
+          <p:cNvGrpSpPr/>
+          <p:nvPr/>
+        </p:nvGrpSpPr>
+        <p:grpSpPr>
+          <a:xfrm>
+            <a:off x="0" y="47625"/>
+            <a:ext cx="9144000" cy="529836"/>
+            <a:chOff x="0" y="47625"/>
+            <a:chExt cx="9144000" cy="529836"/>
+          </a:xfrm>
+        </p:grpSpPr>
+        <p:sp>
+          <p:nvSpPr>
+            <p:cNvPr id="17" name="Obdĺžnik 16"/>
+            <p:cNvSpPr/>
+            <p:nvPr/>
+          </p:nvSpPr>
+          <p:spPr>
+            <a:xfrm>
+              <a:off x="0" y="279972"/>
+              <a:ext cx="9144000" cy="297489"/>
+            </a:xfrm>
+            <a:prstGeom prst="rect">
+              <a:avLst/>
+            </a:prstGeom>
+            <a:gradFill flip="none" rotWithShape="1">
+              <a:gsLst>
+                <a:gs pos="0">
+                  <a:schemeClr val="bg1">
+                    <a:lumMod val="95000"/>
+                  </a:schemeClr>
+                </a:gs>
+                <a:gs pos="15000">
+                  <a:schemeClr val="bg1">
+                    <a:lumMod val="95000"/>
+                  </a:schemeClr>
+                </a:gs>
+                <a:gs pos="100000">
+                  <a:srgbClr val="DDDDDD"/>
+                </a:gs>
+              </a:gsLst>
+              <a:lin ang="0" scaled="1"/>
+              <a:tileRect/>
+            </a:gradFill>
+            <a:ln>
+              <a:noFill/>
+            </a:ln>
+          </p:spPr>
+          <p:style>
+            <a:lnRef idx="2">
+              <a:schemeClr val="accent1">
+                <a:shade val="50000"/>
+              </a:schemeClr>
+            </a:lnRef>
+            <a:fillRef idx="1">
+              <a:schemeClr val="accent1"/>
+            </a:fillRef>
+            <a:effectRef idx="0">
+              <a:schemeClr val="accent1"/>
+            </a:effectRef>
+            <a:fontRef idx="minor">
+              <a:schemeClr val="lt1"/>
+            </a:fontRef>
+          </p:style>
+          <p:txBody>
+            <a:bodyPr rtlCol="0" anchor="ctr"/>
+            <a:lstStyle/>
+            <a:p>
+              <a:pPr algn="ctr"/>
+              <a:endParaRPr lang="en-US"/>
+            </a:p>
+          </p:txBody>
+        </p:sp>
+        <p:pic>
+          <p:nvPicPr>
+            <p:cNvPr id="18" name="Obrázok 17"/>
+            <p:cNvPicPr>
+              <a:picLocks noChangeAspect="1"/>
+            </p:cNvPicPr>
+            <p:nvPr/>
+          </p:nvPicPr>
+          <p:blipFill>
+            <a:blip r:embed="rId3" cstate="print">
+              <a:extLst>
+                <a:ext uri="{28A0092B-C50C-407E-A947-70E740481C1C}">
+                  <a14:useLocalDpi xmlns:a14="http://schemas.microsoft.com/office/drawing/2010/main" val="0"/>
+                </a:ext>
+              </a:extLst>
+            </a:blip>
+            <a:stretch>
+              <a:fillRect/>
+            </a:stretch>
+          </p:blipFill>
+          <p:spPr>
+            <a:xfrm>
+              <a:off x="7353270" y="47625"/>
+              <a:ext cx="1626900" cy="478981"/>
+            </a:xfrm>
+            <a:prstGeom prst="rect">
+              <a:avLst/>
+            </a:prstGeom>
+          </p:spPr>
+        </p:pic>
+        <p:cxnSp>
+          <p:nvCxnSpPr>
+            <p:cNvPr id="19" name="Rovná spojnica 18"/>
+            <p:cNvCxnSpPr/>
+            <p:nvPr/>
+          </p:nvCxnSpPr>
+          <p:spPr>
+            <a:xfrm flipH="1">
+              <a:off x="0" y="566025"/>
+              <a:ext cx="9144000" cy="1911"/>
+            </a:xfrm>
+            <a:prstGeom prst="line">
+              <a:avLst/>
+            </a:prstGeom>
+            <a:ln w="9525">
+              <a:solidFill>
+                <a:srgbClr val="C00000"/>
+              </a:solidFill>
+            </a:ln>
+          </p:spPr>
+          <p:style>
+            <a:lnRef idx="1">
+              <a:schemeClr val="accent1"/>
+            </a:lnRef>
+            <a:fillRef idx="0">
+              <a:schemeClr val="accent1"/>
+            </a:fillRef>
+            <a:effectRef idx="0">
+              <a:schemeClr val="accent1"/>
+            </a:effectRef>
+            <a:fontRef idx="minor">
+              <a:schemeClr val="tx1"/>
+            </a:fontRef>
+          </p:style>
+        </p:cxnSp>
+        <p:cxnSp>
+          <p:nvCxnSpPr>
+            <p:cNvPr id="20" name="Rovná spojnica 19"/>
+            <p:cNvCxnSpPr/>
+            <p:nvPr/>
+          </p:nvCxnSpPr>
+          <p:spPr>
+            <a:xfrm flipH="1">
+              <a:off x="0" y="523977"/>
+              <a:ext cx="9144000" cy="0"/>
+            </a:xfrm>
+            <a:prstGeom prst="line">
+              <a:avLst/>
+            </a:prstGeom>
+            <a:ln w="9525">
+              <a:solidFill>
+                <a:schemeClr val="bg1"/>
+              </a:solidFill>
+            </a:ln>
+          </p:spPr>
+          <p:style>
+            <a:lnRef idx="1">
+              <a:schemeClr val="accent1"/>
+            </a:lnRef>
+            <a:fillRef idx="0">
+              <a:schemeClr val="accent1"/>
+            </a:fillRef>
+            <a:effectRef idx="0">
+              <a:schemeClr val="accent1"/>
+            </a:effectRef>
+            <a:fontRef idx="minor">
+              <a:schemeClr val="tx1"/>
+            </a:fontRef>
+          </p:style>
+        </p:cxnSp>
+        <p:cxnSp>
+          <p:nvCxnSpPr>
+            <p:cNvPr id="21" name="Rovná spojnica 20"/>
+            <p:cNvCxnSpPr/>
+            <p:nvPr/>
+          </p:nvCxnSpPr>
+          <p:spPr>
+            <a:xfrm>
+              <a:off x="152400" y="267272"/>
+              <a:ext cx="0" cy="287964"/>
+            </a:xfrm>
+            <a:prstGeom prst="line">
+              <a:avLst/>
+            </a:prstGeom>
+            <a:ln>
+              <a:solidFill>
+                <a:schemeClr val="bg1"/>
+              </a:solidFill>
+            </a:ln>
+          </p:spPr>
+          <p:style>
+            <a:lnRef idx="1">
+              <a:schemeClr val="accent1"/>
+            </a:lnRef>
+            <a:fillRef idx="0">
+              <a:schemeClr val="accent1"/>
+            </a:fillRef>
+            <a:effectRef idx="0">
+              <a:schemeClr val="accent1"/>
+            </a:effectRef>
+            <a:fontRef idx="minor">
+              <a:schemeClr val="tx1"/>
+            </a:fontRef>
+          </p:style>
+        </p:cxnSp>
+      </p:grpSp>
+      <p:sp>
+        <p:nvSpPr>
+          <p:cNvPr id="12" name="BlokTextu 11"/>
+          <p:cNvSpPr txBox="1"/>
+          <p:nvPr/>
+        </p:nvSpPr>
+        <p:spPr>
+          <a:xfrm>
+            <a:off x="152400" y="244050"/>
+            <a:ext cx="8694420" cy="369332"/>
+          </a:xfrm>
+          <a:prstGeom prst="rect">
+            <a:avLst/>
+          </a:prstGeom>
+          <a:noFill/>
+        </p:spPr>
+        <p:txBody>
+          <a:bodyPr wrap="square" rtlCol="0">
+            <a:spAutoFit/>
+          </a:bodyPr>
+          <a:lstStyle/>
+          <a:p>
+            <a:r>
+              <a:rPr lang="en-US" b="1" dirty="0"/>
               <a:t>Version</a:t>
             </a:r>
           </a:p>
@@ -4904,7 +5957,7 @@
           <p:nvPr>
             <p:extLst>
               <p:ext uri="{D42A27DB-BD31-4B8C-83A1-F6EECF244321}">
-                <p14:modId xmlns:p14="http://schemas.microsoft.com/office/powerpoint/2010/main" val="2970175452"/>
+                <p14:modId xmlns:p14="http://schemas.microsoft.com/office/powerpoint/2010/main" val="1512004930"/>
               </p:ext>
             </p:extLst>
           </p:nvPr>
@@ -5588,8 +6641,27 @@
                     <a:bodyPr/>
                     <a:lstStyle/>
                     <a:p>
-                      <a:pPr algn="ctr"/>
-                      <a:endParaRPr lang="en-US" sz="1400" b="1" noProof="0" dirty="0"/>
+                      <a:pPr marL="0" marR="0" lvl="0" indent="0" algn="ctr" defTabSz="914400" rtl="0" eaLnBrk="1" fontAlgn="auto" latinLnBrk="0" hangingPunct="1">
+                        <a:lnSpc>
+                          <a:spcPct val="100000"/>
+                        </a:lnSpc>
+                        <a:spcBef>
+                          <a:spcPts val="0"/>
+                        </a:spcBef>
+                        <a:spcAft>
+                          <a:spcPts val="0"/>
+                        </a:spcAft>
+                        <a:buClrTx/>
+                        <a:buSzTx/>
+                        <a:buFontTx/>
+                        <a:buNone/>
+                        <a:tabLst/>
+                        <a:defRPr/>
+                      </a:pPr>
+                      <a:r>
+                        <a:rPr lang="en-US" sz="1400" b="0" noProof="0" dirty="0"/>
+                        <a:t>1.4</a:t>
+                      </a:r>
                     </a:p>
                   </a:txBody>
                   <a:tcPr anchor="ctr">
@@ -5626,7 +6698,10 @@
                         <a:tabLst/>
                         <a:defRPr/>
                       </a:pPr>
-                      <a:endParaRPr lang="en-US" sz="1400" b="1" noProof="0" dirty="0"/>
+                      <a:r>
+                        <a:rPr lang="en-US" sz="1400" b="0" noProof="0" dirty="0"/>
+                        <a:t>Camera calibration version</a:t>
+                      </a:r>
                     </a:p>
                   </a:txBody>
                   <a:tcPr anchor="ctr">
@@ -5672,6 +6747,18 @@
                         <a:tabLst/>
                         <a:defRPr/>
                       </a:pPr>
+                      <a:r>
+                        <a:rPr lang="en-US" sz="1400" noProof="0" dirty="0" err="1"/>
+                        <a:t>Patrik</a:t>
+                      </a:r>
+                      <a:r>
+                        <a:rPr lang="en-US" sz="1400" noProof="0" dirty="0"/>
+                        <a:t> </a:t>
+                      </a:r>
+                      <a:r>
+                        <a:rPr lang="en-US" sz="1400" noProof="0" dirty="0" err="1"/>
+                        <a:t>Herčút</a:t>
+                      </a:r>
                       <a:endParaRPr lang="en-US" sz="1400" noProof="0" dirty="0"/>
                     </a:p>
                   </a:txBody>
@@ -5889,7 +6976,7 @@
             <a:pPr algn="ctr"/>
             <a:fld id="{52A9BE2B-1410-1944-9C08-93ED9F34575F}" type="datetime1">
               <a:rPr lang="sk-SK" smtClean="0"/>
-              <a:t>18.12.20</a:t>
+              <a:t>20.12.20</a:t>
             </a:fld>
             <a:endParaRPr lang="sk-SK" dirty="0"/>
           </a:p>
@@ -8237,7 +9324,7 @@
         </p:nvSpPr>
         <p:spPr bwMode="auto">
           <a:xfrm rot="16200000">
-            <a:off x="-456949" y="4541851"/>
+            <a:off x="-401682" y="4527922"/>
             <a:ext cx="3733800" cy="338554"/>
           </a:xfrm>
           <a:prstGeom prst="rect">
@@ -8376,7 +9463,7 @@
                 <a:latin typeface="Calibri" pitchFamily="34" charset="0"/>
                 <a:cs typeface="Times New Roman" pitchFamily="18" charset="0"/>
               </a:rPr>
-              <a:t> Ethernet LLT</a:t>
+              <a:t> Ethernet</a:t>
             </a:r>
             <a:endParaRPr kumimoji="0" lang="en-US" sz="1600" b="0" i="0" u="none" strike="noStrike" cap="none" normalizeH="0" baseline="0" dirty="0">
               <a:ln>
@@ -8597,7 +9684,7 @@
             <a:fld id="{F028A4AA-47DC-4BFA-9119-5860EA5BD96A}" type="datetime1">
               <a:rPr lang="sk-SK" smtClean="0"/>
               <a:pPr algn="ctr"/>
-              <a:t>18.12.20</a:t>
+              <a:t>20.12.20</a:t>
             </a:fld>
             <a:endParaRPr lang="sk-SK" dirty="0"/>
           </a:p>
@@ -9835,7 +10922,7 @@
             <a:fld id="{F028A4AA-47DC-4BFA-9119-5860EA5BD96A}" type="datetime1">
               <a:rPr lang="sk-SK" smtClean="0"/>
               <a:pPr algn="ctr"/>
-              <a:t>18.12.20</a:t>
+              <a:t>20.12.20</a:t>
             </a:fld>
             <a:endParaRPr lang="sk-SK" dirty="0"/>
           </a:p>
@@ -10107,7 +11194,7 @@
           <a:p>
             <a:r>
               <a:rPr lang="en-US" b="1" dirty="0"/>
-              <a:t>Electrical concept: Rotary table control cabinet </a:t>
+              <a:t>Electrical concept: Rotary table control  (Tire testing)</a:t>
             </a:r>
           </a:p>
         </p:txBody>
@@ -11492,7 +12579,7 @@
             <a:fld id="{F028A4AA-47DC-4BFA-9119-5860EA5BD96A}" type="datetime1">
               <a:rPr lang="sk-SK" smtClean="0"/>
               <a:pPr algn="ctr"/>
-              <a:t>18.12.20</a:t>
+              <a:t>20.12.20</a:t>
             </a:fld>
             <a:endParaRPr lang="sk-SK" dirty="0"/>
           </a:p>
@@ -13230,7 +14317,7 @@
     </p:spTree>
     <p:extLst>
       <p:ext uri="{BB962C8B-B14F-4D97-AF65-F5344CB8AC3E}">
-        <p14:creationId xmlns:p14="http://schemas.microsoft.com/office/powerpoint/2010/main" val="3397439793"/>
+        <p14:creationId xmlns:p14="http://schemas.microsoft.com/office/powerpoint/2010/main" val="2433761586"/>
       </p:ext>
     </p:extLst>
   </p:cSld>
@@ -13293,7 +14380,7 @@
             <a:fld id="{F028A4AA-47DC-4BFA-9119-5860EA5BD96A}" type="datetime1">
               <a:rPr lang="sk-SK" smtClean="0"/>
               <a:pPr algn="ctr"/>
-              <a:t>18.12.20</a:t>
+              <a:t>20.12.20</a:t>
             </a:fld>
             <a:endParaRPr lang="sk-SK" dirty="0"/>
           </a:p>
@@ -13565,7 +14652,7 @@
           <a:p>
             <a:r>
               <a:rPr lang="en-US" b="1" dirty="0"/>
-              <a:t>Electrical concept: Safety components safety PLC</a:t>
+              <a:t>Electrical concept: Robot  (Camera calibration)</a:t>
             </a:r>
           </a:p>
         </p:txBody>
@@ -13578,7 +14665,7 @@
         </p:nvCxnSpPr>
         <p:spPr>
           <a:xfrm flipH="1">
-            <a:off x="0" y="6570172"/>
+            <a:off x="20320" y="6553200"/>
             <a:ext cx="9131300" cy="0"/>
           </a:xfrm>
           <a:prstGeom prst="line">
@@ -13607,42 +14694,185 @@
       </p:cxnSp>
       <p:sp>
         <p:nvSpPr>
-          <p:cNvPr id="84" name="Zástupný symbol päty 2"/>
+          <p:cNvPr id="25" name="Line 6"/>
           <p:cNvSpPr>
-            <a:spLocks noGrp="1"/>
+            <a:spLocks/>
           </p:cNvSpPr>
-          <p:nvPr>
-            <p:ph type="ftr" sz="quarter" idx="11"/>
-          </p:nvPr>
-        </p:nvSpPr>
+          <p:nvPr/>
+        </p:nvSpPr>
+        <p:spPr bwMode="auto">
+          <a:xfrm flipH="1" flipV="1">
+            <a:off x="533400" y="613383"/>
+            <a:ext cx="0" cy="5939817"/>
+          </a:xfrm>
+          <a:prstGeom prst="line">
+            <a:avLst/>
+          </a:prstGeom>
+          <a:noFill/>
+          <a:ln w="38100">
+            <a:solidFill>
+              <a:srgbClr val="00B050"/>
+            </a:solidFill>
+            <a:round/>
+            <a:headEnd type="none" w="med" len="med"/>
+            <a:tailEnd type="none"/>
+          </a:ln>
+          <a:effectLst>
+            <a:outerShdw dist="23000" dir="5400000" rotWithShape="0">
+              <a:srgbClr val="000000">
+                <a:alpha val="34999"/>
+              </a:srgbClr>
+            </a:outerShdw>
+          </a:effectLst>
+        </p:spPr>
+        <p:txBody>
+          <a:bodyPr vert="horz" wrap="square" lIns="91440" tIns="45720" rIns="91440" bIns="45720" numCol="1" anchor="t" anchorCtr="0" compatLnSpc="1">
+            <a:prstTxWarp prst="textNoShape">
+              <a:avLst/>
+            </a:prstTxWarp>
+          </a:bodyPr>
+          <a:lstStyle>
+            <a:defPPr>
+              <a:defRPr lang="sk-SK"/>
+            </a:defPPr>
+            <a:lvl1pPr marL="0" algn="l" defTabSz="914400" rtl="0" eaLnBrk="1" latinLnBrk="0" hangingPunct="1">
+              <a:defRPr sz="1800" kern="1200">
+                <a:solidFill>
+                  <a:schemeClr val="tx1"/>
+                </a:solidFill>
+                <a:latin typeface="+mn-lt"/>
+                <a:ea typeface="+mn-ea"/>
+                <a:cs typeface="+mn-cs"/>
+              </a:defRPr>
+            </a:lvl1pPr>
+            <a:lvl2pPr marL="457200" algn="l" defTabSz="914400" rtl="0" eaLnBrk="1" latinLnBrk="0" hangingPunct="1">
+              <a:defRPr sz="1800" kern="1200">
+                <a:solidFill>
+                  <a:schemeClr val="tx1"/>
+                </a:solidFill>
+                <a:latin typeface="+mn-lt"/>
+                <a:ea typeface="+mn-ea"/>
+                <a:cs typeface="+mn-cs"/>
+              </a:defRPr>
+            </a:lvl2pPr>
+            <a:lvl3pPr marL="914400" algn="l" defTabSz="914400" rtl="0" eaLnBrk="1" latinLnBrk="0" hangingPunct="1">
+              <a:defRPr sz="1800" kern="1200">
+                <a:solidFill>
+                  <a:schemeClr val="tx1"/>
+                </a:solidFill>
+                <a:latin typeface="+mn-lt"/>
+                <a:ea typeface="+mn-ea"/>
+                <a:cs typeface="+mn-cs"/>
+              </a:defRPr>
+            </a:lvl3pPr>
+            <a:lvl4pPr marL="1371600" algn="l" defTabSz="914400" rtl="0" eaLnBrk="1" latinLnBrk="0" hangingPunct="1">
+              <a:defRPr sz="1800" kern="1200">
+                <a:solidFill>
+                  <a:schemeClr val="tx1"/>
+                </a:solidFill>
+                <a:latin typeface="+mn-lt"/>
+                <a:ea typeface="+mn-ea"/>
+                <a:cs typeface="+mn-cs"/>
+              </a:defRPr>
+            </a:lvl4pPr>
+            <a:lvl5pPr marL="1828800" algn="l" defTabSz="914400" rtl="0" eaLnBrk="1" latinLnBrk="0" hangingPunct="1">
+              <a:defRPr sz="1800" kern="1200">
+                <a:solidFill>
+                  <a:schemeClr val="tx1"/>
+                </a:solidFill>
+                <a:latin typeface="+mn-lt"/>
+                <a:ea typeface="+mn-ea"/>
+                <a:cs typeface="+mn-cs"/>
+              </a:defRPr>
+            </a:lvl5pPr>
+            <a:lvl6pPr marL="2286000" algn="l" defTabSz="914400" rtl="0" eaLnBrk="1" latinLnBrk="0" hangingPunct="1">
+              <a:defRPr sz="1800" kern="1200">
+                <a:solidFill>
+                  <a:schemeClr val="tx1"/>
+                </a:solidFill>
+                <a:latin typeface="+mn-lt"/>
+                <a:ea typeface="+mn-ea"/>
+                <a:cs typeface="+mn-cs"/>
+              </a:defRPr>
+            </a:lvl6pPr>
+            <a:lvl7pPr marL="2743200" algn="l" defTabSz="914400" rtl="0" eaLnBrk="1" latinLnBrk="0" hangingPunct="1">
+              <a:defRPr sz="1800" kern="1200">
+                <a:solidFill>
+                  <a:schemeClr val="tx1"/>
+                </a:solidFill>
+                <a:latin typeface="+mn-lt"/>
+                <a:ea typeface="+mn-ea"/>
+                <a:cs typeface="+mn-cs"/>
+              </a:defRPr>
+            </a:lvl7pPr>
+            <a:lvl8pPr marL="3200400" algn="l" defTabSz="914400" rtl="0" eaLnBrk="1" latinLnBrk="0" hangingPunct="1">
+              <a:defRPr sz="1800" kern="1200">
+                <a:solidFill>
+                  <a:schemeClr val="tx1"/>
+                </a:solidFill>
+                <a:latin typeface="+mn-lt"/>
+                <a:ea typeface="+mn-ea"/>
+                <a:cs typeface="+mn-cs"/>
+              </a:defRPr>
+            </a:lvl8pPr>
+            <a:lvl9pPr marL="3657600" algn="l" defTabSz="914400" rtl="0" eaLnBrk="1" latinLnBrk="0" hangingPunct="1">
+              <a:defRPr sz="1800" kern="1200">
+                <a:solidFill>
+                  <a:schemeClr val="tx1"/>
+                </a:solidFill>
+                <a:latin typeface="+mn-lt"/>
+                <a:ea typeface="+mn-ea"/>
+                <a:cs typeface="+mn-cs"/>
+              </a:defRPr>
+            </a:lvl9pPr>
+          </a:lstStyle>
+          <a:p>
+            <a:endParaRPr lang="en-US"/>
+          </a:p>
+        </p:txBody>
+      </p:sp>
+      <p:pic>
+        <p:nvPicPr>
+          <p:cNvPr id="4" name="Obrázok 3">
+            <a:extLst>
+              <a:ext uri="{FF2B5EF4-FFF2-40B4-BE49-F238E27FC236}">
+                <a16:creationId xmlns:a16="http://schemas.microsoft.com/office/drawing/2014/main" id="{CE00C17B-D9AB-1B40-96A4-9274345AE903}"/>
+              </a:ext>
+            </a:extLst>
+          </p:cNvPr>
+          <p:cNvPicPr>
+            <a:picLocks noChangeAspect="1"/>
+          </p:cNvPicPr>
+          <p:nvPr/>
+        </p:nvPicPr>
+        <p:blipFill>
+          <a:blip r:embed="rId4">
+            <a:extLst>
+              <a:ext uri="{28A0092B-C50C-407E-A947-70E740481C1C}">
+                <a14:useLocalDpi xmlns:a14="http://schemas.microsoft.com/office/drawing/2010/main" val="0"/>
+              </a:ext>
+            </a:extLst>
+          </a:blip>
+          <a:stretch>
+            <a:fillRect/>
+          </a:stretch>
+        </p:blipFill>
         <p:spPr>
           <a:xfrm>
-            <a:off x="3124200" y="6492875"/>
-            <a:ext cx="2895600" cy="365125"/>
+            <a:off x="4416717" y="2249974"/>
+            <a:ext cx="2079179" cy="2945922"/>
           </a:xfrm>
+          <a:prstGeom prst="rect">
+            <a:avLst/>
+          </a:prstGeom>
         </p:spPr>
-        <p:txBody>
-          <a:bodyPr/>
-          <a:lstStyle/>
-          <a:p>
-            <a:r>
-              <a:rPr lang="sk-SK" b="1" dirty="0">
-                <a:latin typeface="Calibri" pitchFamily="34" charset="0"/>
-                <a:ea typeface="Times New Roman" pitchFamily="18" charset="0"/>
-                <a:cs typeface="Times New Roman" pitchFamily="18" charset="0"/>
-              </a:rPr>
-              <a:t>Diplomová práca</a:t>
-            </a:r>
-            <a:endParaRPr lang="sk-SK" dirty="0"/>
-          </a:p>
-        </p:txBody>
-      </p:sp>
-      <p:sp>
-        <p:nvSpPr>
-          <p:cNvPr id="43" name="Text Box 2">
+      </p:pic>
+      <p:sp>
+        <p:nvSpPr>
+          <p:cNvPr id="29" name="Text Box 2">
             <a:extLst>
               <a:ext uri="{FF2B5EF4-FFF2-40B4-BE49-F238E27FC236}">
-                <a16:creationId xmlns:a16="http://schemas.microsoft.com/office/drawing/2014/main" id="{7913081A-4FE0-254C-B291-FCA522119753}"/>
+                <a16:creationId xmlns:a16="http://schemas.microsoft.com/office/drawing/2014/main" id="{5101350C-4EC3-AB4D-998E-0B2F65225F89}"/>
               </a:ext>
             </a:extLst>
           </p:cNvPr>
@@ -13653,8 +14883,8 @@
         </p:nvSpPr>
         <p:spPr bwMode="auto">
           <a:xfrm>
-            <a:off x="1828799" y="3755699"/>
-            <a:ext cx="1676401" cy="954107"/>
+            <a:off x="4436682" y="5166067"/>
+            <a:ext cx="1676401" cy="738664"/>
           </a:xfrm>
           <a:prstGeom prst="rect">
             <a:avLst/>
@@ -13779,25 +15009,11 @@
               </a:spcAft>
             </a:pPr>
             <a:r>
-              <a:rPr kumimoji="0" lang="en-US" sz="1400" b="1" i="0" u="none" strike="noStrike" cap="none" normalizeH="0" baseline="0" dirty="0">
-                <a:ln>
-                  <a:noFill/>
-                </a:ln>
-                <a:solidFill>
-                  <a:schemeClr val="tx1"/>
-                </a:solidFill>
-                <a:effectLst/>
+              <a:rPr lang="en-US" sz="1400" b="1" dirty="0">
                 <a:latin typeface="Calibri" pitchFamily="34" charset="0"/>
                 <a:cs typeface="Arial" pitchFamily="34" charset="0"/>
               </a:rPr>
-              <a:t>F-DI </a:t>
-            </a:r>
-            <a:r>
-              <a:rPr lang="en-GB" sz="1400" b="1" dirty="0">
-                <a:latin typeface="Calibri" pitchFamily="34" charset="0"/>
-                <a:cs typeface="Arial" pitchFamily="34" charset="0"/>
-              </a:rPr>
-              <a:t>6ES7 </a:t>
+              <a:t>Kawasaki RS010N</a:t>
             </a:r>
           </a:p>
           <a:p>
@@ -13810,6 +15026,366 @@
               </a:spcAft>
             </a:pPr>
             <a:r>
+              <a:rPr lang="en-US" sz="1400" dirty="0">
+                <a:latin typeface="Calibri" pitchFamily="34" charset="0"/>
+                <a:cs typeface="Arial" pitchFamily="34" charset="0"/>
+              </a:rPr>
+              <a:t>Articulated robot</a:t>
+            </a:r>
+          </a:p>
+          <a:p>
+            <a:pPr lvl="0" algn="ctr" fontAlgn="base">
+              <a:spcBef>
+                <a:spcPct val="0"/>
+              </a:spcBef>
+              <a:spcAft>
+                <a:spcPct val="0"/>
+              </a:spcAft>
+            </a:pPr>
+            <a:r>
+              <a:rPr lang="en-US" sz="1400" dirty="0">
+                <a:latin typeface="Calibri" pitchFamily="34" charset="0"/>
+                <a:cs typeface="Arial" pitchFamily="34" charset="0"/>
+              </a:rPr>
+              <a:t>6 axis</a:t>
+            </a:r>
+          </a:p>
+        </p:txBody>
+      </p:sp>
+      <p:sp>
+        <p:nvSpPr>
+          <p:cNvPr id="36" name="Text Box 2">
+            <a:extLst>
+              <a:ext uri="{FF2B5EF4-FFF2-40B4-BE49-F238E27FC236}">
+                <a16:creationId xmlns:a16="http://schemas.microsoft.com/office/drawing/2014/main" id="{EE8D8293-D659-5748-BF41-8A304A0B207A}"/>
+              </a:ext>
+            </a:extLst>
+          </p:cNvPr>
+          <p:cNvSpPr txBox="1">
+            <a:spLocks noChangeArrowheads="1"/>
+          </p:cNvSpPr>
+          <p:nvPr/>
+        </p:nvSpPr>
+        <p:spPr bwMode="auto">
+          <a:xfrm>
+            <a:off x="6055659" y="2652626"/>
+            <a:ext cx="1530336" cy="523220"/>
+          </a:xfrm>
+          <a:prstGeom prst="rect">
+            <a:avLst/>
+          </a:prstGeom>
+          <a:noFill/>
+          <a:ln w="9525">
+            <a:noFill/>
+            <a:miter lim="800000"/>
+            <a:headEnd/>
+            <a:tailEnd/>
+          </a:ln>
+        </p:spPr>
+        <p:txBody>
+          <a:bodyPr vert="horz" wrap="square" lIns="91440" tIns="45720" rIns="91440" bIns="45720" numCol="1" anchor="t" anchorCtr="0" compatLnSpc="1">
+            <a:prstTxWarp prst="textNoShape">
+              <a:avLst/>
+            </a:prstTxWarp>
+            <a:spAutoFit/>
+          </a:bodyPr>
+          <a:lstStyle>
+            <a:defPPr>
+              <a:defRPr lang="sk-SK"/>
+            </a:defPPr>
+            <a:lvl1pPr marL="0" algn="l" defTabSz="914400" rtl="0" eaLnBrk="1" latinLnBrk="0" hangingPunct="1">
+              <a:defRPr sz="1800" kern="1200">
+                <a:solidFill>
+                  <a:schemeClr val="tx1"/>
+                </a:solidFill>
+                <a:latin typeface="+mn-lt"/>
+                <a:ea typeface="+mn-ea"/>
+                <a:cs typeface="+mn-cs"/>
+              </a:defRPr>
+            </a:lvl1pPr>
+            <a:lvl2pPr marL="457200" algn="l" defTabSz="914400" rtl="0" eaLnBrk="1" latinLnBrk="0" hangingPunct="1">
+              <a:defRPr sz="1800" kern="1200">
+                <a:solidFill>
+                  <a:schemeClr val="tx1"/>
+                </a:solidFill>
+                <a:latin typeface="+mn-lt"/>
+                <a:ea typeface="+mn-ea"/>
+                <a:cs typeface="+mn-cs"/>
+              </a:defRPr>
+            </a:lvl2pPr>
+            <a:lvl3pPr marL="914400" algn="l" defTabSz="914400" rtl="0" eaLnBrk="1" latinLnBrk="0" hangingPunct="1">
+              <a:defRPr sz="1800" kern="1200">
+                <a:solidFill>
+                  <a:schemeClr val="tx1"/>
+                </a:solidFill>
+                <a:latin typeface="+mn-lt"/>
+                <a:ea typeface="+mn-ea"/>
+                <a:cs typeface="+mn-cs"/>
+              </a:defRPr>
+            </a:lvl3pPr>
+            <a:lvl4pPr marL="1371600" algn="l" defTabSz="914400" rtl="0" eaLnBrk="1" latinLnBrk="0" hangingPunct="1">
+              <a:defRPr sz="1800" kern="1200">
+                <a:solidFill>
+                  <a:schemeClr val="tx1"/>
+                </a:solidFill>
+                <a:latin typeface="+mn-lt"/>
+                <a:ea typeface="+mn-ea"/>
+                <a:cs typeface="+mn-cs"/>
+              </a:defRPr>
+            </a:lvl4pPr>
+            <a:lvl5pPr marL="1828800" algn="l" defTabSz="914400" rtl="0" eaLnBrk="1" latinLnBrk="0" hangingPunct="1">
+              <a:defRPr sz="1800" kern="1200">
+                <a:solidFill>
+                  <a:schemeClr val="tx1"/>
+                </a:solidFill>
+                <a:latin typeface="+mn-lt"/>
+                <a:ea typeface="+mn-ea"/>
+                <a:cs typeface="+mn-cs"/>
+              </a:defRPr>
+            </a:lvl5pPr>
+            <a:lvl6pPr marL="2286000" algn="l" defTabSz="914400" rtl="0" eaLnBrk="1" latinLnBrk="0" hangingPunct="1">
+              <a:defRPr sz="1800" kern="1200">
+                <a:solidFill>
+                  <a:schemeClr val="tx1"/>
+                </a:solidFill>
+                <a:latin typeface="+mn-lt"/>
+                <a:ea typeface="+mn-ea"/>
+                <a:cs typeface="+mn-cs"/>
+              </a:defRPr>
+            </a:lvl6pPr>
+            <a:lvl7pPr marL="2743200" algn="l" defTabSz="914400" rtl="0" eaLnBrk="1" latinLnBrk="0" hangingPunct="1">
+              <a:defRPr sz="1800" kern="1200">
+                <a:solidFill>
+                  <a:schemeClr val="tx1"/>
+                </a:solidFill>
+                <a:latin typeface="+mn-lt"/>
+                <a:ea typeface="+mn-ea"/>
+                <a:cs typeface="+mn-cs"/>
+              </a:defRPr>
+            </a:lvl7pPr>
+            <a:lvl8pPr marL="3200400" algn="l" defTabSz="914400" rtl="0" eaLnBrk="1" latinLnBrk="0" hangingPunct="1">
+              <a:defRPr sz="1800" kern="1200">
+                <a:solidFill>
+                  <a:schemeClr val="tx1"/>
+                </a:solidFill>
+                <a:latin typeface="+mn-lt"/>
+                <a:ea typeface="+mn-ea"/>
+                <a:cs typeface="+mn-cs"/>
+              </a:defRPr>
+            </a:lvl8pPr>
+            <a:lvl9pPr marL="3657600" algn="l" defTabSz="914400" rtl="0" eaLnBrk="1" latinLnBrk="0" hangingPunct="1">
+              <a:defRPr sz="1800" kern="1200">
+                <a:solidFill>
+                  <a:schemeClr val="tx1"/>
+                </a:solidFill>
+                <a:latin typeface="+mn-lt"/>
+                <a:ea typeface="+mn-ea"/>
+                <a:cs typeface="+mn-cs"/>
+              </a:defRPr>
+            </a:lvl9pPr>
+          </a:lstStyle>
+          <a:p>
+            <a:pPr marL="0" marR="0" lvl="0" indent="0" algn="ctr" defTabSz="914400" rtl="0" eaLnBrk="1" fontAlgn="base" latinLnBrk="0" hangingPunct="1">
+              <a:lnSpc>
+                <a:spcPct val="100000"/>
+              </a:lnSpc>
+              <a:spcBef>
+                <a:spcPct val="0"/>
+              </a:spcBef>
+              <a:spcAft>
+                <a:spcPct val="0"/>
+              </a:spcAft>
+              <a:buClrTx/>
+              <a:buSzTx/>
+              <a:buFontTx/>
+              <a:buNone/>
+              <a:tabLst/>
+            </a:pPr>
+            <a:r>
+              <a:rPr lang="en-US" sz="1400" b="1" dirty="0">
+                <a:latin typeface="Calibri" pitchFamily="34" charset="0"/>
+                <a:cs typeface="Arial" pitchFamily="34" charset="0"/>
+              </a:rPr>
+              <a:t>Camera</a:t>
+            </a:r>
+          </a:p>
+          <a:p>
+            <a:pPr marL="0" marR="0" lvl="0" indent="0" algn="ctr" defTabSz="914400" rtl="0" eaLnBrk="1" fontAlgn="base" latinLnBrk="0" hangingPunct="1">
+              <a:lnSpc>
+                <a:spcPct val="100000"/>
+              </a:lnSpc>
+              <a:spcBef>
+                <a:spcPct val="0"/>
+              </a:spcBef>
+              <a:spcAft>
+                <a:spcPct val="0"/>
+              </a:spcAft>
+              <a:buClrTx/>
+              <a:buSzTx/>
+              <a:buFontTx/>
+              <a:buNone/>
+              <a:tabLst/>
+            </a:pPr>
+            <a:r>
+              <a:rPr lang="en-US" sz="1400" dirty="0">
+                <a:latin typeface="Calibri" pitchFamily="34" charset="0"/>
+                <a:cs typeface="Arial" pitchFamily="34" charset="0"/>
+              </a:rPr>
+              <a:t>for testing</a:t>
+            </a:r>
+          </a:p>
+        </p:txBody>
+      </p:sp>
+      <p:sp>
+        <p:nvSpPr>
+          <p:cNvPr id="37" name="Text Box 2">
+            <a:extLst>
+              <a:ext uri="{FF2B5EF4-FFF2-40B4-BE49-F238E27FC236}">
+                <a16:creationId xmlns:a16="http://schemas.microsoft.com/office/drawing/2014/main" id="{B7E63573-C82C-3E48-AC4F-AE534AC842A9}"/>
+              </a:ext>
+            </a:extLst>
+          </p:cNvPr>
+          <p:cNvSpPr txBox="1">
+            <a:spLocks noChangeArrowheads="1"/>
+          </p:cNvSpPr>
+          <p:nvPr/>
+        </p:nvSpPr>
+        <p:spPr bwMode="auto">
+          <a:xfrm>
+            <a:off x="1298249" y="5133588"/>
+            <a:ext cx="2091132" cy="1107996"/>
+          </a:xfrm>
+          <a:prstGeom prst="rect">
+            <a:avLst/>
+          </a:prstGeom>
+          <a:noFill/>
+          <a:ln w="9525">
+            <a:noFill/>
+            <a:miter lim="800000"/>
+            <a:headEnd/>
+            <a:tailEnd/>
+          </a:ln>
+        </p:spPr>
+        <p:txBody>
+          <a:bodyPr vert="horz" wrap="square" lIns="91440" tIns="45720" rIns="91440" bIns="45720" numCol="1" anchor="t" anchorCtr="0" compatLnSpc="1">
+            <a:prstTxWarp prst="textNoShape">
+              <a:avLst/>
+            </a:prstTxWarp>
+            <a:spAutoFit/>
+          </a:bodyPr>
+          <a:lstStyle>
+            <a:defPPr>
+              <a:defRPr lang="sk-SK"/>
+            </a:defPPr>
+            <a:lvl1pPr marL="0" algn="l" defTabSz="914400" rtl="0" eaLnBrk="1" latinLnBrk="0" hangingPunct="1">
+              <a:defRPr sz="1800" kern="1200">
+                <a:solidFill>
+                  <a:schemeClr val="tx1"/>
+                </a:solidFill>
+                <a:latin typeface="+mn-lt"/>
+                <a:ea typeface="+mn-ea"/>
+                <a:cs typeface="+mn-cs"/>
+              </a:defRPr>
+            </a:lvl1pPr>
+            <a:lvl2pPr marL="457200" algn="l" defTabSz="914400" rtl="0" eaLnBrk="1" latinLnBrk="0" hangingPunct="1">
+              <a:defRPr sz="1800" kern="1200">
+                <a:solidFill>
+                  <a:schemeClr val="tx1"/>
+                </a:solidFill>
+                <a:latin typeface="+mn-lt"/>
+                <a:ea typeface="+mn-ea"/>
+                <a:cs typeface="+mn-cs"/>
+              </a:defRPr>
+            </a:lvl2pPr>
+            <a:lvl3pPr marL="914400" algn="l" defTabSz="914400" rtl="0" eaLnBrk="1" latinLnBrk="0" hangingPunct="1">
+              <a:defRPr sz="1800" kern="1200">
+                <a:solidFill>
+                  <a:schemeClr val="tx1"/>
+                </a:solidFill>
+                <a:latin typeface="+mn-lt"/>
+                <a:ea typeface="+mn-ea"/>
+                <a:cs typeface="+mn-cs"/>
+              </a:defRPr>
+            </a:lvl3pPr>
+            <a:lvl4pPr marL="1371600" algn="l" defTabSz="914400" rtl="0" eaLnBrk="1" latinLnBrk="0" hangingPunct="1">
+              <a:defRPr sz="1800" kern="1200">
+                <a:solidFill>
+                  <a:schemeClr val="tx1"/>
+                </a:solidFill>
+                <a:latin typeface="+mn-lt"/>
+                <a:ea typeface="+mn-ea"/>
+                <a:cs typeface="+mn-cs"/>
+              </a:defRPr>
+            </a:lvl4pPr>
+            <a:lvl5pPr marL="1828800" algn="l" defTabSz="914400" rtl="0" eaLnBrk="1" latinLnBrk="0" hangingPunct="1">
+              <a:defRPr sz="1800" kern="1200">
+                <a:solidFill>
+                  <a:schemeClr val="tx1"/>
+                </a:solidFill>
+                <a:latin typeface="+mn-lt"/>
+                <a:ea typeface="+mn-ea"/>
+                <a:cs typeface="+mn-cs"/>
+              </a:defRPr>
+            </a:lvl5pPr>
+            <a:lvl6pPr marL="2286000" algn="l" defTabSz="914400" rtl="0" eaLnBrk="1" latinLnBrk="0" hangingPunct="1">
+              <a:defRPr sz="1800" kern="1200">
+                <a:solidFill>
+                  <a:schemeClr val="tx1"/>
+                </a:solidFill>
+                <a:latin typeface="+mn-lt"/>
+                <a:ea typeface="+mn-ea"/>
+                <a:cs typeface="+mn-cs"/>
+              </a:defRPr>
+            </a:lvl6pPr>
+            <a:lvl7pPr marL="2743200" algn="l" defTabSz="914400" rtl="0" eaLnBrk="1" latinLnBrk="0" hangingPunct="1">
+              <a:defRPr sz="1800" kern="1200">
+                <a:solidFill>
+                  <a:schemeClr val="tx1"/>
+                </a:solidFill>
+                <a:latin typeface="+mn-lt"/>
+                <a:ea typeface="+mn-ea"/>
+                <a:cs typeface="+mn-cs"/>
+              </a:defRPr>
+            </a:lvl7pPr>
+            <a:lvl8pPr marL="3200400" algn="l" defTabSz="914400" rtl="0" eaLnBrk="1" latinLnBrk="0" hangingPunct="1">
+              <a:defRPr sz="1800" kern="1200">
+                <a:solidFill>
+                  <a:schemeClr val="tx1"/>
+                </a:solidFill>
+                <a:latin typeface="+mn-lt"/>
+                <a:ea typeface="+mn-ea"/>
+                <a:cs typeface="+mn-cs"/>
+              </a:defRPr>
+            </a:lvl8pPr>
+            <a:lvl9pPr marL="3657600" algn="l" defTabSz="914400" rtl="0" eaLnBrk="1" latinLnBrk="0" hangingPunct="1">
+              <a:defRPr sz="1800" kern="1200">
+                <a:solidFill>
+                  <a:schemeClr val="tx1"/>
+                </a:solidFill>
+                <a:latin typeface="+mn-lt"/>
+                <a:ea typeface="+mn-ea"/>
+                <a:cs typeface="+mn-cs"/>
+              </a:defRPr>
+            </a:lvl9pPr>
+          </a:lstStyle>
+          <a:p>
+            <a:pPr marL="0" marR="0" lvl="0" indent="0" algn="ctr" defTabSz="914400" rtl="0" eaLnBrk="1" fontAlgn="base" latinLnBrk="0" hangingPunct="1">
+              <a:lnSpc>
+                <a:spcPct val="100000"/>
+              </a:lnSpc>
+              <a:spcBef>
+                <a:spcPct val="0"/>
+              </a:spcBef>
+              <a:spcAft>
+                <a:spcPct val="0"/>
+              </a:spcAft>
+              <a:buClrTx/>
+              <a:buSzTx/>
+              <a:buFontTx/>
+              <a:buNone/>
+              <a:tabLst/>
+            </a:pPr>
+            <a:r>
               <a:rPr kumimoji="0" lang="en-US" sz="1400" b="1" i="0" u="none" strike="noStrike" cap="none" normalizeH="0" baseline="0" dirty="0">
                 <a:ln>
                   <a:noFill/>
@@ -13821,12 +15397,8 @@
                 <a:latin typeface="Calibri" pitchFamily="34" charset="0"/>
                 <a:cs typeface="Arial" pitchFamily="34" charset="0"/>
               </a:rPr>
-              <a:t>ET200SP module</a:t>
-            </a:r>
-            <a:endParaRPr lang="en-GB" sz="1400" dirty="0">
-              <a:latin typeface="Calibri" pitchFamily="34" charset="0"/>
-              <a:cs typeface="Arial" pitchFamily="34" charset="0"/>
-            </a:endParaRPr>
+              <a:t>Controller E40</a:t>
+            </a:r>
           </a:p>
           <a:p>
             <a:pPr algn="ctr" fontAlgn="base">
@@ -13838,16 +15410,54 @@
               </a:spcAft>
             </a:pPr>
             <a:r>
-              <a:rPr lang="en-GB" sz="1400" dirty="0">
+              <a:rPr lang="en-US" sz="1400" dirty="0">
                 <a:latin typeface="Calibri" pitchFamily="34" charset="0"/>
                 <a:cs typeface="Arial" pitchFamily="34" charset="0"/>
               </a:rPr>
-              <a:t>136-6BA00-0CA0</a:t>
-            </a:r>
-            <a:endParaRPr lang="en-US" sz="1200" dirty="0">
+              <a:t>Communication</a:t>
+            </a:r>
+            <a:r>
+              <a:rPr lang="en-US" sz="1400" dirty="0">
+                <a:latin typeface="Arial" pitchFamily="34" charset="0"/>
+                <a:cs typeface="Arial" pitchFamily="34" charset="0"/>
+              </a:rPr>
+              <a:t>:</a:t>
+            </a:r>
+            <a:endParaRPr kumimoji="0" lang="en-US" sz="1400" b="1" i="0" u="none" strike="noStrike" cap="none" normalizeH="0" baseline="0" dirty="0">
+              <a:ln>
+                <a:noFill/>
+              </a:ln>
+              <a:solidFill>
+                <a:schemeClr val="tx1"/>
+              </a:solidFill>
+              <a:effectLst/>
               <a:latin typeface="Calibri" pitchFamily="34" charset="0"/>
               <a:cs typeface="Arial" pitchFamily="34" charset="0"/>
             </a:endParaRPr>
+          </a:p>
+          <a:p>
+            <a:pPr lvl="0" algn="ctr" fontAlgn="base">
+              <a:spcBef>
+                <a:spcPct val="0"/>
+              </a:spcBef>
+              <a:spcAft>
+                <a:spcPct val="0"/>
+              </a:spcAft>
+            </a:pPr>
+            <a:r>
+              <a:rPr lang="en-US" sz="1200" dirty="0" err="1">
+                <a:latin typeface="Calibri" pitchFamily="34" charset="0"/>
+                <a:cs typeface="Arial" pitchFamily="34" charset="0"/>
+              </a:rPr>
+              <a:t>Profinet</a:t>
+            </a:r>
+            <a:r>
+              <a:rPr lang="en-US" sz="1200" dirty="0">
+                <a:latin typeface="Calibri" pitchFamily="34" charset="0"/>
+                <a:cs typeface="Arial" pitchFamily="34" charset="0"/>
+              </a:rPr>
+              <a:t>, Ethernet/IP (100BASE-TX), USB, RS-232C</a:t>
+            </a:r>
           </a:p>
           <a:p>
             <a:pPr marL="0" marR="0" lvl="0" indent="0" algn="ctr" defTabSz="914400" rtl="0" eaLnBrk="1" fontAlgn="base" latinLnBrk="0" hangingPunct="1">
@@ -13880,272 +15490,202 @@
           </a:p>
         </p:txBody>
       </p:sp>
-      <p:pic>
-        <p:nvPicPr>
-          <p:cNvPr id="48" name="Obrázok 47">
+      <p:sp>
+        <p:nvSpPr>
+          <p:cNvPr id="39" name="Line 6">
             <a:extLst>
               <a:ext uri="{FF2B5EF4-FFF2-40B4-BE49-F238E27FC236}">
-                <a16:creationId xmlns:a16="http://schemas.microsoft.com/office/drawing/2014/main" id="{40834F98-133C-4F40-BFBE-4D66017F9822}"/>
+                <a16:creationId xmlns:a16="http://schemas.microsoft.com/office/drawing/2014/main" id="{2C56AA00-53B4-304A-A155-1F69707C387C}"/>
               </a:ext>
             </a:extLst>
           </p:cNvPr>
-          <p:cNvPicPr>
-            <a:picLocks noChangeAspect="1"/>
-          </p:cNvPicPr>
+          <p:cNvSpPr>
+            <a:spLocks/>
+          </p:cNvSpPr>
           <p:nvPr/>
-        </p:nvPicPr>
-        <p:blipFill>
-          <a:blip r:embed="rId4">
-            <a:extLst>
-              <a:ext uri="{28A0092B-C50C-407E-A947-70E740481C1C}">
-                <a14:useLocalDpi xmlns:a14="http://schemas.microsoft.com/office/drawing/2010/main" val="0"/>
-              </a:ext>
-            </a:extLst>
-          </a:blip>
-          <a:stretch>
-            <a:fillRect/>
-          </a:stretch>
-        </p:blipFill>
-        <p:spPr>
-          <a:xfrm>
-            <a:off x="5600699" y="1713755"/>
-            <a:ext cx="838201" cy="944238"/>
+        </p:nvSpPr>
+        <p:spPr bwMode="auto">
+          <a:xfrm flipH="1">
+            <a:off x="3358720" y="4239413"/>
+            <a:ext cx="984482" cy="0"/>
           </a:xfrm>
-          <a:prstGeom prst="rect">
+          <a:prstGeom prst="line">
             <a:avLst/>
           </a:prstGeom>
+          <a:noFill/>
+          <a:ln w="38100">
+            <a:solidFill>
+              <a:schemeClr val="tx1"/>
+            </a:solidFill>
+            <a:round/>
+            <a:headEnd type="none" w="med" len="med"/>
+            <a:tailEnd type="none"/>
+          </a:ln>
+          <a:effectLst>
+            <a:outerShdw dist="23000" dir="5400000" rotWithShape="0">
+              <a:srgbClr val="000000">
+                <a:alpha val="34999"/>
+              </a:srgbClr>
+            </a:outerShdw>
+          </a:effectLst>
         </p:spPr>
-      </p:pic>
-      <p:sp>
-        <p:nvSpPr>
-          <p:cNvPr id="49" name="Text Box 2">
+        <p:txBody>
+          <a:bodyPr vert="horz" wrap="square" lIns="91440" tIns="45720" rIns="91440" bIns="45720" numCol="1" anchor="t" anchorCtr="0" compatLnSpc="1">
+            <a:prstTxWarp prst="textNoShape">
+              <a:avLst/>
+            </a:prstTxWarp>
+          </a:bodyPr>
+          <a:lstStyle/>
+          <a:p>
+            <a:endParaRPr lang="en-US"/>
+          </a:p>
+        </p:txBody>
+      </p:sp>
+      <p:sp>
+        <p:nvSpPr>
+          <p:cNvPr id="28" name="Line 6">
             <a:extLst>
               <a:ext uri="{FF2B5EF4-FFF2-40B4-BE49-F238E27FC236}">
-                <a16:creationId xmlns:a16="http://schemas.microsoft.com/office/drawing/2014/main" id="{C3784DAD-5A28-3F4D-8F5D-BCCD68DC0D8D}"/>
+                <a16:creationId xmlns:a16="http://schemas.microsoft.com/office/drawing/2014/main" id="{43F2384A-6040-E54A-A4B3-773E5157E303}"/>
               </a:ext>
             </a:extLst>
           </p:cNvPr>
-          <p:cNvSpPr txBox="1">
-            <a:spLocks noChangeArrowheads="1"/>
+          <p:cNvSpPr>
+            <a:spLocks/>
           </p:cNvSpPr>
           <p:nvPr/>
         </p:nvSpPr>
         <p:spPr bwMode="auto">
+          <a:xfrm flipV="1">
+            <a:off x="533400" y="3906453"/>
+            <a:ext cx="1219200" cy="0"/>
+          </a:xfrm>
+          <a:prstGeom prst="line">
+            <a:avLst/>
+          </a:prstGeom>
+          <a:noFill/>
+          <a:ln w="38100">
+            <a:solidFill>
+              <a:srgbClr val="00B050"/>
+            </a:solidFill>
+            <a:round/>
+            <a:headEnd type="oval" w="med" len="med"/>
+            <a:tailEnd type="none"/>
+          </a:ln>
+          <a:effectLst>
+            <a:outerShdw dist="23000" dir="5400000" rotWithShape="0">
+              <a:srgbClr val="000000">
+                <a:alpha val="34999"/>
+              </a:srgbClr>
+            </a:outerShdw>
+          </a:effectLst>
+        </p:spPr>
+        <p:txBody>
+          <a:bodyPr vert="horz" wrap="square" lIns="91440" tIns="45720" rIns="91440" bIns="45720" numCol="1" anchor="t" anchorCtr="0" compatLnSpc="1">
+            <a:prstTxWarp prst="textNoShape">
+              <a:avLst/>
+            </a:prstTxWarp>
+          </a:bodyPr>
+          <a:lstStyle/>
+          <a:p>
+            <a:endParaRPr lang="en-US"/>
+          </a:p>
+        </p:txBody>
+      </p:sp>
+      <p:sp>
+        <p:nvSpPr>
+          <p:cNvPr id="35" name="Zástupný symbol päty 2">
+            <a:extLst>
+              <a:ext uri="{FF2B5EF4-FFF2-40B4-BE49-F238E27FC236}">
+                <a16:creationId xmlns:a16="http://schemas.microsoft.com/office/drawing/2014/main" id="{0E06B822-7146-6D49-969A-0A052E9701C4}"/>
+              </a:ext>
+            </a:extLst>
+          </p:cNvPr>
+          <p:cNvSpPr>
+            <a:spLocks noGrp="1"/>
+          </p:cNvSpPr>
+          <p:nvPr>
+            <p:ph type="ftr" sz="quarter" idx="11"/>
+          </p:nvPr>
+        </p:nvSpPr>
+        <p:spPr>
           <a:xfrm>
-            <a:off x="6432615" y="1924368"/>
-            <a:ext cx="1332410" cy="923330"/>
+            <a:off x="3124200" y="6492875"/>
+            <a:ext cx="2895600" cy="365125"/>
+          </a:xfrm>
+        </p:spPr>
+        <p:txBody>
+          <a:bodyPr/>
+          <a:lstStyle/>
+          <a:p>
+            <a:r>
+              <a:rPr lang="sk-SK" b="1" dirty="0">
+                <a:latin typeface="Calibri" pitchFamily="34" charset="0"/>
+                <a:ea typeface="Times New Roman" pitchFamily="18" charset="0"/>
+                <a:cs typeface="Times New Roman" pitchFamily="18" charset="0"/>
+              </a:rPr>
+              <a:t>Diplomová práca</a:t>
+            </a:r>
+            <a:endParaRPr lang="sk-SK" dirty="0"/>
+          </a:p>
+        </p:txBody>
+      </p:sp>
+      <p:sp>
+        <p:nvSpPr>
+          <p:cNvPr id="7" name="AutoShape 4" descr="KAWASAKI E Controllers E40/42/43/44, E70/71 and E91">
+            <a:extLst>
+              <a:ext uri="{FF2B5EF4-FFF2-40B4-BE49-F238E27FC236}">
+                <a16:creationId xmlns:a16="http://schemas.microsoft.com/office/drawing/2014/main" id="{C930353A-52B5-AE40-82D8-A40348FA7E01}"/>
+              </a:ext>
+            </a:extLst>
+          </p:cNvPr>
+          <p:cNvSpPr>
+            <a:spLocks noChangeAspect="1" noChangeArrowheads="1"/>
+          </p:cNvSpPr>
+          <p:nvPr/>
+        </p:nvSpPr>
+        <p:spPr bwMode="auto">
+          <a:xfrm>
+            <a:off x="4061202" y="3609560"/>
+            <a:ext cx="2257258" cy="2257258"/>
           </a:xfrm>
           <a:prstGeom prst="rect">
             <a:avLst/>
           </a:prstGeom>
           <a:noFill/>
-          <a:ln w="9525">
-            <a:noFill/>
-            <a:miter lim="800000"/>
-            <a:headEnd/>
-            <a:tailEnd/>
-          </a:ln>
+          <a:extLst>
+            <a:ext uri="{909E8E84-426E-40DD-AFC4-6F175D3DCCD1}">
+              <a14:hiddenFill xmlns:a14="http://schemas.microsoft.com/office/drawing/2010/main">
+                <a:solidFill>
+                  <a:srgbClr val="FFFFFF"/>
+                </a:solidFill>
+              </a14:hiddenFill>
+            </a:ext>
+          </a:extLst>
         </p:spPr>
         <p:txBody>
           <a:bodyPr vert="horz" wrap="square" lIns="91440" tIns="45720" rIns="91440" bIns="45720" numCol="1" anchor="t" anchorCtr="0" compatLnSpc="1">
             <a:prstTxWarp prst="textNoShape">
               <a:avLst/>
             </a:prstTxWarp>
-            <a:spAutoFit/>
           </a:bodyPr>
-          <a:lstStyle>
-            <a:defPPr>
-              <a:defRPr lang="sk-SK"/>
-            </a:defPPr>
-            <a:lvl1pPr marL="0" algn="l" defTabSz="914400" rtl="0" eaLnBrk="1" latinLnBrk="0" hangingPunct="1">
-              <a:defRPr sz="1800" kern="1200">
-                <a:solidFill>
-                  <a:schemeClr val="tx1"/>
-                </a:solidFill>
-                <a:latin typeface="+mn-lt"/>
-                <a:ea typeface="+mn-ea"/>
-                <a:cs typeface="+mn-cs"/>
-              </a:defRPr>
-            </a:lvl1pPr>
-            <a:lvl2pPr marL="457200" algn="l" defTabSz="914400" rtl="0" eaLnBrk="1" latinLnBrk="0" hangingPunct="1">
-              <a:defRPr sz="1800" kern="1200">
-                <a:solidFill>
-                  <a:schemeClr val="tx1"/>
-                </a:solidFill>
-                <a:latin typeface="+mn-lt"/>
-                <a:ea typeface="+mn-ea"/>
-                <a:cs typeface="+mn-cs"/>
-              </a:defRPr>
-            </a:lvl2pPr>
-            <a:lvl3pPr marL="914400" algn="l" defTabSz="914400" rtl="0" eaLnBrk="1" latinLnBrk="0" hangingPunct="1">
-              <a:defRPr sz="1800" kern="1200">
-                <a:solidFill>
-                  <a:schemeClr val="tx1"/>
-                </a:solidFill>
-                <a:latin typeface="+mn-lt"/>
-                <a:ea typeface="+mn-ea"/>
-                <a:cs typeface="+mn-cs"/>
-              </a:defRPr>
-            </a:lvl3pPr>
-            <a:lvl4pPr marL="1371600" algn="l" defTabSz="914400" rtl="0" eaLnBrk="1" latinLnBrk="0" hangingPunct="1">
-              <a:defRPr sz="1800" kern="1200">
-                <a:solidFill>
-                  <a:schemeClr val="tx1"/>
-                </a:solidFill>
-                <a:latin typeface="+mn-lt"/>
-                <a:ea typeface="+mn-ea"/>
-                <a:cs typeface="+mn-cs"/>
-              </a:defRPr>
-            </a:lvl4pPr>
-            <a:lvl5pPr marL="1828800" algn="l" defTabSz="914400" rtl="0" eaLnBrk="1" latinLnBrk="0" hangingPunct="1">
-              <a:defRPr sz="1800" kern="1200">
-                <a:solidFill>
-                  <a:schemeClr val="tx1"/>
-                </a:solidFill>
-                <a:latin typeface="+mn-lt"/>
-                <a:ea typeface="+mn-ea"/>
-                <a:cs typeface="+mn-cs"/>
-              </a:defRPr>
-            </a:lvl5pPr>
-            <a:lvl6pPr marL="2286000" algn="l" defTabSz="914400" rtl="0" eaLnBrk="1" latinLnBrk="0" hangingPunct="1">
-              <a:defRPr sz="1800" kern="1200">
-                <a:solidFill>
-                  <a:schemeClr val="tx1"/>
-                </a:solidFill>
-                <a:latin typeface="+mn-lt"/>
-                <a:ea typeface="+mn-ea"/>
-                <a:cs typeface="+mn-cs"/>
-              </a:defRPr>
-            </a:lvl6pPr>
-            <a:lvl7pPr marL="2743200" algn="l" defTabSz="914400" rtl="0" eaLnBrk="1" latinLnBrk="0" hangingPunct="1">
-              <a:defRPr sz="1800" kern="1200">
-                <a:solidFill>
-                  <a:schemeClr val="tx1"/>
-                </a:solidFill>
-                <a:latin typeface="+mn-lt"/>
-                <a:ea typeface="+mn-ea"/>
-                <a:cs typeface="+mn-cs"/>
-              </a:defRPr>
-            </a:lvl7pPr>
-            <a:lvl8pPr marL="3200400" algn="l" defTabSz="914400" rtl="0" eaLnBrk="1" latinLnBrk="0" hangingPunct="1">
-              <a:defRPr sz="1800" kern="1200">
-                <a:solidFill>
-                  <a:schemeClr val="tx1"/>
-                </a:solidFill>
-                <a:latin typeface="+mn-lt"/>
-                <a:ea typeface="+mn-ea"/>
-                <a:cs typeface="+mn-cs"/>
-              </a:defRPr>
-            </a:lvl8pPr>
-            <a:lvl9pPr marL="3657600" algn="l" defTabSz="914400" rtl="0" eaLnBrk="1" latinLnBrk="0" hangingPunct="1">
-              <a:defRPr sz="1800" kern="1200">
-                <a:solidFill>
-                  <a:schemeClr val="tx1"/>
-                </a:solidFill>
-                <a:latin typeface="+mn-lt"/>
-                <a:ea typeface="+mn-ea"/>
-                <a:cs typeface="+mn-cs"/>
-              </a:defRPr>
-            </a:lvl9pPr>
-          </a:lstStyle>
-          <a:p>
-            <a:pPr marL="0" marR="0" lvl="0" indent="0" algn="ctr" defTabSz="914400" rtl="0" eaLnBrk="1" fontAlgn="base" latinLnBrk="0" hangingPunct="1">
-              <a:lnSpc>
-                <a:spcPct val="100000"/>
-              </a:lnSpc>
-              <a:spcBef>
-                <a:spcPct val="0"/>
-              </a:spcBef>
-              <a:spcAft>
-                <a:spcPct val="0"/>
-              </a:spcAft>
-              <a:buClrTx/>
-              <a:buSzTx/>
-              <a:buFontTx/>
-              <a:buNone/>
-              <a:tabLst/>
-            </a:pPr>
-            <a:r>
-              <a:rPr kumimoji="0" lang="en-US" sz="1400" b="1" i="0" u="none" strike="noStrike" cap="none" normalizeH="0" baseline="0" dirty="0">
-                <a:ln>
-                  <a:noFill/>
-                </a:ln>
-                <a:solidFill>
-                  <a:schemeClr val="tx1"/>
-                </a:solidFill>
-                <a:effectLst/>
-                <a:latin typeface="Calibri" pitchFamily="34" charset="0"/>
-                <a:cs typeface="Arial" pitchFamily="34" charset="0"/>
-              </a:rPr>
-              <a:t>SICK </a:t>
-            </a:r>
-            <a:endParaRPr lang="en-US" sz="1200" dirty="0">
-              <a:latin typeface="Calibri" pitchFamily="34" charset="0"/>
-              <a:cs typeface="Arial" pitchFamily="34" charset="0"/>
-            </a:endParaRPr>
-          </a:p>
-          <a:p>
-            <a:pPr algn="ctr" fontAlgn="base">
-              <a:spcBef>
-                <a:spcPct val="0"/>
-              </a:spcBef>
-              <a:spcAft>
-                <a:spcPct val="0"/>
-              </a:spcAft>
-            </a:pPr>
-            <a:r>
-              <a:rPr lang="en-US" sz="1200" b="1" dirty="0">
-                <a:latin typeface="Calibri" pitchFamily="34" charset="0"/>
-                <a:cs typeface="Arial" pitchFamily="34" charset="0"/>
-              </a:rPr>
-              <a:t>S30A-4011BA</a:t>
-            </a:r>
-          </a:p>
-          <a:p>
-            <a:pPr marL="0" marR="0" lvl="0" indent="0" algn="ctr" defTabSz="914400" rtl="0" eaLnBrk="1" fontAlgn="base" latinLnBrk="0" hangingPunct="1">
-              <a:lnSpc>
-                <a:spcPct val="100000"/>
-              </a:lnSpc>
-              <a:spcBef>
-                <a:spcPct val="0"/>
-              </a:spcBef>
-              <a:spcAft>
-                <a:spcPct val="0"/>
-              </a:spcAft>
-              <a:buClrTx/>
-              <a:buSzTx/>
-              <a:buFontTx/>
-              <a:buNone/>
-              <a:tabLst/>
-            </a:pPr>
-            <a:r>
-              <a:rPr kumimoji="0" lang="en-US" sz="1400" i="0" u="none" strike="noStrike" cap="none" normalizeH="0" baseline="0" dirty="0">
-                <a:ln>
-                  <a:noFill/>
-                </a:ln>
-                <a:solidFill>
-                  <a:schemeClr val="tx1"/>
-                </a:solidFill>
-                <a:effectLst/>
-                <a:latin typeface="Calibri" pitchFamily="34" charset="0"/>
-                <a:cs typeface="Arial" pitchFamily="34" charset="0"/>
-              </a:rPr>
-              <a:t>Safety scanner laser</a:t>
-            </a:r>
+          <a:lstStyle/>
+          <a:p>
+            <a:endParaRPr lang="en-SK"/>
           </a:p>
         </p:txBody>
       </p:sp>
       <p:pic>
         <p:nvPicPr>
-          <p:cNvPr id="9" name="Obrázok 8">
+          <p:cNvPr id="1030" name="Picture 6" descr="Robot controller with teach pendant / compact - RITM IndustryRITM Industry">
             <a:extLst>
               <a:ext uri="{FF2B5EF4-FFF2-40B4-BE49-F238E27FC236}">
-                <a16:creationId xmlns:a16="http://schemas.microsoft.com/office/drawing/2014/main" id="{F28AB467-CFB9-324C-B9A7-B39545B4CC37}"/>
+                <a16:creationId xmlns:a16="http://schemas.microsoft.com/office/drawing/2014/main" id="{C853F0D4-9A36-474F-9009-C7FCB02DDEAF}"/>
               </a:ext>
             </a:extLst>
           </p:cNvPr>
           <p:cNvPicPr>
-            <a:picLocks noChangeAspect="1"/>
+            <a:picLocks noChangeAspect="1" noChangeArrowheads="1"/>
           </p:cNvPicPr>
           <p:nvPr/>
         </p:nvPicPr>
@@ -14157,56 +15697,77 @@
               </a:ext>
             </a:extLst>
           </a:blip>
+          <a:srcRect/>
           <a:stretch>
             <a:fillRect/>
           </a:stretch>
         </p:blipFill>
-        <p:spPr>
-          <a:xfrm>
-            <a:off x="5600699" y="2657993"/>
-            <a:ext cx="909197" cy="923330"/>
-          </a:xfrm>
-          <a:prstGeom prst="rect">
-            <a:avLst/>
-          </a:prstGeom>
-        </p:spPr>
-      </p:pic>
-      <p:sp>
-        <p:nvSpPr>
-          <p:cNvPr id="53" name="Text Box 2">
-            <a:extLst>
-              <a:ext uri="{FF2B5EF4-FFF2-40B4-BE49-F238E27FC236}">
-                <a16:creationId xmlns:a16="http://schemas.microsoft.com/office/drawing/2014/main" id="{68CD7B93-1D13-3045-8DCC-1BF62BBF9DC0}"/>
-              </a:ext>
-            </a:extLst>
-          </p:cNvPr>
-          <p:cNvSpPr txBox="1">
-            <a:spLocks noChangeArrowheads="1"/>
-          </p:cNvSpPr>
-          <p:nvPr/>
-        </p:nvSpPr>
         <p:spPr bwMode="auto">
           <a:xfrm>
-            <a:off x="6474398" y="2919165"/>
-            <a:ext cx="1332410" cy="523220"/>
+            <a:off x="1849415" y="3009053"/>
+            <a:ext cx="1219200" cy="1971040"/>
           </a:xfrm>
           <a:prstGeom prst="rect">
             <a:avLst/>
           </a:prstGeom>
           <a:noFill/>
-          <a:ln w="9525">
-            <a:noFill/>
-            <a:miter lim="800000"/>
-            <a:headEnd/>
-            <a:tailEnd/>
+          <a:extLst>
+            <a:ext uri="{909E8E84-426E-40DD-AFC4-6F175D3DCCD1}">
+              <a14:hiddenFill xmlns:a14="http://schemas.microsoft.com/office/drawing/2010/main">
+                <a:solidFill>
+                  <a:srgbClr val="FFFFFF"/>
+                </a:solidFill>
+              </a14:hiddenFill>
+            </a:ext>
+          </a:extLst>
+        </p:spPr>
+      </p:pic>
+      <p:sp>
+        <p:nvSpPr>
+          <p:cNvPr id="26" name="Line 6">
+            <a:extLst>
+              <a:ext uri="{FF2B5EF4-FFF2-40B4-BE49-F238E27FC236}">
+                <a16:creationId xmlns:a16="http://schemas.microsoft.com/office/drawing/2014/main" id="{B05FDC71-DA17-3942-9ADA-0574EA68E06E}"/>
+              </a:ext>
+            </a:extLst>
+          </p:cNvPr>
+          <p:cNvSpPr>
+            <a:spLocks/>
+          </p:cNvSpPr>
+          <p:nvPr/>
+        </p:nvSpPr>
+        <p:spPr bwMode="auto">
+          <a:xfrm flipH="1" flipV="1">
+            <a:off x="1216400" y="588249"/>
+            <a:ext cx="0" cy="1524027"/>
+          </a:xfrm>
+          <a:prstGeom prst="line">
+            <a:avLst/>
+          </a:prstGeom>
+          <a:noFill/>
+          <a:ln w="38100">
+            <a:solidFill>
+              <a:schemeClr val="bg1">
+                <a:lumMod val="50000"/>
+              </a:schemeClr>
+            </a:solidFill>
+            <a:round/>
+            <a:headEnd type="none" w="med" len="med"/>
+            <a:tailEnd type="none"/>
           </a:ln>
+          <a:effectLst>
+            <a:outerShdw dist="23000" dir="5400000" rotWithShape="0">
+              <a:srgbClr val="000000">
+                <a:alpha val="34999"/>
+              </a:srgbClr>
+            </a:outerShdw>
+          </a:effectLst>
         </p:spPr>
         <p:txBody>
           <a:bodyPr vert="horz" wrap="square" lIns="91440" tIns="45720" rIns="91440" bIns="45720" numCol="1" anchor="t" anchorCtr="0" compatLnSpc="1">
             <a:prstTxWarp prst="textNoShape">
               <a:avLst/>
             </a:prstTxWarp>
-            <a:spAutoFit/>
           </a:bodyPr>
           <a:lstStyle>
             <a:defPPr>
@@ -14304,42 +15865,163 @@
             </a:lvl9pPr>
           </a:lstStyle>
           <a:p>
-            <a:pPr marL="0" marR="0" lvl="0" indent="0" algn="ctr" defTabSz="914400" rtl="0" eaLnBrk="1" fontAlgn="base" latinLnBrk="0" hangingPunct="1">
-              <a:lnSpc>
-                <a:spcPct val="100000"/>
-              </a:lnSpc>
-              <a:spcBef>
-                <a:spcPct val="0"/>
-              </a:spcBef>
-              <a:spcAft>
-                <a:spcPct val="0"/>
-              </a:spcAft>
-              <a:buClrTx/>
-              <a:buSzTx/>
-              <a:buFontTx/>
-              <a:buNone/>
-              <a:tabLst/>
-            </a:pPr>
-            <a:r>
-              <a:rPr lang="en-US" sz="1400" b="1" dirty="0">
-                <a:latin typeface="Calibri" pitchFamily="34" charset="0"/>
-                <a:cs typeface="Arial" pitchFamily="34" charset="0"/>
-              </a:rPr>
-              <a:t>EMERGENCY Stop1</a:t>
-            </a:r>
-            <a:endParaRPr lang="en-US" sz="1200" b="1" dirty="0">
-              <a:latin typeface="Calibri" pitchFamily="34" charset="0"/>
-              <a:cs typeface="Arial" pitchFamily="34" charset="0"/>
-            </a:endParaRPr>
+            <a:endParaRPr lang="en-US"/>
+          </a:p>
+        </p:txBody>
+      </p:sp>
+      <p:sp>
+        <p:nvSpPr>
+          <p:cNvPr id="27" name="Line 6">
+            <a:extLst>
+              <a:ext uri="{FF2B5EF4-FFF2-40B4-BE49-F238E27FC236}">
+                <a16:creationId xmlns:a16="http://schemas.microsoft.com/office/drawing/2014/main" id="{0B90AD7D-A69C-0B43-BA40-02A5C884F80E}"/>
+              </a:ext>
+            </a:extLst>
+          </p:cNvPr>
+          <p:cNvSpPr>
+            <a:spLocks/>
+          </p:cNvSpPr>
+          <p:nvPr/>
+        </p:nvSpPr>
+        <p:spPr bwMode="auto">
+          <a:xfrm flipV="1">
+            <a:off x="1207435" y="2112276"/>
+            <a:ext cx="5102023" cy="3"/>
+          </a:xfrm>
+          <a:prstGeom prst="line">
+            <a:avLst/>
+          </a:prstGeom>
+          <a:noFill/>
+          <a:ln w="38100">
+            <a:solidFill>
+              <a:schemeClr val="bg1">
+                <a:lumMod val="50000"/>
+              </a:schemeClr>
+            </a:solidFill>
+            <a:round/>
+            <a:headEnd type="oval" w="med" len="med"/>
+            <a:tailEnd type="none"/>
+          </a:ln>
+          <a:effectLst>
+            <a:outerShdw dist="23000" dir="5400000" rotWithShape="0">
+              <a:srgbClr val="000000">
+                <a:alpha val="34999"/>
+              </a:srgbClr>
+            </a:outerShdw>
+          </a:effectLst>
+        </p:spPr>
+        <p:txBody>
+          <a:bodyPr vert="horz" wrap="square" lIns="91440" tIns="45720" rIns="91440" bIns="45720" numCol="1" anchor="t" anchorCtr="0" compatLnSpc="1">
+            <a:prstTxWarp prst="textNoShape">
+              <a:avLst/>
+            </a:prstTxWarp>
+          </a:bodyPr>
+          <a:lstStyle>
+            <a:defPPr>
+              <a:defRPr lang="sk-SK"/>
+            </a:defPPr>
+            <a:lvl1pPr marL="0" algn="l" defTabSz="914400" rtl="0" eaLnBrk="1" latinLnBrk="0" hangingPunct="1">
+              <a:defRPr sz="1800" kern="1200">
+                <a:solidFill>
+                  <a:schemeClr val="tx1"/>
+                </a:solidFill>
+                <a:latin typeface="+mn-lt"/>
+                <a:ea typeface="+mn-ea"/>
+                <a:cs typeface="+mn-cs"/>
+              </a:defRPr>
+            </a:lvl1pPr>
+            <a:lvl2pPr marL="457200" algn="l" defTabSz="914400" rtl="0" eaLnBrk="1" latinLnBrk="0" hangingPunct="1">
+              <a:defRPr sz="1800" kern="1200">
+                <a:solidFill>
+                  <a:schemeClr val="tx1"/>
+                </a:solidFill>
+                <a:latin typeface="+mn-lt"/>
+                <a:ea typeface="+mn-ea"/>
+                <a:cs typeface="+mn-cs"/>
+              </a:defRPr>
+            </a:lvl2pPr>
+            <a:lvl3pPr marL="914400" algn="l" defTabSz="914400" rtl="0" eaLnBrk="1" latinLnBrk="0" hangingPunct="1">
+              <a:defRPr sz="1800" kern="1200">
+                <a:solidFill>
+                  <a:schemeClr val="tx1"/>
+                </a:solidFill>
+                <a:latin typeface="+mn-lt"/>
+                <a:ea typeface="+mn-ea"/>
+                <a:cs typeface="+mn-cs"/>
+              </a:defRPr>
+            </a:lvl3pPr>
+            <a:lvl4pPr marL="1371600" algn="l" defTabSz="914400" rtl="0" eaLnBrk="1" latinLnBrk="0" hangingPunct="1">
+              <a:defRPr sz="1800" kern="1200">
+                <a:solidFill>
+                  <a:schemeClr val="tx1"/>
+                </a:solidFill>
+                <a:latin typeface="+mn-lt"/>
+                <a:ea typeface="+mn-ea"/>
+                <a:cs typeface="+mn-cs"/>
+              </a:defRPr>
+            </a:lvl4pPr>
+            <a:lvl5pPr marL="1828800" algn="l" defTabSz="914400" rtl="0" eaLnBrk="1" latinLnBrk="0" hangingPunct="1">
+              <a:defRPr sz="1800" kern="1200">
+                <a:solidFill>
+                  <a:schemeClr val="tx1"/>
+                </a:solidFill>
+                <a:latin typeface="+mn-lt"/>
+                <a:ea typeface="+mn-ea"/>
+                <a:cs typeface="+mn-cs"/>
+              </a:defRPr>
+            </a:lvl5pPr>
+            <a:lvl6pPr marL="2286000" algn="l" defTabSz="914400" rtl="0" eaLnBrk="1" latinLnBrk="0" hangingPunct="1">
+              <a:defRPr sz="1800" kern="1200">
+                <a:solidFill>
+                  <a:schemeClr val="tx1"/>
+                </a:solidFill>
+                <a:latin typeface="+mn-lt"/>
+                <a:ea typeface="+mn-ea"/>
+                <a:cs typeface="+mn-cs"/>
+              </a:defRPr>
+            </a:lvl6pPr>
+            <a:lvl7pPr marL="2743200" algn="l" defTabSz="914400" rtl="0" eaLnBrk="1" latinLnBrk="0" hangingPunct="1">
+              <a:defRPr sz="1800" kern="1200">
+                <a:solidFill>
+                  <a:schemeClr val="tx1"/>
+                </a:solidFill>
+                <a:latin typeface="+mn-lt"/>
+                <a:ea typeface="+mn-ea"/>
+                <a:cs typeface="+mn-cs"/>
+              </a:defRPr>
+            </a:lvl7pPr>
+            <a:lvl8pPr marL="3200400" algn="l" defTabSz="914400" rtl="0" eaLnBrk="1" latinLnBrk="0" hangingPunct="1">
+              <a:defRPr sz="1800" kern="1200">
+                <a:solidFill>
+                  <a:schemeClr val="tx1"/>
+                </a:solidFill>
+                <a:latin typeface="+mn-lt"/>
+                <a:ea typeface="+mn-ea"/>
+                <a:cs typeface="+mn-cs"/>
+              </a:defRPr>
+            </a:lvl8pPr>
+            <a:lvl9pPr marL="3657600" algn="l" defTabSz="914400" rtl="0" eaLnBrk="1" latinLnBrk="0" hangingPunct="1">
+              <a:defRPr sz="1800" kern="1200">
+                <a:solidFill>
+                  <a:schemeClr val="tx1"/>
+                </a:solidFill>
+                <a:latin typeface="+mn-lt"/>
+                <a:ea typeface="+mn-ea"/>
+                <a:cs typeface="+mn-cs"/>
+              </a:defRPr>
+            </a:lvl9pPr>
+          </a:lstStyle>
+          <a:p>
+            <a:endParaRPr lang="en-US" dirty="0"/>
           </a:p>
         </p:txBody>
       </p:sp>
       <p:pic>
         <p:nvPicPr>
-          <p:cNvPr id="2050" name="Picture 2" descr="6ES7136-6BA00-0CA0 | Siemens Simatic ET200SP | PLC-City">
+          <p:cNvPr id="1026" name="Picture 2" descr="Calibration - Anagram Engineering">
             <a:extLst>
               <a:ext uri="{FF2B5EF4-FFF2-40B4-BE49-F238E27FC236}">
-                <a16:creationId xmlns:a16="http://schemas.microsoft.com/office/drawing/2014/main" id="{79E0627C-0432-8748-A32A-6926E5033B47}"/>
+                <a16:creationId xmlns:a16="http://schemas.microsoft.com/office/drawing/2014/main" id="{7284A91D-CD87-5644-8A14-9181BF9B3CFB}"/>
               </a:ext>
             </a:extLst>
           </p:cNvPr>
@@ -14362,9 +16044,229 @@
           </a:stretch>
         </p:blipFill>
         <p:spPr bwMode="auto">
+          <a:xfrm rot="1796957">
+            <a:off x="7379709" y="3293708"/>
+            <a:ext cx="892285" cy="948719"/>
+          </a:xfrm>
+          <a:prstGeom prst="rect">
+            <a:avLst/>
+          </a:prstGeom>
+          <a:noFill/>
+          <a:effectLst>
+            <a:outerShdw blurRad="177800" sx="112000" sy="112000" algn="l" rotWithShape="0">
+              <a:schemeClr val="tx1">
+                <a:alpha val="40000"/>
+              </a:schemeClr>
+            </a:outerShdw>
+          </a:effectLst>
+          <a:extLst>
+            <a:ext uri="{909E8E84-426E-40DD-AFC4-6F175D3DCCD1}">
+              <a14:hiddenFill xmlns:a14="http://schemas.microsoft.com/office/drawing/2010/main">
+                <a:solidFill>
+                  <a:srgbClr val="FFFFFF"/>
+                </a:solidFill>
+              </a14:hiddenFill>
+            </a:ext>
+          </a:extLst>
+        </p:spPr>
+      </p:pic>
+      <p:sp>
+        <p:nvSpPr>
+          <p:cNvPr id="31" name="Text Box 2">
+            <a:extLst>
+              <a:ext uri="{FF2B5EF4-FFF2-40B4-BE49-F238E27FC236}">
+                <a16:creationId xmlns:a16="http://schemas.microsoft.com/office/drawing/2014/main" id="{84C4272A-B11E-984D-BC88-673ECAC5B953}"/>
+              </a:ext>
+            </a:extLst>
+          </p:cNvPr>
+          <p:cNvSpPr txBox="1">
+            <a:spLocks noChangeArrowheads="1"/>
+          </p:cNvSpPr>
+          <p:nvPr/>
+        </p:nvSpPr>
+        <p:spPr bwMode="auto">
           <a:xfrm>
-            <a:off x="1700617" y="1782900"/>
-            <a:ext cx="1932766" cy="1932766"/>
+            <a:off x="7009698" y="4439727"/>
+            <a:ext cx="1676401" cy="523220"/>
+          </a:xfrm>
+          <a:prstGeom prst="rect">
+            <a:avLst/>
+          </a:prstGeom>
+          <a:noFill/>
+          <a:ln w="9525">
+            <a:noFill/>
+            <a:miter lim="800000"/>
+            <a:headEnd/>
+            <a:tailEnd/>
+          </a:ln>
+        </p:spPr>
+        <p:txBody>
+          <a:bodyPr vert="horz" wrap="square" lIns="91440" tIns="45720" rIns="91440" bIns="45720" numCol="1" anchor="t" anchorCtr="0" compatLnSpc="1">
+            <a:prstTxWarp prst="textNoShape">
+              <a:avLst/>
+            </a:prstTxWarp>
+            <a:spAutoFit/>
+          </a:bodyPr>
+          <a:lstStyle>
+            <a:defPPr>
+              <a:defRPr lang="sk-SK"/>
+            </a:defPPr>
+            <a:lvl1pPr marL="0" algn="l" defTabSz="914400" rtl="0" eaLnBrk="1" latinLnBrk="0" hangingPunct="1">
+              <a:defRPr sz="1800" kern="1200">
+                <a:solidFill>
+                  <a:schemeClr val="tx1"/>
+                </a:solidFill>
+                <a:latin typeface="+mn-lt"/>
+                <a:ea typeface="+mn-ea"/>
+                <a:cs typeface="+mn-cs"/>
+              </a:defRPr>
+            </a:lvl1pPr>
+            <a:lvl2pPr marL="457200" algn="l" defTabSz="914400" rtl="0" eaLnBrk="1" latinLnBrk="0" hangingPunct="1">
+              <a:defRPr sz="1800" kern="1200">
+                <a:solidFill>
+                  <a:schemeClr val="tx1"/>
+                </a:solidFill>
+                <a:latin typeface="+mn-lt"/>
+                <a:ea typeface="+mn-ea"/>
+                <a:cs typeface="+mn-cs"/>
+              </a:defRPr>
+            </a:lvl2pPr>
+            <a:lvl3pPr marL="914400" algn="l" defTabSz="914400" rtl="0" eaLnBrk="1" latinLnBrk="0" hangingPunct="1">
+              <a:defRPr sz="1800" kern="1200">
+                <a:solidFill>
+                  <a:schemeClr val="tx1"/>
+                </a:solidFill>
+                <a:latin typeface="+mn-lt"/>
+                <a:ea typeface="+mn-ea"/>
+                <a:cs typeface="+mn-cs"/>
+              </a:defRPr>
+            </a:lvl3pPr>
+            <a:lvl4pPr marL="1371600" algn="l" defTabSz="914400" rtl="0" eaLnBrk="1" latinLnBrk="0" hangingPunct="1">
+              <a:defRPr sz="1800" kern="1200">
+                <a:solidFill>
+                  <a:schemeClr val="tx1"/>
+                </a:solidFill>
+                <a:latin typeface="+mn-lt"/>
+                <a:ea typeface="+mn-ea"/>
+                <a:cs typeface="+mn-cs"/>
+              </a:defRPr>
+            </a:lvl4pPr>
+            <a:lvl5pPr marL="1828800" algn="l" defTabSz="914400" rtl="0" eaLnBrk="1" latinLnBrk="0" hangingPunct="1">
+              <a:defRPr sz="1800" kern="1200">
+                <a:solidFill>
+                  <a:schemeClr val="tx1"/>
+                </a:solidFill>
+                <a:latin typeface="+mn-lt"/>
+                <a:ea typeface="+mn-ea"/>
+                <a:cs typeface="+mn-cs"/>
+              </a:defRPr>
+            </a:lvl5pPr>
+            <a:lvl6pPr marL="2286000" algn="l" defTabSz="914400" rtl="0" eaLnBrk="1" latinLnBrk="0" hangingPunct="1">
+              <a:defRPr sz="1800" kern="1200">
+                <a:solidFill>
+                  <a:schemeClr val="tx1"/>
+                </a:solidFill>
+                <a:latin typeface="+mn-lt"/>
+                <a:ea typeface="+mn-ea"/>
+                <a:cs typeface="+mn-cs"/>
+              </a:defRPr>
+            </a:lvl6pPr>
+            <a:lvl7pPr marL="2743200" algn="l" defTabSz="914400" rtl="0" eaLnBrk="1" latinLnBrk="0" hangingPunct="1">
+              <a:defRPr sz="1800" kern="1200">
+                <a:solidFill>
+                  <a:schemeClr val="tx1"/>
+                </a:solidFill>
+                <a:latin typeface="+mn-lt"/>
+                <a:ea typeface="+mn-ea"/>
+                <a:cs typeface="+mn-cs"/>
+              </a:defRPr>
+            </a:lvl7pPr>
+            <a:lvl8pPr marL="3200400" algn="l" defTabSz="914400" rtl="0" eaLnBrk="1" latinLnBrk="0" hangingPunct="1">
+              <a:defRPr sz="1800" kern="1200">
+                <a:solidFill>
+                  <a:schemeClr val="tx1"/>
+                </a:solidFill>
+                <a:latin typeface="+mn-lt"/>
+                <a:ea typeface="+mn-ea"/>
+                <a:cs typeface="+mn-cs"/>
+              </a:defRPr>
+            </a:lvl8pPr>
+            <a:lvl9pPr marL="3657600" algn="l" defTabSz="914400" rtl="0" eaLnBrk="1" latinLnBrk="0" hangingPunct="1">
+              <a:defRPr sz="1800" kern="1200">
+                <a:solidFill>
+                  <a:schemeClr val="tx1"/>
+                </a:solidFill>
+                <a:latin typeface="+mn-lt"/>
+                <a:ea typeface="+mn-ea"/>
+                <a:cs typeface="+mn-cs"/>
+              </a:defRPr>
+            </a:lvl9pPr>
+          </a:lstStyle>
+          <a:p>
+            <a:pPr lvl="0" algn="ctr" fontAlgn="base">
+              <a:spcBef>
+                <a:spcPct val="0"/>
+              </a:spcBef>
+              <a:spcAft>
+                <a:spcPct val="0"/>
+              </a:spcAft>
+            </a:pPr>
+            <a:r>
+              <a:rPr lang="en-US" sz="1400" b="1" dirty="0">
+                <a:latin typeface="Calibri" pitchFamily="34" charset="0"/>
+                <a:cs typeface="Arial" pitchFamily="34" charset="0"/>
+              </a:rPr>
+              <a:t>Calibration pattern</a:t>
+            </a:r>
+          </a:p>
+          <a:p>
+            <a:pPr lvl="0" algn="ctr" fontAlgn="base">
+              <a:spcBef>
+                <a:spcPct val="0"/>
+              </a:spcBef>
+              <a:spcAft>
+                <a:spcPct val="0"/>
+              </a:spcAft>
+            </a:pPr>
+            <a:r>
+              <a:rPr lang="en-US" sz="1400" dirty="0">
+                <a:latin typeface="Calibri" pitchFamily="34" charset="0"/>
+                <a:cs typeface="Arial" pitchFamily="34" charset="0"/>
+              </a:rPr>
+              <a:t>fixed position </a:t>
+            </a:r>
+          </a:p>
+        </p:txBody>
+      </p:sp>
+      <p:pic>
+        <p:nvPicPr>
+          <p:cNvPr id="1028" name="Picture 4" descr="Micro Epsilon Thermal Imaging Camera, -40C to +1800C, 640x480, Rs 400000  /unit | ID: 20763605655">
+            <a:extLst>
+              <a:ext uri="{FF2B5EF4-FFF2-40B4-BE49-F238E27FC236}">
+                <a16:creationId xmlns:a16="http://schemas.microsoft.com/office/drawing/2014/main" id="{1DF68CA1-AE55-9F4C-843D-3A1CF4CB8D61}"/>
+              </a:ext>
+            </a:extLst>
+          </p:cNvPr>
+          <p:cNvPicPr>
+            <a:picLocks noChangeAspect="1" noChangeArrowheads="1"/>
+          </p:cNvPicPr>
+          <p:nvPr/>
+        </p:nvPicPr>
+        <p:blipFill rotWithShape="1">
+          <a:blip r:embed="rId7">
+            <a:extLst>
+              <a:ext uri="{28A0092B-C50C-407E-A947-70E740481C1C}">
+                <a14:useLocalDpi xmlns:a14="http://schemas.microsoft.com/office/drawing/2010/main" val="0"/>
+              </a:ext>
+            </a:extLst>
+          </a:blip>
+          <a:srcRect l="11383" t="21821" r="23896" b="21665"/>
+          <a:stretch/>
+        </p:blipFill>
+        <p:spPr bwMode="auto">
+          <a:xfrm flipH="1">
+            <a:off x="6423569" y="1985387"/>
+            <a:ext cx="800489" cy="760789"/>
           </a:xfrm>
           <a:prstGeom prst="rect">
             <a:avLst/>
@@ -14381,446 +16283,10 @@
           </a:extLst>
         </p:spPr>
       </p:pic>
-      <p:sp>
-        <p:nvSpPr>
-          <p:cNvPr id="23" name="Line 6">
-            <a:extLst>
-              <a:ext uri="{FF2B5EF4-FFF2-40B4-BE49-F238E27FC236}">
-                <a16:creationId xmlns:a16="http://schemas.microsoft.com/office/drawing/2014/main" id="{1D2BA382-8280-0545-8910-4C62DE8A8016}"/>
-              </a:ext>
-            </a:extLst>
-          </p:cNvPr>
-          <p:cNvSpPr>
-            <a:spLocks/>
-          </p:cNvSpPr>
-          <p:nvPr/>
-        </p:nvSpPr>
-        <p:spPr bwMode="auto">
-          <a:xfrm flipH="1">
-            <a:off x="3429000" y="2193954"/>
-            <a:ext cx="2033438" cy="0"/>
-          </a:xfrm>
-          <a:prstGeom prst="line">
-            <a:avLst/>
-          </a:prstGeom>
-          <a:ln>
-            <a:headEnd type="none" w="med" len="med"/>
-            <a:tailEnd type="none"/>
-          </a:ln>
-        </p:spPr>
-        <p:style>
-          <a:lnRef idx="2">
-            <a:schemeClr val="dk1"/>
-          </a:lnRef>
-          <a:fillRef idx="0">
-            <a:schemeClr val="dk1"/>
-          </a:fillRef>
-          <a:effectRef idx="1">
-            <a:schemeClr val="dk1"/>
-          </a:effectRef>
-          <a:fontRef idx="minor">
-            <a:schemeClr val="tx1"/>
-          </a:fontRef>
-        </p:style>
-        <p:txBody>
-          <a:bodyPr vert="horz" wrap="square" lIns="91440" tIns="45720" rIns="91440" bIns="45720" numCol="1" anchor="t" anchorCtr="0" compatLnSpc="1">
-            <a:prstTxWarp prst="textNoShape">
-              <a:avLst/>
-            </a:prstTxWarp>
-          </a:bodyPr>
-          <a:lstStyle/>
-          <a:p>
-            <a:endParaRPr lang="en-US"/>
-          </a:p>
-        </p:txBody>
-      </p:sp>
-      <p:sp>
-        <p:nvSpPr>
-          <p:cNvPr id="24" name="Line 6">
-            <a:extLst>
-              <a:ext uri="{FF2B5EF4-FFF2-40B4-BE49-F238E27FC236}">
-                <a16:creationId xmlns:a16="http://schemas.microsoft.com/office/drawing/2014/main" id="{5A3C3179-FBB4-DC46-9172-325FB99582F9}"/>
-              </a:ext>
-            </a:extLst>
-          </p:cNvPr>
-          <p:cNvSpPr>
-            <a:spLocks/>
-          </p:cNvSpPr>
-          <p:nvPr/>
-        </p:nvSpPr>
-        <p:spPr bwMode="auto">
-          <a:xfrm flipH="1">
-            <a:off x="3429000" y="2270154"/>
-            <a:ext cx="2033438" cy="0"/>
-          </a:xfrm>
-          <a:prstGeom prst="line">
-            <a:avLst/>
-          </a:prstGeom>
-          <a:ln>
-            <a:headEnd type="none" w="med" len="med"/>
-            <a:tailEnd type="none"/>
-          </a:ln>
-        </p:spPr>
-        <p:style>
-          <a:lnRef idx="2">
-            <a:schemeClr val="dk1"/>
-          </a:lnRef>
-          <a:fillRef idx="0">
-            <a:schemeClr val="dk1"/>
-          </a:fillRef>
-          <a:effectRef idx="1">
-            <a:schemeClr val="dk1"/>
-          </a:effectRef>
-          <a:fontRef idx="minor">
-            <a:schemeClr val="tx1"/>
-          </a:fontRef>
-        </p:style>
-        <p:txBody>
-          <a:bodyPr vert="horz" wrap="square" lIns="91440" tIns="45720" rIns="91440" bIns="45720" numCol="1" anchor="t" anchorCtr="0" compatLnSpc="1">
-            <a:prstTxWarp prst="textNoShape">
-              <a:avLst/>
-            </a:prstTxWarp>
-          </a:bodyPr>
-          <a:lstStyle/>
-          <a:p>
-            <a:endParaRPr lang="en-US"/>
-          </a:p>
-        </p:txBody>
-      </p:sp>
-      <p:sp>
-        <p:nvSpPr>
-          <p:cNvPr id="26" name="Line 6">
-            <a:extLst>
-              <a:ext uri="{FF2B5EF4-FFF2-40B4-BE49-F238E27FC236}">
-                <a16:creationId xmlns:a16="http://schemas.microsoft.com/office/drawing/2014/main" id="{771D2A91-3155-5C41-94FC-83F7CF61C7E5}"/>
-              </a:ext>
-            </a:extLst>
-          </p:cNvPr>
-          <p:cNvSpPr>
-            <a:spLocks/>
-          </p:cNvSpPr>
-          <p:nvPr/>
-        </p:nvSpPr>
-        <p:spPr bwMode="auto">
-          <a:xfrm flipH="1">
-            <a:off x="3429000" y="3033056"/>
-            <a:ext cx="2033438" cy="0"/>
-          </a:xfrm>
-          <a:prstGeom prst="line">
-            <a:avLst/>
-          </a:prstGeom>
-          <a:ln>
-            <a:headEnd type="none" w="med" len="med"/>
-            <a:tailEnd type="none"/>
-          </a:ln>
-        </p:spPr>
-        <p:style>
-          <a:lnRef idx="2">
-            <a:schemeClr val="dk1"/>
-          </a:lnRef>
-          <a:fillRef idx="0">
-            <a:schemeClr val="dk1"/>
-          </a:fillRef>
-          <a:effectRef idx="1">
-            <a:schemeClr val="dk1"/>
-          </a:effectRef>
-          <a:fontRef idx="minor">
-            <a:schemeClr val="tx1"/>
-          </a:fontRef>
-        </p:style>
-        <p:txBody>
-          <a:bodyPr vert="horz" wrap="square" lIns="91440" tIns="45720" rIns="91440" bIns="45720" numCol="1" anchor="t" anchorCtr="0" compatLnSpc="1">
-            <a:prstTxWarp prst="textNoShape">
-              <a:avLst/>
-            </a:prstTxWarp>
-          </a:bodyPr>
-          <a:lstStyle/>
-          <a:p>
-            <a:endParaRPr lang="en-US"/>
-          </a:p>
-        </p:txBody>
-      </p:sp>
-      <p:sp>
-        <p:nvSpPr>
-          <p:cNvPr id="27" name="Line 6">
-            <a:extLst>
-              <a:ext uri="{FF2B5EF4-FFF2-40B4-BE49-F238E27FC236}">
-                <a16:creationId xmlns:a16="http://schemas.microsoft.com/office/drawing/2014/main" id="{03FDB6B0-1008-F440-9C45-4A70C36327DC}"/>
-              </a:ext>
-            </a:extLst>
-          </p:cNvPr>
-          <p:cNvSpPr>
-            <a:spLocks/>
-          </p:cNvSpPr>
-          <p:nvPr/>
-        </p:nvSpPr>
-        <p:spPr bwMode="auto">
-          <a:xfrm flipH="1">
-            <a:off x="3429000" y="3109256"/>
-            <a:ext cx="2033438" cy="0"/>
-          </a:xfrm>
-          <a:prstGeom prst="line">
-            <a:avLst/>
-          </a:prstGeom>
-          <a:ln>
-            <a:headEnd type="none" w="med" len="med"/>
-            <a:tailEnd type="none"/>
-          </a:ln>
-        </p:spPr>
-        <p:style>
-          <a:lnRef idx="2">
-            <a:schemeClr val="dk1"/>
-          </a:lnRef>
-          <a:fillRef idx="0">
-            <a:schemeClr val="dk1"/>
-          </a:fillRef>
-          <a:effectRef idx="1">
-            <a:schemeClr val="dk1"/>
-          </a:effectRef>
-          <a:fontRef idx="minor">
-            <a:schemeClr val="tx1"/>
-          </a:fontRef>
-        </p:style>
-        <p:txBody>
-          <a:bodyPr vert="horz" wrap="square" lIns="91440" tIns="45720" rIns="91440" bIns="45720" numCol="1" anchor="t" anchorCtr="0" compatLnSpc="1">
-            <a:prstTxWarp prst="textNoShape">
-              <a:avLst/>
-            </a:prstTxWarp>
-          </a:bodyPr>
-          <a:lstStyle/>
-          <a:p>
-            <a:endParaRPr lang="en-US"/>
-          </a:p>
-        </p:txBody>
-      </p:sp>
-      <p:sp>
-        <p:nvSpPr>
-          <p:cNvPr id="3" name="Oval 2">
-            <a:extLst>
-              <a:ext uri="{FF2B5EF4-FFF2-40B4-BE49-F238E27FC236}">
-                <a16:creationId xmlns:a16="http://schemas.microsoft.com/office/drawing/2014/main" id="{2D8C532A-45AF-8341-AE96-2D1FDC45EE97}"/>
-              </a:ext>
-            </a:extLst>
-          </p:cNvPr>
-          <p:cNvSpPr/>
-          <p:nvPr/>
-        </p:nvSpPr>
-        <p:spPr>
-          <a:xfrm>
-            <a:off x="5943600" y="3695723"/>
-            <a:ext cx="152400" cy="152400"/>
-          </a:xfrm>
-          <a:prstGeom prst="ellipse">
-            <a:avLst/>
-          </a:prstGeom>
-          <a:solidFill>
-            <a:schemeClr val="tx1"/>
-          </a:solidFill>
-          <a:ln>
-            <a:solidFill>
-              <a:schemeClr val="tx1"/>
-            </a:solidFill>
-          </a:ln>
-        </p:spPr>
-        <p:style>
-          <a:lnRef idx="2">
-            <a:schemeClr val="accent1">
-              <a:shade val="50000"/>
-            </a:schemeClr>
-          </a:lnRef>
-          <a:fillRef idx="1">
-            <a:schemeClr val="accent1"/>
-          </a:fillRef>
-          <a:effectRef idx="0">
-            <a:schemeClr val="accent1"/>
-          </a:effectRef>
-          <a:fontRef idx="minor">
-            <a:schemeClr val="lt1"/>
-          </a:fontRef>
-        </p:style>
-        <p:txBody>
-          <a:bodyPr rtlCol="0" anchor="ctr"/>
-          <a:lstStyle/>
-          <a:p>
-            <a:pPr algn="ctr"/>
-            <a:endParaRPr lang="en-SK"/>
-          </a:p>
-        </p:txBody>
-      </p:sp>
-      <p:sp>
-        <p:nvSpPr>
-          <p:cNvPr id="28" name="Oval 27">
-            <a:extLst>
-              <a:ext uri="{FF2B5EF4-FFF2-40B4-BE49-F238E27FC236}">
-                <a16:creationId xmlns:a16="http://schemas.microsoft.com/office/drawing/2014/main" id="{1B89A379-ED0D-D246-931E-D5A8B8B6FB2E}"/>
-              </a:ext>
-            </a:extLst>
-          </p:cNvPr>
-          <p:cNvSpPr/>
-          <p:nvPr/>
-        </p:nvSpPr>
-        <p:spPr>
-          <a:xfrm>
-            <a:off x="5973416" y="3946533"/>
-            <a:ext cx="100933" cy="100933"/>
-          </a:xfrm>
-          <a:prstGeom prst="ellipse">
-            <a:avLst/>
-          </a:prstGeom>
-          <a:solidFill>
-            <a:schemeClr val="tx1"/>
-          </a:solidFill>
-          <a:ln>
-            <a:solidFill>
-              <a:schemeClr val="tx1"/>
-            </a:solidFill>
-          </a:ln>
-        </p:spPr>
-        <p:style>
-          <a:lnRef idx="2">
-            <a:schemeClr val="accent1">
-              <a:shade val="50000"/>
-            </a:schemeClr>
-          </a:lnRef>
-          <a:fillRef idx="1">
-            <a:schemeClr val="accent1"/>
-          </a:fillRef>
-          <a:effectRef idx="0">
-            <a:schemeClr val="accent1"/>
-          </a:effectRef>
-          <a:fontRef idx="minor">
-            <a:schemeClr val="lt1"/>
-          </a:fontRef>
-        </p:style>
-        <p:txBody>
-          <a:bodyPr rtlCol="0" anchor="ctr"/>
-          <a:lstStyle/>
-          <a:p>
-            <a:pPr algn="ctr"/>
-            <a:endParaRPr lang="en-SK"/>
-          </a:p>
-        </p:txBody>
-      </p:sp>
-      <p:sp>
-        <p:nvSpPr>
-          <p:cNvPr id="29" name="Oval 28">
-            <a:extLst>
-              <a:ext uri="{FF2B5EF4-FFF2-40B4-BE49-F238E27FC236}">
-                <a16:creationId xmlns:a16="http://schemas.microsoft.com/office/drawing/2014/main" id="{6F8CDD30-5265-C14B-9100-28637B0078AB}"/>
-              </a:ext>
-            </a:extLst>
-          </p:cNvPr>
-          <p:cNvSpPr/>
-          <p:nvPr/>
-        </p:nvSpPr>
-        <p:spPr>
-          <a:xfrm>
-            <a:off x="5988683" y="4172418"/>
-            <a:ext cx="60335" cy="60335"/>
-          </a:xfrm>
-          <a:prstGeom prst="ellipse">
-            <a:avLst/>
-          </a:prstGeom>
-          <a:solidFill>
-            <a:schemeClr val="tx1"/>
-          </a:solidFill>
-          <a:ln>
-            <a:solidFill>
-              <a:schemeClr val="tx1"/>
-            </a:solidFill>
-          </a:ln>
-        </p:spPr>
-        <p:style>
-          <a:lnRef idx="2">
-            <a:schemeClr val="accent1">
-              <a:shade val="50000"/>
-            </a:schemeClr>
-          </a:lnRef>
-          <a:fillRef idx="1">
-            <a:schemeClr val="accent1"/>
-          </a:fillRef>
-          <a:effectRef idx="0">
-            <a:schemeClr val="accent1"/>
-          </a:effectRef>
-          <a:fontRef idx="minor">
-            <a:schemeClr val="lt1"/>
-          </a:fontRef>
-        </p:style>
-        <p:txBody>
-          <a:bodyPr rtlCol="0" anchor="ctr"/>
-          <a:lstStyle/>
-          <a:p>
-            <a:pPr algn="ctr"/>
-            <a:endParaRPr lang="en-SK"/>
-          </a:p>
-        </p:txBody>
-      </p:sp>
-      <p:sp>
-        <p:nvSpPr>
-          <p:cNvPr id="8" name="Rectangle 7">
-            <a:extLst>
-              <a:ext uri="{FF2B5EF4-FFF2-40B4-BE49-F238E27FC236}">
-                <a16:creationId xmlns:a16="http://schemas.microsoft.com/office/drawing/2014/main" id="{C81E554E-21F8-604C-93A1-D0C3EEB92818}"/>
-              </a:ext>
-            </a:extLst>
-          </p:cNvPr>
-          <p:cNvSpPr/>
-          <p:nvPr/>
-        </p:nvSpPr>
-        <p:spPr>
-          <a:xfrm>
-            <a:off x="6352868" y="3617810"/>
-            <a:ext cx="1575469" cy="523220"/>
-          </a:xfrm>
-          <a:prstGeom prst="rect">
-            <a:avLst/>
-          </a:prstGeom>
-        </p:spPr>
-        <p:txBody>
-          <a:bodyPr wrap="square">
-            <a:spAutoFit/>
-          </a:bodyPr>
-          <a:lstStyle/>
-          <a:p>
-            <a:pPr algn="ctr" fontAlgn="base">
-              <a:spcBef>
-                <a:spcPct val="0"/>
-              </a:spcBef>
-              <a:spcAft>
-                <a:spcPct val="0"/>
-              </a:spcAft>
-            </a:pPr>
-            <a:r>
-              <a:rPr lang="en-US" sz="1400" b="1" dirty="0">
-                <a:latin typeface="Calibri" pitchFamily="34" charset="0"/>
-                <a:cs typeface="Arial" pitchFamily="34" charset="0"/>
-              </a:rPr>
-              <a:t>Other safety </a:t>
-            </a:r>
-          </a:p>
-          <a:p>
-            <a:pPr algn="ctr" fontAlgn="base">
-              <a:spcBef>
-                <a:spcPct val="0"/>
-              </a:spcBef>
-              <a:spcAft>
-                <a:spcPct val="0"/>
-              </a:spcAft>
-            </a:pPr>
-            <a:r>
-              <a:rPr lang="en-US" sz="1400" b="1" dirty="0">
-                <a:latin typeface="Calibri" pitchFamily="34" charset="0"/>
-                <a:cs typeface="Arial" pitchFamily="34" charset="0"/>
-              </a:rPr>
-              <a:t>devices</a:t>
-            </a:r>
-          </a:p>
-        </p:txBody>
-      </p:sp>
     </p:spTree>
     <p:extLst>
       <p:ext uri="{BB962C8B-B14F-4D97-AF65-F5344CB8AC3E}">
-        <p14:creationId xmlns:p14="http://schemas.microsoft.com/office/powerpoint/2010/main" val="2388077523"/>
+        <p14:creationId xmlns:p14="http://schemas.microsoft.com/office/powerpoint/2010/main" val="3397439793"/>
       </p:ext>
     </p:extLst>
   </p:cSld>
@@ -14883,7 +16349,7 @@
             <a:fld id="{F028A4AA-47DC-4BFA-9119-5860EA5BD96A}" type="datetime1">
               <a:rPr lang="sk-SK" smtClean="0"/>
               <a:pPr algn="ctr"/>
-              <a:t>18.12.20</a:t>
+              <a:t>20.12.20</a:t>
             </a:fld>
             <a:endParaRPr lang="sk-SK" dirty="0"/>
           </a:p>
@@ -15155,7 +16621,7 @@
           <a:p>
             <a:r>
               <a:rPr lang="en-US" b="1" dirty="0"/>
-              <a:t>Electrical concept: Safety components  without safety PLC</a:t>
+              <a:t>Electrical concept: Safety components safety PLC</a:t>
             </a:r>
           </a:p>
         </p:txBody>
@@ -15168,7 +16634,7 @@
         </p:nvCxnSpPr>
         <p:spPr>
           <a:xfrm flipH="1">
-            <a:off x="6350" y="6551319"/>
+            <a:off x="0" y="6570172"/>
             <a:ext cx="9131300" cy="0"/>
           </a:xfrm>
           <a:prstGeom prst="line">
@@ -15227,42 +16693,6 @@
           </a:p>
         </p:txBody>
       </p:sp>
-      <p:pic>
-        <p:nvPicPr>
-          <p:cNvPr id="4" name="Obrázok 3">
-            <a:extLst>
-              <a:ext uri="{FF2B5EF4-FFF2-40B4-BE49-F238E27FC236}">
-                <a16:creationId xmlns:a16="http://schemas.microsoft.com/office/drawing/2014/main" id="{31BD0994-F2B1-0B41-9D37-AA2DC98C83D1}"/>
-              </a:ext>
-            </a:extLst>
-          </p:cNvPr>
-          <p:cNvPicPr>
-            <a:picLocks noChangeAspect="1"/>
-          </p:cNvPicPr>
-          <p:nvPr/>
-        </p:nvPicPr>
-        <p:blipFill>
-          <a:blip r:embed="rId4">
-            <a:extLst>
-              <a:ext uri="{28A0092B-C50C-407E-A947-70E740481C1C}">
-                <a14:useLocalDpi xmlns:a14="http://schemas.microsoft.com/office/drawing/2010/main" val="0"/>
-              </a:ext>
-            </a:extLst>
-          </a:blip>
-          <a:stretch>
-            <a:fillRect/>
-          </a:stretch>
-        </p:blipFill>
-        <p:spPr>
-          <a:xfrm>
-            <a:off x="1219200" y="1905000"/>
-            <a:ext cx="1021160" cy="1940205"/>
-          </a:xfrm>
-          <a:prstGeom prst="rect">
-            <a:avLst/>
-          </a:prstGeom>
-        </p:spPr>
-      </p:pic>
       <p:sp>
         <p:nvSpPr>
           <p:cNvPr id="43" name="Text Box 2">
@@ -15279,8 +16709,8 @@
         </p:nvSpPr>
         <p:spPr bwMode="auto">
           <a:xfrm>
-            <a:off x="873980" y="3793995"/>
-            <a:ext cx="1676401" cy="923330"/>
+            <a:off x="1828799" y="3755699"/>
+            <a:ext cx="1676401" cy="954107"/>
           </a:xfrm>
           <a:prstGeom prst="rect">
             <a:avLst/>
@@ -15396,21 +16826,13 @@
             </a:lvl9pPr>
           </a:lstStyle>
           <a:p>
-            <a:pPr marL="0" marR="0" lvl="0" indent="0" algn="ctr" defTabSz="914400" rtl="0" eaLnBrk="1" fontAlgn="base" latinLnBrk="0" hangingPunct="1">
-              <a:lnSpc>
-                <a:spcPct val="100000"/>
-              </a:lnSpc>
+            <a:pPr lvl="0" algn="ctr" fontAlgn="base">
               <a:spcBef>
                 <a:spcPct val="0"/>
               </a:spcBef>
               <a:spcAft>
                 <a:spcPct val="0"/>
               </a:spcAft>
-              <a:buClrTx/>
-              <a:buSzTx/>
-              <a:buFontTx/>
-              <a:buNone/>
-              <a:tabLst/>
             </a:pPr>
             <a:r>
               <a:rPr kumimoji="0" lang="en-US" sz="1400" b="1" i="0" u="none" strike="noStrike" cap="none" normalizeH="0" baseline="0" dirty="0">
@@ -15424,8 +16846,43 @@
                 <a:latin typeface="Calibri" pitchFamily="34" charset="0"/>
                 <a:cs typeface="Arial" pitchFamily="34" charset="0"/>
               </a:rPr>
-              <a:t>PILZ PONZ X6</a:t>
-            </a:r>
+              <a:t>F-DI </a:t>
+            </a:r>
+            <a:r>
+              <a:rPr lang="en-GB" sz="1400" b="1" dirty="0">
+                <a:latin typeface="Calibri" pitchFamily="34" charset="0"/>
+                <a:cs typeface="Arial" pitchFamily="34" charset="0"/>
+              </a:rPr>
+              <a:t>6ES7 </a:t>
+            </a:r>
+          </a:p>
+          <a:p>
+            <a:pPr lvl="0" algn="ctr" fontAlgn="base">
+              <a:spcBef>
+                <a:spcPct val="0"/>
+              </a:spcBef>
+              <a:spcAft>
+                <a:spcPct val="0"/>
+              </a:spcAft>
+            </a:pPr>
+            <a:r>
+              <a:rPr kumimoji="0" lang="en-US" sz="1400" b="1" i="0" u="none" strike="noStrike" cap="none" normalizeH="0" baseline="0" dirty="0">
+                <a:ln>
+                  <a:noFill/>
+                </a:ln>
+                <a:solidFill>
+                  <a:schemeClr val="tx1"/>
+                </a:solidFill>
+                <a:effectLst/>
+                <a:latin typeface="Calibri" pitchFamily="34" charset="0"/>
+                <a:cs typeface="Arial" pitchFamily="34" charset="0"/>
+              </a:rPr>
+              <a:t>ET200SP module</a:t>
+            </a:r>
+            <a:endParaRPr lang="en-GB" sz="1400" dirty="0">
+              <a:latin typeface="Calibri" pitchFamily="34" charset="0"/>
+              <a:cs typeface="Arial" pitchFamily="34" charset="0"/>
+            </a:endParaRPr>
           </a:p>
           <a:p>
             <a:pPr algn="ctr" fontAlgn="base">
@@ -15437,22 +16894,12 @@
               </a:spcAft>
             </a:pPr>
             <a:r>
-              <a:rPr lang="en-US" sz="1400" dirty="0">
+              <a:rPr lang="en-GB" sz="1400" dirty="0">
                 <a:latin typeface="Calibri" pitchFamily="34" charset="0"/>
                 <a:cs typeface="Arial" pitchFamily="34" charset="0"/>
               </a:rPr>
-              <a:t>Safety relay</a:t>
-            </a:r>
-          </a:p>
-          <a:p>
-            <a:pPr algn="ctr" fontAlgn="base">
-              <a:spcBef>
-                <a:spcPct val="0"/>
-              </a:spcBef>
-              <a:spcAft>
-                <a:spcPct val="0"/>
-              </a:spcAft>
-            </a:pPr>
+              <a:t>136-6BA00-0CA0</a:t>
+            </a:r>
             <a:endParaRPr lang="en-US" sz="1200" dirty="0">
               <a:latin typeface="Calibri" pitchFamily="34" charset="0"/>
               <a:cs typeface="Arial" pitchFamily="34" charset="0"/>
@@ -15504,7 +16951,7 @@
           <p:nvPr/>
         </p:nvPicPr>
         <p:blipFill>
-          <a:blip r:embed="rId5">
+          <a:blip r:embed="rId4">
             <a:extLst>
               <a:ext uri="{28A0092B-C50C-407E-A947-70E740481C1C}">
                 <a14:useLocalDpi xmlns:a14="http://schemas.microsoft.com/office/drawing/2010/main" val="0"/>
@@ -15517,8 +16964,8 @@
         </p:blipFill>
         <p:spPr>
           <a:xfrm>
-            <a:off x="3781187" y="2646058"/>
-            <a:ext cx="1046463" cy="1178847"/>
+            <a:off x="5600699" y="1713755"/>
+            <a:ext cx="838201" cy="944238"/>
           </a:xfrm>
           <a:prstGeom prst="rect">
             <a:avLst/>
@@ -15541,7 +16988,7 @@
         </p:nvSpPr>
         <p:spPr bwMode="auto">
           <a:xfrm>
-            <a:off x="3638214" y="3935526"/>
+            <a:off x="6432615" y="1924368"/>
             <a:ext cx="1332410" cy="923330"/>
           </a:xfrm>
           <a:prstGeom prst="rect">
@@ -15759,7 +17206,7 @@
           <p:nvPr/>
         </p:nvPicPr>
         <p:blipFill>
-          <a:blip r:embed="rId6">
+          <a:blip r:embed="rId5">
             <a:extLst>
               <a:ext uri="{28A0092B-C50C-407E-A947-70E740481C1C}">
                 <a14:useLocalDpi xmlns:a14="http://schemas.microsoft.com/office/drawing/2010/main" val="0"/>
@@ -15772,8 +17219,8 @@
         </p:blipFill>
         <p:spPr>
           <a:xfrm>
-            <a:off x="5381910" y="2764089"/>
-            <a:ext cx="948294" cy="963035"/>
+            <a:off x="5600699" y="2657993"/>
+            <a:ext cx="909197" cy="923330"/>
           </a:xfrm>
           <a:prstGeom prst="rect">
             <a:avLst/>
@@ -15796,7 +17243,7 @@
         </p:nvSpPr>
         <p:spPr bwMode="auto">
           <a:xfrm>
-            <a:off x="5381910" y="3944461"/>
+            <a:off x="6474398" y="2919165"/>
             <a:ext cx="1332410" cy="523220"/>
           </a:xfrm>
           <a:prstGeom prst="rect">
@@ -15934,7 +17381,7 @@
                 <a:latin typeface="Calibri" pitchFamily="34" charset="0"/>
                 <a:cs typeface="Arial" pitchFamily="34" charset="0"/>
               </a:rPr>
-              <a:t>EMERGENCY Stop</a:t>
+              <a:t>EMERGENCY Stop1</a:t>
             </a:r>
             <a:endParaRPr lang="en-US" sz="1200" b="1" dirty="0">
               <a:latin typeface="Calibri" pitchFamily="34" charset="0"/>
@@ -15943,12 +17390,59 @@
           </a:p>
         </p:txBody>
       </p:sp>
-      <p:sp>
-        <p:nvSpPr>
-          <p:cNvPr id="22" name="Line 6">
+      <p:pic>
+        <p:nvPicPr>
+          <p:cNvPr id="2050" name="Picture 2" descr="6ES7136-6BA00-0CA0 | Siemens Simatic ET200SP | PLC-City">
             <a:extLst>
               <a:ext uri="{FF2B5EF4-FFF2-40B4-BE49-F238E27FC236}">
-                <a16:creationId xmlns:a16="http://schemas.microsoft.com/office/drawing/2014/main" id="{56A86B79-4C82-4940-94F5-4F581A40E77D}"/>
+                <a16:creationId xmlns:a16="http://schemas.microsoft.com/office/drawing/2014/main" id="{79E0627C-0432-8748-A32A-6926E5033B47}"/>
+              </a:ext>
+            </a:extLst>
+          </p:cNvPr>
+          <p:cNvPicPr>
+            <a:picLocks noChangeAspect="1" noChangeArrowheads="1"/>
+          </p:cNvPicPr>
+          <p:nvPr/>
+        </p:nvPicPr>
+        <p:blipFill>
+          <a:blip r:embed="rId6">
+            <a:extLst>
+              <a:ext uri="{28A0092B-C50C-407E-A947-70E740481C1C}">
+                <a14:useLocalDpi xmlns:a14="http://schemas.microsoft.com/office/drawing/2010/main" val="0"/>
+              </a:ext>
+            </a:extLst>
+          </a:blip>
+          <a:srcRect/>
+          <a:stretch>
+            <a:fillRect/>
+          </a:stretch>
+        </p:blipFill>
+        <p:spPr bwMode="auto">
+          <a:xfrm>
+            <a:off x="1700617" y="1782900"/>
+            <a:ext cx="1932766" cy="1932766"/>
+          </a:xfrm>
+          <a:prstGeom prst="rect">
+            <a:avLst/>
+          </a:prstGeom>
+          <a:noFill/>
+          <a:extLst>
+            <a:ext uri="{909E8E84-426E-40DD-AFC4-6F175D3DCCD1}">
+              <a14:hiddenFill xmlns:a14="http://schemas.microsoft.com/office/drawing/2010/main">
+                <a:solidFill>
+                  <a:srgbClr val="FFFFFF"/>
+                </a:solidFill>
+              </a14:hiddenFill>
+            </a:ext>
+          </a:extLst>
+        </p:spPr>
+      </p:pic>
+      <p:sp>
+        <p:nvSpPr>
+          <p:cNvPr id="23" name="Line 6">
+            <a:extLst>
+              <a:ext uri="{FF2B5EF4-FFF2-40B4-BE49-F238E27FC236}">
+                <a16:creationId xmlns:a16="http://schemas.microsoft.com/office/drawing/2014/main" id="{1D2BA382-8280-0545-8910-4C62DE8A8016}"/>
               </a:ext>
             </a:extLst>
           </p:cNvPr>
@@ -15959,8 +17453,8 @@
         </p:nvSpPr>
         <p:spPr bwMode="auto">
           <a:xfrm flipH="1">
-            <a:off x="2233102" y="3297489"/>
-            <a:ext cx="1405112" cy="0"/>
+            <a:off x="3429000" y="2193954"/>
+            <a:ext cx="2033438" cy="0"/>
           </a:xfrm>
           <a:prstGeom prst="line">
             <a:avLst/>
@@ -15998,10 +17492,10 @@
       </p:sp>
       <p:sp>
         <p:nvSpPr>
-          <p:cNvPr id="23" name="Line 6">
+          <p:cNvPr id="24" name="Line 6">
             <a:extLst>
               <a:ext uri="{FF2B5EF4-FFF2-40B4-BE49-F238E27FC236}">
-                <a16:creationId xmlns:a16="http://schemas.microsoft.com/office/drawing/2014/main" id="{4C0DF923-3694-8240-B830-4C53C19047AA}"/>
+                <a16:creationId xmlns:a16="http://schemas.microsoft.com/office/drawing/2014/main" id="{5A3C3179-FBB4-DC46-9172-325FB99582F9}"/>
               </a:ext>
             </a:extLst>
           </p:cNvPr>
@@ -16012,8 +17506,8 @@
         </p:nvSpPr>
         <p:spPr bwMode="auto">
           <a:xfrm flipH="1">
-            <a:off x="2233102" y="3373689"/>
-            <a:ext cx="1405112" cy="0"/>
+            <a:off x="3429000" y="2270154"/>
+            <a:ext cx="2033438" cy="0"/>
           </a:xfrm>
           <a:prstGeom prst="line">
             <a:avLst/>
@@ -16049,48 +17543,12 @@
           </a:p>
         </p:txBody>
       </p:sp>
-      <p:pic>
-        <p:nvPicPr>
-          <p:cNvPr id="30" name="Obrázok 8">
+      <p:sp>
+        <p:nvSpPr>
+          <p:cNvPr id="26" name="Line 6">
             <a:extLst>
               <a:ext uri="{FF2B5EF4-FFF2-40B4-BE49-F238E27FC236}">
-                <a16:creationId xmlns:a16="http://schemas.microsoft.com/office/drawing/2014/main" id="{59FD2C0E-AE85-E246-8107-525ED4AA45E2}"/>
-              </a:ext>
-            </a:extLst>
-          </p:cNvPr>
-          <p:cNvPicPr>
-            <a:picLocks noChangeAspect="1"/>
-          </p:cNvPicPr>
-          <p:nvPr/>
-        </p:nvPicPr>
-        <p:blipFill>
-          <a:blip r:embed="rId6">
-            <a:extLst>
-              <a:ext uri="{28A0092B-C50C-407E-A947-70E740481C1C}">
-                <a14:useLocalDpi xmlns:a14="http://schemas.microsoft.com/office/drawing/2010/main" val="0"/>
-              </a:ext>
-            </a:extLst>
-          </a:blip>
-          <a:stretch>
-            <a:fillRect/>
-          </a:stretch>
-        </p:blipFill>
-        <p:spPr>
-          <a:xfrm>
-            <a:off x="6896656" y="2778676"/>
-            <a:ext cx="948294" cy="963035"/>
-          </a:xfrm>
-          <a:prstGeom prst="rect">
-            <a:avLst/>
-          </a:prstGeom>
-        </p:spPr>
-      </p:pic>
-      <p:sp>
-        <p:nvSpPr>
-          <p:cNvPr id="31" name="Line 6">
-            <a:extLst>
-              <a:ext uri="{FF2B5EF4-FFF2-40B4-BE49-F238E27FC236}">
-                <a16:creationId xmlns:a16="http://schemas.microsoft.com/office/drawing/2014/main" id="{9C14E1DD-B6C4-8B4D-80B2-30546B7DDA7B}"/>
+                <a16:creationId xmlns:a16="http://schemas.microsoft.com/office/drawing/2014/main" id="{771D2A91-3155-5C41-94FC-83F7CF61C7E5}"/>
               </a:ext>
             </a:extLst>
           </p:cNvPr>
@@ -16101,8 +17559,8 @@
         </p:nvSpPr>
         <p:spPr bwMode="auto">
           <a:xfrm flipH="1">
-            <a:off x="2233100" y="2230133"/>
-            <a:ext cx="5814015" cy="556"/>
+            <a:off x="3429000" y="3033056"/>
+            <a:ext cx="2033438" cy="0"/>
           </a:xfrm>
           <a:prstGeom prst="line">
             <a:avLst/>
@@ -16140,10 +17598,10 @@
       </p:sp>
       <p:sp>
         <p:nvSpPr>
-          <p:cNvPr id="32" name="Line 6">
+          <p:cNvPr id="27" name="Line 6">
             <a:extLst>
               <a:ext uri="{FF2B5EF4-FFF2-40B4-BE49-F238E27FC236}">
-                <a16:creationId xmlns:a16="http://schemas.microsoft.com/office/drawing/2014/main" id="{D9AE52B1-FD42-4143-83B4-F671A5DF68A5}"/>
+                <a16:creationId xmlns:a16="http://schemas.microsoft.com/office/drawing/2014/main" id="{03FDB6B0-1008-F440-9C45-4A70C36327DC}"/>
               </a:ext>
             </a:extLst>
           </p:cNvPr>
@@ -16154,8 +17612,8 @@
         </p:nvSpPr>
         <p:spPr bwMode="auto">
           <a:xfrm flipH="1">
-            <a:off x="2233099" y="2306333"/>
-            <a:ext cx="5736051" cy="556"/>
+            <a:off x="3429000" y="3109256"/>
+            <a:ext cx="2033438" cy="0"/>
           </a:xfrm>
           <a:prstGeom prst="line">
             <a:avLst/>
@@ -16193,432 +17651,232 @@
       </p:sp>
       <p:sp>
         <p:nvSpPr>
-          <p:cNvPr id="33" name="Line 6">
+          <p:cNvPr id="3" name="Oval 2">
             <a:extLst>
               <a:ext uri="{FF2B5EF4-FFF2-40B4-BE49-F238E27FC236}">
-                <a16:creationId xmlns:a16="http://schemas.microsoft.com/office/drawing/2014/main" id="{3D94BC74-987F-314E-BAF9-5E32F0631C75}"/>
+                <a16:creationId xmlns:a16="http://schemas.microsoft.com/office/drawing/2014/main" id="{2D8C532A-45AF-8341-AE96-2D1FDC45EE97}"/>
               </a:ext>
             </a:extLst>
           </p:cNvPr>
-          <p:cNvSpPr>
-            <a:spLocks/>
-          </p:cNvSpPr>
+          <p:cNvSpPr/>
           <p:nvPr/>
         </p:nvSpPr>
-        <p:spPr bwMode="auto">
-          <a:xfrm flipH="1" flipV="1">
-            <a:off x="7808589" y="3319908"/>
-            <a:ext cx="238513" cy="0"/>
+        <p:spPr>
+          <a:xfrm>
+            <a:off x="5943600" y="3695723"/>
+            <a:ext cx="152400" cy="152400"/>
           </a:xfrm>
-          <a:prstGeom prst="line">
+          <a:prstGeom prst="ellipse">
             <a:avLst/>
           </a:prstGeom>
+          <a:solidFill>
+            <a:schemeClr val="tx1"/>
+          </a:solidFill>
           <a:ln>
-            <a:headEnd type="oval" w="med" len="med"/>
-            <a:tailEnd type="none"/>
+            <a:solidFill>
+              <a:schemeClr val="tx1"/>
+            </a:solidFill>
           </a:ln>
         </p:spPr>
         <p:style>
           <a:lnRef idx="2">
-            <a:schemeClr val="dk1"/>
+            <a:schemeClr val="accent1">
+              <a:shade val="50000"/>
+            </a:schemeClr>
           </a:lnRef>
-          <a:fillRef idx="0">
-            <a:schemeClr val="dk1"/>
+          <a:fillRef idx="1">
+            <a:schemeClr val="accent1"/>
           </a:fillRef>
-          <a:effectRef idx="1">
-            <a:schemeClr val="dk1"/>
+          <a:effectRef idx="0">
+            <a:schemeClr val="accent1"/>
           </a:effectRef>
           <a:fontRef idx="minor">
-            <a:schemeClr val="tx1"/>
+            <a:schemeClr val="lt1"/>
           </a:fontRef>
         </p:style>
         <p:txBody>
-          <a:bodyPr vert="horz" wrap="square" lIns="91440" tIns="45720" rIns="91440" bIns="45720" numCol="1" anchor="t" anchorCtr="0" compatLnSpc="1">
-            <a:prstTxWarp prst="textNoShape">
-              <a:avLst/>
-            </a:prstTxWarp>
-          </a:bodyPr>
+          <a:bodyPr rtlCol="0" anchor="ctr"/>
           <a:lstStyle/>
           <a:p>
-            <a:endParaRPr lang="en-US"/>
-          </a:p>
-        </p:txBody>
-      </p:sp>
-      <p:sp>
-        <p:nvSpPr>
-          <p:cNvPr id="34" name="Line 6">
+            <a:pPr algn="ctr"/>
+            <a:endParaRPr lang="en-SK"/>
+          </a:p>
+        </p:txBody>
+      </p:sp>
+      <p:sp>
+        <p:nvSpPr>
+          <p:cNvPr id="28" name="Oval 27">
             <a:extLst>
               <a:ext uri="{FF2B5EF4-FFF2-40B4-BE49-F238E27FC236}">
-                <a16:creationId xmlns:a16="http://schemas.microsoft.com/office/drawing/2014/main" id="{30A68018-4B34-5147-8CE3-E7BF185E9212}"/>
+                <a16:creationId xmlns:a16="http://schemas.microsoft.com/office/drawing/2014/main" id="{1B89A379-ED0D-D246-931E-D5A8B8B6FB2E}"/>
               </a:ext>
             </a:extLst>
           </p:cNvPr>
-          <p:cNvSpPr>
-            <a:spLocks/>
-          </p:cNvSpPr>
+          <p:cNvSpPr/>
           <p:nvPr/>
         </p:nvSpPr>
-        <p:spPr bwMode="auto">
-          <a:xfrm flipH="1">
-            <a:off x="8047123" y="2230688"/>
-            <a:ext cx="0" cy="1089220"/>
+        <p:spPr>
+          <a:xfrm>
+            <a:off x="5973416" y="3946533"/>
+            <a:ext cx="100933" cy="100933"/>
           </a:xfrm>
-          <a:prstGeom prst="line">
+          <a:prstGeom prst="ellipse">
             <a:avLst/>
           </a:prstGeom>
+          <a:solidFill>
+            <a:schemeClr val="tx1"/>
+          </a:solidFill>
           <a:ln>
-            <a:headEnd type="oval" w="med" len="med"/>
-            <a:tailEnd type="none"/>
+            <a:solidFill>
+              <a:schemeClr val="tx1"/>
+            </a:solidFill>
           </a:ln>
         </p:spPr>
         <p:style>
           <a:lnRef idx="2">
-            <a:schemeClr val="dk1"/>
+            <a:schemeClr val="accent1">
+              <a:shade val="50000"/>
+            </a:schemeClr>
           </a:lnRef>
-          <a:fillRef idx="0">
-            <a:schemeClr val="dk1"/>
+          <a:fillRef idx="1">
+            <a:schemeClr val="accent1"/>
           </a:fillRef>
-          <a:effectRef idx="1">
-            <a:schemeClr val="dk1"/>
+          <a:effectRef idx="0">
+            <a:schemeClr val="accent1"/>
           </a:effectRef>
           <a:fontRef idx="minor">
-            <a:schemeClr val="tx1"/>
+            <a:schemeClr val="lt1"/>
           </a:fontRef>
         </p:style>
         <p:txBody>
-          <a:bodyPr vert="horz" wrap="square" lIns="91440" tIns="45720" rIns="91440" bIns="45720" numCol="1" anchor="t" anchorCtr="0" compatLnSpc="1">
-            <a:prstTxWarp prst="textNoShape">
-              <a:avLst/>
-            </a:prstTxWarp>
-          </a:bodyPr>
+          <a:bodyPr rtlCol="0" anchor="ctr"/>
           <a:lstStyle/>
           <a:p>
-            <a:endParaRPr lang="en-US"/>
-          </a:p>
-        </p:txBody>
-      </p:sp>
-      <p:sp>
-        <p:nvSpPr>
-          <p:cNvPr id="35" name="Line 6">
+            <a:pPr algn="ctr"/>
+            <a:endParaRPr lang="en-SK"/>
+          </a:p>
+        </p:txBody>
+      </p:sp>
+      <p:sp>
+        <p:nvSpPr>
+          <p:cNvPr id="29" name="Oval 28">
             <a:extLst>
               <a:ext uri="{FF2B5EF4-FFF2-40B4-BE49-F238E27FC236}">
-                <a16:creationId xmlns:a16="http://schemas.microsoft.com/office/drawing/2014/main" id="{9E921434-DD65-2E48-98E2-75B75DC2E793}"/>
+                <a16:creationId xmlns:a16="http://schemas.microsoft.com/office/drawing/2014/main" id="{6F8CDD30-5265-C14B-9100-28637B0078AB}"/>
               </a:ext>
             </a:extLst>
           </p:cNvPr>
-          <p:cNvSpPr>
-            <a:spLocks/>
-          </p:cNvSpPr>
+          <p:cNvSpPr/>
           <p:nvPr/>
         </p:nvSpPr>
-        <p:spPr bwMode="auto">
-          <a:xfrm flipH="1">
-            <a:off x="7969164" y="2306811"/>
-            <a:ext cx="0" cy="914400"/>
+        <p:spPr>
+          <a:xfrm>
+            <a:off x="5988683" y="4172418"/>
+            <a:ext cx="60335" cy="60335"/>
           </a:xfrm>
-          <a:prstGeom prst="line">
+          <a:prstGeom prst="ellipse">
             <a:avLst/>
           </a:prstGeom>
+          <a:solidFill>
+            <a:schemeClr val="tx1"/>
+          </a:solidFill>
           <a:ln>
-            <a:headEnd type="oval" w="med" len="med"/>
-            <a:tailEnd type="none"/>
+            <a:solidFill>
+              <a:schemeClr val="tx1"/>
+            </a:solidFill>
           </a:ln>
         </p:spPr>
         <p:style>
           <a:lnRef idx="2">
-            <a:schemeClr val="dk1"/>
+            <a:schemeClr val="accent1">
+              <a:shade val="50000"/>
+            </a:schemeClr>
           </a:lnRef>
-          <a:fillRef idx="0">
-            <a:schemeClr val="dk1"/>
+          <a:fillRef idx="1">
+            <a:schemeClr val="accent1"/>
           </a:fillRef>
-          <a:effectRef idx="1">
-            <a:schemeClr val="dk1"/>
+          <a:effectRef idx="0">
+            <a:schemeClr val="accent1"/>
           </a:effectRef>
           <a:fontRef idx="minor">
-            <a:schemeClr val="tx1"/>
+            <a:schemeClr val="lt1"/>
           </a:fontRef>
         </p:style>
         <p:txBody>
-          <a:bodyPr vert="horz" wrap="square" lIns="91440" tIns="45720" rIns="91440" bIns="45720" numCol="1" anchor="t" anchorCtr="0" compatLnSpc="1">
-            <a:prstTxWarp prst="textNoShape">
-              <a:avLst/>
-            </a:prstTxWarp>
-          </a:bodyPr>
+          <a:bodyPr rtlCol="0" anchor="ctr"/>
           <a:lstStyle/>
           <a:p>
-            <a:endParaRPr lang="en-US"/>
-          </a:p>
-        </p:txBody>
-      </p:sp>
-      <p:sp>
-        <p:nvSpPr>
-          <p:cNvPr id="36" name="Line 6">
+            <a:pPr algn="ctr"/>
+            <a:endParaRPr lang="en-SK"/>
+          </a:p>
+        </p:txBody>
+      </p:sp>
+      <p:sp>
+        <p:nvSpPr>
+          <p:cNvPr id="8" name="Rectangle 7">
             <a:extLst>
               <a:ext uri="{FF2B5EF4-FFF2-40B4-BE49-F238E27FC236}">
-                <a16:creationId xmlns:a16="http://schemas.microsoft.com/office/drawing/2014/main" id="{FFD5D438-9E4E-024A-AE56-00E8905110CA}"/>
+                <a16:creationId xmlns:a16="http://schemas.microsoft.com/office/drawing/2014/main" id="{C81E554E-21F8-604C-93A1-D0C3EEB92818}"/>
               </a:ext>
             </a:extLst>
           </p:cNvPr>
-          <p:cNvSpPr>
-            <a:spLocks/>
-          </p:cNvSpPr>
+          <p:cNvSpPr/>
           <p:nvPr/>
         </p:nvSpPr>
-        <p:spPr bwMode="auto">
-          <a:xfrm flipH="1" flipV="1">
-            <a:off x="7808590" y="3221211"/>
-            <a:ext cx="162332" cy="0"/>
+        <p:spPr>
+          <a:xfrm>
+            <a:off x="6352868" y="3617810"/>
+            <a:ext cx="1575469" cy="523220"/>
           </a:xfrm>
-          <a:prstGeom prst="line">
+          <a:prstGeom prst="rect">
             <a:avLst/>
           </a:prstGeom>
-          <a:ln>
-            <a:headEnd type="oval" w="med" len="med"/>
-            <a:tailEnd type="none"/>
-          </a:ln>
         </p:spPr>
-        <p:style>
-          <a:lnRef idx="2">
-            <a:schemeClr val="dk1"/>
-          </a:lnRef>
-          <a:fillRef idx="0">
-            <a:schemeClr val="dk1"/>
-          </a:fillRef>
-          <a:effectRef idx="1">
-            <a:schemeClr val="dk1"/>
-          </a:effectRef>
-          <a:fontRef idx="minor">
-            <a:schemeClr val="tx1"/>
-          </a:fontRef>
-        </p:style>
-        <p:txBody>
-          <a:bodyPr vert="horz" wrap="square" lIns="91440" tIns="45720" rIns="91440" bIns="45720" numCol="1" anchor="t" anchorCtr="0" compatLnSpc="1">
-            <a:prstTxWarp prst="textNoShape">
-              <a:avLst/>
-            </a:prstTxWarp>
+        <p:txBody>
+          <a:bodyPr wrap="square">
+            <a:spAutoFit/>
           </a:bodyPr>
           <a:lstStyle/>
           <a:p>
-            <a:endParaRPr lang="en-US"/>
-          </a:p>
-        </p:txBody>
-      </p:sp>
-      <p:sp>
-        <p:nvSpPr>
-          <p:cNvPr id="37" name="Line 6">
-            <a:extLst>
-              <a:ext uri="{FF2B5EF4-FFF2-40B4-BE49-F238E27FC236}">
-                <a16:creationId xmlns:a16="http://schemas.microsoft.com/office/drawing/2014/main" id="{93B43747-CB4A-0246-A0FE-46311CF472A7}"/>
-              </a:ext>
-            </a:extLst>
-          </p:cNvPr>
-          <p:cNvSpPr>
-            <a:spLocks/>
-          </p:cNvSpPr>
-          <p:nvPr/>
-        </p:nvSpPr>
-        <p:spPr bwMode="auto">
-          <a:xfrm flipH="1">
-            <a:off x="4827650" y="3373689"/>
-            <a:ext cx="401860" cy="0"/>
-          </a:xfrm>
-          <a:prstGeom prst="line">
-            <a:avLst/>
-          </a:prstGeom>
-          <a:ln>
-            <a:headEnd type="none" w="med" len="med"/>
-            <a:tailEnd type="none"/>
-          </a:ln>
-        </p:spPr>
-        <p:style>
-          <a:lnRef idx="2">
-            <a:schemeClr val="dk1"/>
-          </a:lnRef>
-          <a:fillRef idx="0">
-            <a:schemeClr val="dk1"/>
-          </a:fillRef>
-          <a:effectRef idx="1">
-            <a:schemeClr val="dk1"/>
-          </a:effectRef>
-          <a:fontRef idx="minor">
-            <a:schemeClr val="tx1"/>
-          </a:fontRef>
-        </p:style>
-        <p:txBody>
-          <a:bodyPr vert="horz" wrap="square" lIns="91440" tIns="45720" rIns="91440" bIns="45720" numCol="1" anchor="t" anchorCtr="0" compatLnSpc="1">
-            <a:prstTxWarp prst="textNoShape">
-              <a:avLst/>
-            </a:prstTxWarp>
-          </a:bodyPr>
-          <a:lstStyle/>
-          <a:p>
-            <a:endParaRPr lang="en-US"/>
-          </a:p>
-        </p:txBody>
-      </p:sp>
-      <p:sp>
-        <p:nvSpPr>
-          <p:cNvPr id="38" name="Line 6">
-            <a:extLst>
-              <a:ext uri="{FF2B5EF4-FFF2-40B4-BE49-F238E27FC236}">
-                <a16:creationId xmlns:a16="http://schemas.microsoft.com/office/drawing/2014/main" id="{2D72E6B7-1307-E14B-95D5-496A77843568}"/>
-              </a:ext>
-            </a:extLst>
-          </p:cNvPr>
-          <p:cNvSpPr>
-            <a:spLocks/>
-          </p:cNvSpPr>
-          <p:nvPr/>
-        </p:nvSpPr>
-        <p:spPr bwMode="auto">
-          <a:xfrm flipH="1">
-            <a:off x="4823868" y="3297489"/>
-            <a:ext cx="401860" cy="0"/>
-          </a:xfrm>
-          <a:prstGeom prst="line">
-            <a:avLst/>
-          </a:prstGeom>
-          <a:ln>
-            <a:headEnd type="none" w="med" len="med"/>
-            <a:tailEnd type="none"/>
-          </a:ln>
-        </p:spPr>
-        <p:style>
-          <a:lnRef idx="2">
-            <a:schemeClr val="dk1"/>
-          </a:lnRef>
-          <a:fillRef idx="0">
-            <a:schemeClr val="dk1"/>
-          </a:fillRef>
-          <a:effectRef idx="1">
-            <a:schemeClr val="dk1"/>
-          </a:effectRef>
-          <a:fontRef idx="minor">
-            <a:schemeClr val="tx1"/>
-          </a:fontRef>
-        </p:style>
-        <p:txBody>
-          <a:bodyPr vert="horz" wrap="square" lIns="91440" tIns="45720" rIns="91440" bIns="45720" numCol="1" anchor="t" anchorCtr="0" compatLnSpc="1">
-            <a:prstTxWarp prst="textNoShape">
-              <a:avLst/>
-            </a:prstTxWarp>
-          </a:bodyPr>
-          <a:lstStyle/>
-          <a:p>
-            <a:endParaRPr lang="en-US"/>
-          </a:p>
-        </p:txBody>
-      </p:sp>
-      <p:sp>
-        <p:nvSpPr>
-          <p:cNvPr id="39" name="Line 6">
-            <a:extLst>
-              <a:ext uri="{FF2B5EF4-FFF2-40B4-BE49-F238E27FC236}">
-                <a16:creationId xmlns:a16="http://schemas.microsoft.com/office/drawing/2014/main" id="{AB3DA897-9885-554E-8454-75C2375E068A}"/>
-              </a:ext>
-            </a:extLst>
-          </p:cNvPr>
-          <p:cNvSpPr>
-            <a:spLocks/>
-          </p:cNvSpPr>
-          <p:nvPr/>
-        </p:nvSpPr>
-        <p:spPr bwMode="auto">
-          <a:xfrm flipH="1">
-            <a:off x="6376292" y="3373689"/>
-            <a:ext cx="401860" cy="0"/>
-          </a:xfrm>
-          <a:prstGeom prst="line">
-            <a:avLst/>
-          </a:prstGeom>
-          <a:ln>
-            <a:headEnd type="none" w="med" len="med"/>
-            <a:tailEnd type="none"/>
-          </a:ln>
-        </p:spPr>
-        <p:style>
-          <a:lnRef idx="2">
-            <a:schemeClr val="dk1"/>
-          </a:lnRef>
-          <a:fillRef idx="0">
-            <a:schemeClr val="dk1"/>
-          </a:fillRef>
-          <a:effectRef idx="1">
-            <a:schemeClr val="dk1"/>
-          </a:effectRef>
-          <a:fontRef idx="minor">
-            <a:schemeClr val="tx1"/>
-          </a:fontRef>
-        </p:style>
-        <p:txBody>
-          <a:bodyPr vert="horz" wrap="square" lIns="91440" tIns="45720" rIns="91440" bIns="45720" numCol="1" anchor="t" anchorCtr="0" compatLnSpc="1">
-            <a:prstTxWarp prst="textNoShape">
-              <a:avLst/>
-            </a:prstTxWarp>
-          </a:bodyPr>
-          <a:lstStyle/>
-          <a:p>
-            <a:endParaRPr lang="en-US"/>
-          </a:p>
-        </p:txBody>
-      </p:sp>
-      <p:sp>
-        <p:nvSpPr>
-          <p:cNvPr id="40" name="Line 6">
-            <a:extLst>
-              <a:ext uri="{FF2B5EF4-FFF2-40B4-BE49-F238E27FC236}">
-                <a16:creationId xmlns:a16="http://schemas.microsoft.com/office/drawing/2014/main" id="{256991E7-93E2-264E-B600-41B3CE58EBD2}"/>
-              </a:ext>
-            </a:extLst>
-          </p:cNvPr>
-          <p:cNvSpPr>
-            <a:spLocks/>
-          </p:cNvSpPr>
-          <p:nvPr/>
-        </p:nvSpPr>
-        <p:spPr bwMode="auto">
-          <a:xfrm flipH="1">
-            <a:off x="6372510" y="3297489"/>
-            <a:ext cx="401860" cy="0"/>
-          </a:xfrm>
-          <a:prstGeom prst="line">
-            <a:avLst/>
-          </a:prstGeom>
-          <a:ln>
-            <a:headEnd type="none" w="med" len="med"/>
-            <a:tailEnd type="none"/>
-          </a:ln>
-        </p:spPr>
-        <p:style>
-          <a:lnRef idx="2">
-            <a:schemeClr val="dk1"/>
-          </a:lnRef>
-          <a:fillRef idx="0">
-            <a:schemeClr val="dk1"/>
-          </a:fillRef>
-          <a:effectRef idx="1">
-            <a:schemeClr val="dk1"/>
-          </a:effectRef>
-          <a:fontRef idx="minor">
-            <a:schemeClr val="tx1"/>
-          </a:fontRef>
-        </p:style>
-        <p:txBody>
-          <a:bodyPr vert="horz" wrap="square" lIns="91440" tIns="45720" rIns="91440" bIns="45720" numCol="1" anchor="t" anchorCtr="0" compatLnSpc="1">
-            <a:prstTxWarp prst="textNoShape">
-              <a:avLst/>
-            </a:prstTxWarp>
-          </a:bodyPr>
-          <a:lstStyle/>
-          <a:p>
-            <a:endParaRPr lang="en-US"/>
+            <a:pPr algn="ctr" fontAlgn="base">
+              <a:spcBef>
+                <a:spcPct val="0"/>
+              </a:spcBef>
+              <a:spcAft>
+                <a:spcPct val="0"/>
+              </a:spcAft>
+            </a:pPr>
+            <a:r>
+              <a:rPr lang="en-US" sz="1400" b="1" dirty="0">
+                <a:latin typeface="Calibri" pitchFamily="34" charset="0"/>
+                <a:cs typeface="Arial" pitchFamily="34" charset="0"/>
+              </a:rPr>
+              <a:t>Other safety </a:t>
+            </a:r>
+          </a:p>
+          <a:p>
+            <a:pPr algn="ctr" fontAlgn="base">
+              <a:spcBef>
+                <a:spcPct val="0"/>
+              </a:spcBef>
+              <a:spcAft>
+                <a:spcPct val="0"/>
+              </a:spcAft>
+            </a:pPr>
+            <a:r>
+              <a:rPr lang="en-US" sz="1400" b="1" dirty="0">
+                <a:latin typeface="Calibri" pitchFamily="34" charset="0"/>
+                <a:cs typeface="Arial" pitchFamily="34" charset="0"/>
+              </a:rPr>
+              <a:t>devices</a:t>
+            </a:r>
           </a:p>
         </p:txBody>
       </p:sp>
     </p:spTree>
     <p:extLst>
       <p:ext uri="{BB962C8B-B14F-4D97-AF65-F5344CB8AC3E}">
-        <p14:creationId xmlns:p14="http://schemas.microsoft.com/office/powerpoint/2010/main" val="840410281"/>
+        <p14:creationId xmlns:p14="http://schemas.microsoft.com/office/powerpoint/2010/main" val="2388077523"/>
       </p:ext>
     </p:extLst>
   </p:cSld>
@@ -16681,7 +17939,7 @@
             <a:fld id="{F028A4AA-47DC-4BFA-9119-5860EA5BD96A}" type="datetime1">
               <a:rPr lang="sk-SK" smtClean="0"/>
               <a:pPr algn="ctr"/>
-              <a:t>18.12.20</a:t>
+              <a:t>20.12.20</a:t>
             </a:fld>
             <a:endParaRPr lang="sk-SK" dirty="0"/>
           </a:p>
@@ -16714,58 +17972,6 @@
               <a:t>11</a:t>
             </a:fld>
             <a:endParaRPr lang="sk-SK" dirty="0"/>
-          </a:p>
-        </p:txBody>
-      </p:sp>
-      <p:sp>
-        <p:nvSpPr>
-          <p:cNvPr id="3" name="Rectangle 2">
-            <a:extLst>
-              <a:ext uri="{FF2B5EF4-FFF2-40B4-BE49-F238E27FC236}">
-                <a16:creationId xmlns:a16="http://schemas.microsoft.com/office/drawing/2014/main" id="{BFBEA77A-56CA-F843-946C-38471D59D06B}"/>
-              </a:ext>
-            </a:extLst>
-          </p:cNvPr>
-          <p:cNvSpPr/>
-          <p:nvPr/>
-        </p:nvSpPr>
-        <p:spPr>
-          <a:xfrm>
-            <a:off x="1676400" y="1387673"/>
-            <a:ext cx="6019800" cy="4267200"/>
-          </a:xfrm>
-          <a:prstGeom prst="rect">
-            <a:avLst/>
-          </a:prstGeom>
-          <a:solidFill>
-            <a:srgbClr val="FFE04D">
-              <a:alpha val="70980"/>
-            </a:srgbClr>
-          </a:solidFill>
-          <a:ln>
-            <a:noFill/>
-          </a:ln>
-        </p:spPr>
-        <p:style>
-          <a:lnRef idx="0">
-            <a:scrgbClr r="0" g="0" b="0"/>
-          </a:lnRef>
-          <a:fillRef idx="0">
-            <a:scrgbClr r="0" g="0" b="0"/>
-          </a:fillRef>
-          <a:effectRef idx="0">
-            <a:scrgbClr r="0" g="0" b="0"/>
-          </a:effectRef>
-          <a:fontRef idx="minor">
-            <a:schemeClr val="lt1"/>
-          </a:fontRef>
-        </p:style>
-        <p:txBody>
-          <a:bodyPr rtlCol="0" anchor="ctr"/>
-          <a:lstStyle/>
-          <a:p>
-            <a:pPr algn="ctr"/>
-            <a:endParaRPr lang="en-SK"/>
           </a:p>
         </p:txBody>
       </p:sp>
@@ -17005,7 +18211,7 @@
           <a:p>
             <a:r>
               <a:rPr lang="en-US" b="1" dirty="0"/>
-              <a:t>Electrical concept: Shut down during safety event</a:t>
+              <a:t>Electrical concept: Safety components  without safety PLC</a:t>
             </a:r>
           </a:p>
         </p:txBody>
@@ -17077,283 +18283,12 @@
           </a:p>
         </p:txBody>
       </p:sp>
-      <p:sp>
-        <p:nvSpPr>
-          <p:cNvPr id="42" name="Valec 2">
+      <p:pic>
+        <p:nvPicPr>
+          <p:cNvPr id="4" name="Obrázok 3">
             <a:extLst>
               <a:ext uri="{FF2B5EF4-FFF2-40B4-BE49-F238E27FC236}">
-                <a16:creationId xmlns:a16="http://schemas.microsoft.com/office/drawing/2014/main" id="{E94D7AD6-993E-784E-B41A-95DAA2E52F6E}"/>
-              </a:ext>
-            </a:extLst>
-          </p:cNvPr>
-          <p:cNvSpPr/>
-          <p:nvPr/>
-        </p:nvSpPr>
-        <p:spPr>
-          <a:xfrm>
-            <a:off x="5829303" y="3369652"/>
-            <a:ext cx="609599" cy="1032201"/>
-          </a:xfrm>
-          <a:prstGeom prst="can">
-            <a:avLst>
-              <a:gd name="adj" fmla="val 30920"/>
-            </a:avLst>
-          </a:prstGeom>
-          <a:solidFill>
-            <a:schemeClr val="bg1"/>
-          </a:solidFill>
-          <a:ln w="9525" cap="flat" cmpd="sng" algn="ctr">
-            <a:solidFill>
-              <a:schemeClr val="dk1"/>
-            </a:solidFill>
-            <a:prstDash val="solid"/>
-            <a:round/>
-            <a:headEnd type="none" w="med" len="med"/>
-            <a:tailEnd type="none" w="med" len="med"/>
-          </a:ln>
-        </p:spPr>
-        <p:style>
-          <a:lnRef idx="0">
-            <a:scrgbClr r="0" g="0" b="0"/>
-          </a:lnRef>
-          <a:fillRef idx="0">
-            <a:scrgbClr r="0" g="0" b="0"/>
-          </a:fillRef>
-          <a:effectRef idx="0">
-            <a:scrgbClr r="0" g="0" b="0"/>
-          </a:effectRef>
-          <a:fontRef idx="minor">
-            <a:schemeClr val="dk1"/>
-          </a:fontRef>
-        </p:style>
-        <p:txBody>
-          <a:bodyPr rtlCol="0" anchor="ctr"/>
-          <a:lstStyle/>
-          <a:p>
-            <a:pPr algn="ctr"/>
-            <a:endParaRPr lang="sk-SK"/>
-          </a:p>
-        </p:txBody>
-      </p:sp>
-      <p:sp>
-        <p:nvSpPr>
-          <p:cNvPr id="44" name="Ovál 3">
-            <a:extLst>
-              <a:ext uri="{FF2B5EF4-FFF2-40B4-BE49-F238E27FC236}">
-                <a16:creationId xmlns:a16="http://schemas.microsoft.com/office/drawing/2014/main" id="{530E536D-BE98-204E-B427-D0FB4AD0BE7E}"/>
-              </a:ext>
-            </a:extLst>
-          </p:cNvPr>
-          <p:cNvSpPr/>
-          <p:nvPr/>
-        </p:nvSpPr>
-        <p:spPr>
-          <a:xfrm>
-            <a:off x="5181602" y="3130182"/>
-            <a:ext cx="1905000" cy="441028"/>
-          </a:xfrm>
-          <a:prstGeom prst="ellipse">
-            <a:avLst/>
-          </a:prstGeom>
-        </p:spPr>
-        <p:style>
-          <a:lnRef idx="2">
-            <a:schemeClr val="dk1"/>
-          </a:lnRef>
-          <a:fillRef idx="1">
-            <a:schemeClr val="lt1"/>
-          </a:fillRef>
-          <a:effectRef idx="0">
-            <a:schemeClr val="dk1"/>
-          </a:effectRef>
-          <a:fontRef idx="minor">
-            <a:schemeClr val="dk1"/>
-          </a:fontRef>
-        </p:style>
-        <p:txBody>
-          <a:bodyPr rtlCol="0" anchor="ctr"/>
-          <a:lstStyle/>
-          <a:p>
-            <a:pPr algn="ctr"/>
-            <a:endParaRPr lang="sk-SK"/>
-          </a:p>
-        </p:txBody>
-      </p:sp>
-      <p:sp>
-        <p:nvSpPr>
-          <p:cNvPr id="45" name="Text Box 2">
-            <a:extLst>
-              <a:ext uri="{FF2B5EF4-FFF2-40B4-BE49-F238E27FC236}">
-                <a16:creationId xmlns:a16="http://schemas.microsoft.com/office/drawing/2014/main" id="{CC26CACE-6395-E541-91CB-AB54D6661409}"/>
-              </a:ext>
-            </a:extLst>
-          </p:cNvPr>
-          <p:cNvSpPr txBox="1">
-            <a:spLocks noChangeArrowheads="1"/>
-          </p:cNvSpPr>
-          <p:nvPr/>
-        </p:nvSpPr>
-        <p:spPr bwMode="auto">
-          <a:xfrm>
-            <a:off x="5267933" y="4411968"/>
-            <a:ext cx="1790830" cy="523220"/>
-          </a:xfrm>
-          <a:prstGeom prst="rect">
-            <a:avLst/>
-          </a:prstGeom>
-          <a:noFill/>
-          <a:ln w="9525">
-            <a:noFill/>
-            <a:miter lim="800000"/>
-            <a:headEnd/>
-            <a:tailEnd/>
-          </a:ln>
-        </p:spPr>
-        <p:txBody>
-          <a:bodyPr vert="horz" wrap="square" lIns="91440" tIns="45720" rIns="91440" bIns="45720" numCol="1" anchor="t" anchorCtr="0" compatLnSpc="1">
-            <a:prstTxWarp prst="textNoShape">
-              <a:avLst/>
-            </a:prstTxWarp>
-            <a:spAutoFit/>
-          </a:bodyPr>
-          <a:lstStyle>
-            <a:defPPr>
-              <a:defRPr lang="sk-SK"/>
-            </a:defPPr>
-            <a:lvl1pPr marL="0" algn="l" defTabSz="914400" rtl="0" eaLnBrk="1" latinLnBrk="0" hangingPunct="1">
-              <a:defRPr sz="1800" kern="1200">
-                <a:solidFill>
-                  <a:schemeClr val="tx1"/>
-                </a:solidFill>
-                <a:latin typeface="+mn-lt"/>
-                <a:ea typeface="+mn-ea"/>
-                <a:cs typeface="+mn-cs"/>
-              </a:defRPr>
-            </a:lvl1pPr>
-            <a:lvl2pPr marL="457200" algn="l" defTabSz="914400" rtl="0" eaLnBrk="1" latinLnBrk="0" hangingPunct="1">
-              <a:defRPr sz="1800" kern="1200">
-                <a:solidFill>
-                  <a:schemeClr val="tx1"/>
-                </a:solidFill>
-                <a:latin typeface="+mn-lt"/>
-                <a:ea typeface="+mn-ea"/>
-                <a:cs typeface="+mn-cs"/>
-              </a:defRPr>
-            </a:lvl2pPr>
-            <a:lvl3pPr marL="914400" algn="l" defTabSz="914400" rtl="0" eaLnBrk="1" latinLnBrk="0" hangingPunct="1">
-              <a:defRPr sz="1800" kern="1200">
-                <a:solidFill>
-                  <a:schemeClr val="tx1"/>
-                </a:solidFill>
-                <a:latin typeface="+mn-lt"/>
-                <a:ea typeface="+mn-ea"/>
-                <a:cs typeface="+mn-cs"/>
-              </a:defRPr>
-            </a:lvl3pPr>
-            <a:lvl4pPr marL="1371600" algn="l" defTabSz="914400" rtl="0" eaLnBrk="1" latinLnBrk="0" hangingPunct="1">
-              <a:defRPr sz="1800" kern="1200">
-                <a:solidFill>
-                  <a:schemeClr val="tx1"/>
-                </a:solidFill>
-                <a:latin typeface="+mn-lt"/>
-                <a:ea typeface="+mn-ea"/>
-                <a:cs typeface="+mn-cs"/>
-              </a:defRPr>
-            </a:lvl4pPr>
-            <a:lvl5pPr marL="1828800" algn="l" defTabSz="914400" rtl="0" eaLnBrk="1" latinLnBrk="0" hangingPunct="1">
-              <a:defRPr sz="1800" kern="1200">
-                <a:solidFill>
-                  <a:schemeClr val="tx1"/>
-                </a:solidFill>
-                <a:latin typeface="+mn-lt"/>
-                <a:ea typeface="+mn-ea"/>
-                <a:cs typeface="+mn-cs"/>
-              </a:defRPr>
-            </a:lvl5pPr>
-            <a:lvl6pPr marL="2286000" algn="l" defTabSz="914400" rtl="0" eaLnBrk="1" latinLnBrk="0" hangingPunct="1">
-              <a:defRPr sz="1800" kern="1200">
-                <a:solidFill>
-                  <a:schemeClr val="tx1"/>
-                </a:solidFill>
-                <a:latin typeface="+mn-lt"/>
-                <a:ea typeface="+mn-ea"/>
-                <a:cs typeface="+mn-cs"/>
-              </a:defRPr>
-            </a:lvl6pPr>
-            <a:lvl7pPr marL="2743200" algn="l" defTabSz="914400" rtl="0" eaLnBrk="1" latinLnBrk="0" hangingPunct="1">
-              <a:defRPr sz="1800" kern="1200">
-                <a:solidFill>
-                  <a:schemeClr val="tx1"/>
-                </a:solidFill>
-                <a:latin typeface="+mn-lt"/>
-                <a:ea typeface="+mn-ea"/>
-                <a:cs typeface="+mn-cs"/>
-              </a:defRPr>
-            </a:lvl7pPr>
-            <a:lvl8pPr marL="3200400" algn="l" defTabSz="914400" rtl="0" eaLnBrk="1" latinLnBrk="0" hangingPunct="1">
-              <a:defRPr sz="1800" kern="1200">
-                <a:solidFill>
-                  <a:schemeClr val="tx1"/>
-                </a:solidFill>
-                <a:latin typeface="+mn-lt"/>
-                <a:ea typeface="+mn-ea"/>
-                <a:cs typeface="+mn-cs"/>
-              </a:defRPr>
-            </a:lvl8pPr>
-            <a:lvl9pPr marL="3657600" algn="l" defTabSz="914400" rtl="0" eaLnBrk="1" latinLnBrk="0" hangingPunct="1">
-              <a:defRPr sz="1800" kern="1200">
-                <a:solidFill>
-                  <a:schemeClr val="tx1"/>
-                </a:solidFill>
-                <a:latin typeface="+mn-lt"/>
-                <a:ea typeface="+mn-ea"/>
-                <a:cs typeface="+mn-cs"/>
-              </a:defRPr>
-            </a:lvl9pPr>
-          </a:lstStyle>
-          <a:p>
-            <a:pPr lvl="0" algn="ctr" fontAlgn="base">
-              <a:spcBef>
-                <a:spcPct val="0"/>
-              </a:spcBef>
-              <a:spcAft>
-                <a:spcPct val="0"/>
-              </a:spcAft>
-            </a:pPr>
-            <a:r>
-              <a:rPr lang="en-US" sz="1400" b="1" dirty="0">
-                <a:latin typeface="Calibri" pitchFamily="34" charset="0"/>
-                <a:cs typeface="Arial" pitchFamily="34" charset="0"/>
-              </a:rPr>
-              <a:t>Rotary table</a:t>
-            </a:r>
-            <a:endParaRPr lang="en-US" sz="1400" dirty="0">
-              <a:latin typeface="Calibri" pitchFamily="34" charset="0"/>
-              <a:cs typeface="Arial" pitchFamily="34" charset="0"/>
-            </a:endParaRPr>
-          </a:p>
-          <a:p>
-            <a:pPr lvl="0" algn="ctr" fontAlgn="base">
-              <a:spcBef>
-                <a:spcPct val="0"/>
-              </a:spcBef>
-              <a:spcAft>
-                <a:spcPct val="0"/>
-              </a:spcAft>
-            </a:pPr>
-            <a:endParaRPr lang="en-US" sz="1400" dirty="0">
-              <a:latin typeface="Calibri" pitchFamily="34" charset="0"/>
-              <a:cs typeface="Arial" pitchFamily="34" charset="0"/>
-            </a:endParaRPr>
-          </a:p>
-        </p:txBody>
-      </p:sp>
-      <p:pic>
-        <p:nvPicPr>
-          <p:cNvPr id="46" name="Obrázok 3">
-            <a:extLst>
-              <a:ext uri="{FF2B5EF4-FFF2-40B4-BE49-F238E27FC236}">
-                <a16:creationId xmlns:a16="http://schemas.microsoft.com/office/drawing/2014/main" id="{9D051CD7-FE48-1543-B56B-3613382267A2}"/>
+                <a16:creationId xmlns:a16="http://schemas.microsoft.com/office/drawing/2014/main" id="{31BD0994-F2B1-0B41-9D37-AA2DC98C83D1}"/>
               </a:ext>
             </a:extLst>
           </p:cNvPr>
@@ -17376,8 +18311,8 @@
         </p:blipFill>
         <p:spPr>
           <a:xfrm>
-            <a:off x="2286000" y="1531134"/>
-            <a:ext cx="2731666" cy="3424741"/>
+            <a:off x="1219200" y="1905000"/>
+            <a:ext cx="1021160" cy="1940205"/>
           </a:xfrm>
           <a:prstGeom prst="rect">
             <a:avLst/>
@@ -17386,10 +18321,10 @@
       </p:pic>
       <p:sp>
         <p:nvSpPr>
-          <p:cNvPr id="47" name="Text Box 2">
+          <p:cNvPr id="43" name="Text Box 2">
             <a:extLst>
               <a:ext uri="{FF2B5EF4-FFF2-40B4-BE49-F238E27FC236}">
-                <a16:creationId xmlns:a16="http://schemas.microsoft.com/office/drawing/2014/main" id="{DB49FC7A-B8BF-F642-AB63-CE0E009DE5DB}"/>
+                <a16:creationId xmlns:a16="http://schemas.microsoft.com/office/drawing/2014/main" id="{7913081A-4FE0-254C-B291-FCA522119753}"/>
               </a:ext>
             </a:extLst>
           </p:cNvPr>
@@ -17399,9 +18334,9 @@
           <p:nvPr/>
         </p:nvSpPr>
         <p:spPr bwMode="auto">
-          <a:xfrm flipH="1">
-            <a:off x="2661233" y="4921741"/>
-            <a:ext cx="1585133" cy="523220"/>
+          <a:xfrm>
+            <a:off x="873980" y="3793995"/>
+            <a:ext cx="1676401" cy="923330"/>
           </a:xfrm>
           <a:prstGeom prst="rect">
             <a:avLst/>
@@ -17517,7 +18452,39 @@
             </a:lvl9pPr>
           </a:lstStyle>
           <a:p>
-            <a:pPr lvl="0" algn="ctr" fontAlgn="base">
+            <a:pPr marL="0" marR="0" lvl="0" indent="0" algn="ctr" defTabSz="914400" rtl="0" eaLnBrk="1" fontAlgn="base" latinLnBrk="0" hangingPunct="1">
+              <a:lnSpc>
+                <a:spcPct val="100000"/>
+              </a:lnSpc>
+              <a:spcBef>
+                <a:spcPct val="0"/>
+              </a:spcBef>
+              <a:spcAft>
+                <a:spcPct val="0"/>
+              </a:spcAft>
+              <a:buClrTx/>
+              <a:buSzTx/>
+              <a:buFontTx/>
+              <a:buNone/>
+              <a:tabLst/>
+            </a:pPr>
+            <a:r>
+              <a:rPr kumimoji="0" lang="en-US" sz="1400" b="1" i="0" u="none" strike="noStrike" cap="none" normalizeH="0" baseline="0" dirty="0">
+                <a:ln>
+                  <a:noFill/>
+                </a:ln>
+                <a:solidFill>
+                  <a:schemeClr val="tx1"/>
+                </a:solidFill>
+                <a:effectLst/>
+                <a:latin typeface="Calibri" pitchFamily="34" charset="0"/>
+                <a:cs typeface="Arial" pitchFamily="34" charset="0"/>
+              </a:rPr>
+              <a:t>PILZ PONZ X6</a:t>
+            </a:r>
+          </a:p>
+          <a:p>
+            <a:pPr algn="ctr" fontAlgn="base">
               <a:spcBef>
                 <a:spcPct val="0"/>
               </a:spcBef>
@@ -17526,15 +18493,15 @@
               </a:spcAft>
             </a:pPr>
             <a:r>
-              <a:rPr lang="en-US" sz="1400" b="1" dirty="0">
+              <a:rPr lang="en-US" sz="1400" dirty="0">
                 <a:latin typeface="Calibri" pitchFamily="34" charset="0"/>
                 <a:cs typeface="Arial" pitchFamily="34" charset="0"/>
               </a:rPr>
-              <a:t>Robot</a:t>
-            </a:r>
-          </a:p>
-          <a:p>
-            <a:pPr lvl="0" algn="ctr" fontAlgn="base">
+              <a:t>Safety relay</a:t>
+            </a:r>
+          </a:p>
+          <a:p>
+            <a:pPr algn="ctr" fontAlgn="base">
               <a:spcBef>
                 <a:spcPct val="0"/>
               </a:spcBef>
@@ -17542,30 +18509,1185 @@
                 <a:spcPct val="0"/>
               </a:spcAft>
             </a:pPr>
-            <a:endParaRPr lang="en-US" sz="1400" dirty="0">
+            <a:endParaRPr lang="en-US" sz="1200" dirty="0">
               <a:latin typeface="Calibri" pitchFamily="34" charset="0"/>
               <a:cs typeface="Arial" pitchFamily="34" charset="0"/>
             </a:endParaRPr>
           </a:p>
+          <a:p>
+            <a:pPr marL="0" marR="0" lvl="0" indent="0" algn="ctr" defTabSz="914400" rtl="0" eaLnBrk="1" fontAlgn="base" latinLnBrk="0" hangingPunct="1">
+              <a:lnSpc>
+                <a:spcPct val="100000"/>
+              </a:lnSpc>
+              <a:spcBef>
+                <a:spcPct val="0"/>
+              </a:spcBef>
+              <a:spcAft>
+                <a:spcPct val="0"/>
+              </a:spcAft>
+              <a:buClrTx/>
+              <a:buSzTx/>
+              <a:buFontTx/>
+              <a:buNone/>
+              <a:tabLst/>
+            </a:pPr>
+            <a:endParaRPr kumimoji="0" lang="en-US" sz="1400" b="1" i="0" u="none" strike="noStrike" cap="none" normalizeH="0" baseline="0" dirty="0">
+              <a:ln>
+                <a:noFill/>
+              </a:ln>
+              <a:solidFill>
+                <a:schemeClr val="tx1"/>
+              </a:solidFill>
+              <a:effectLst/>
+              <a:latin typeface="Calibri" pitchFamily="34" charset="0"/>
+              <a:cs typeface="Arial" pitchFamily="34" charset="0"/>
+            </a:endParaRPr>
+          </a:p>
+        </p:txBody>
+      </p:sp>
+      <p:pic>
+        <p:nvPicPr>
+          <p:cNvPr id="48" name="Obrázok 47">
+            <a:extLst>
+              <a:ext uri="{FF2B5EF4-FFF2-40B4-BE49-F238E27FC236}">
+                <a16:creationId xmlns:a16="http://schemas.microsoft.com/office/drawing/2014/main" id="{40834F98-133C-4F40-BFBE-4D66017F9822}"/>
+              </a:ext>
+            </a:extLst>
+          </p:cNvPr>
+          <p:cNvPicPr>
+            <a:picLocks noChangeAspect="1"/>
+          </p:cNvPicPr>
+          <p:nvPr/>
+        </p:nvPicPr>
+        <p:blipFill>
+          <a:blip r:embed="rId5">
+            <a:extLst>
+              <a:ext uri="{28A0092B-C50C-407E-A947-70E740481C1C}">
+                <a14:useLocalDpi xmlns:a14="http://schemas.microsoft.com/office/drawing/2010/main" val="0"/>
+              </a:ext>
+            </a:extLst>
+          </a:blip>
+          <a:stretch>
+            <a:fillRect/>
+          </a:stretch>
+        </p:blipFill>
+        <p:spPr>
+          <a:xfrm>
+            <a:off x="3781187" y="2646058"/>
+            <a:ext cx="1046463" cy="1178847"/>
+          </a:xfrm>
+          <a:prstGeom prst="rect">
+            <a:avLst/>
+          </a:prstGeom>
+        </p:spPr>
+      </p:pic>
+      <p:sp>
+        <p:nvSpPr>
+          <p:cNvPr id="49" name="Text Box 2">
+            <a:extLst>
+              <a:ext uri="{FF2B5EF4-FFF2-40B4-BE49-F238E27FC236}">
+                <a16:creationId xmlns:a16="http://schemas.microsoft.com/office/drawing/2014/main" id="{C3784DAD-5A28-3F4D-8F5D-BCCD68DC0D8D}"/>
+              </a:ext>
+            </a:extLst>
+          </p:cNvPr>
+          <p:cNvSpPr txBox="1">
+            <a:spLocks noChangeArrowheads="1"/>
+          </p:cNvSpPr>
+          <p:nvPr/>
+        </p:nvSpPr>
+        <p:spPr bwMode="auto">
+          <a:xfrm>
+            <a:off x="3638214" y="3935526"/>
+            <a:ext cx="1332410" cy="923330"/>
+          </a:xfrm>
+          <a:prstGeom prst="rect">
+            <a:avLst/>
+          </a:prstGeom>
+          <a:noFill/>
+          <a:ln w="9525">
+            <a:noFill/>
+            <a:miter lim="800000"/>
+            <a:headEnd/>
+            <a:tailEnd/>
+          </a:ln>
+        </p:spPr>
+        <p:txBody>
+          <a:bodyPr vert="horz" wrap="square" lIns="91440" tIns="45720" rIns="91440" bIns="45720" numCol="1" anchor="t" anchorCtr="0" compatLnSpc="1">
+            <a:prstTxWarp prst="textNoShape">
+              <a:avLst/>
+            </a:prstTxWarp>
+            <a:spAutoFit/>
+          </a:bodyPr>
+          <a:lstStyle>
+            <a:defPPr>
+              <a:defRPr lang="sk-SK"/>
+            </a:defPPr>
+            <a:lvl1pPr marL="0" algn="l" defTabSz="914400" rtl="0" eaLnBrk="1" latinLnBrk="0" hangingPunct="1">
+              <a:defRPr sz="1800" kern="1200">
+                <a:solidFill>
+                  <a:schemeClr val="tx1"/>
+                </a:solidFill>
+                <a:latin typeface="+mn-lt"/>
+                <a:ea typeface="+mn-ea"/>
+                <a:cs typeface="+mn-cs"/>
+              </a:defRPr>
+            </a:lvl1pPr>
+            <a:lvl2pPr marL="457200" algn="l" defTabSz="914400" rtl="0" eaLnBrk="1" latinLnBrk="0" hangingPunct="1">
+              <a:defRPr sz="1800" kern="1200">
+                <a:solidFill>
+                  <a:schemeClr val="tx1"/>
+                </a:solidFill>
+                <a:latin typeface="+mn-lt"/>
+                <a:ea typeface="+mn-ea"/>
+                <a:cs typeface="+mn-cs"/>
+              </a:defRPr>
+            </a:lvl2pPr>
+            <a:lvl3pPr marL="914400" algn="l" defTabSz="914400" rtl="0" eaLnBrk="1" latinLnBrk="0" hangingPunct="1">
+              <a:defRPr sz="1800" kern="1200">
+                <a:solidFill>
+                  <a:schemeClr val="tx1"/>
+                </a:solidFill>
+                <a:latin typeface="+mn-lt"/>
+                <a:ea typeface="+mn-ea"/>
+                <a:cs typeface="+mn-cs"/>
+              </a:defRPr>
+            </a:lvl3pPr>
+            <a:lvl4pPr marL="1371600" algn="l" defTabSz="914400" rtl="0" eaLnBrk="1" latinLnBrk="0" hangingPunct="1">
+              <a:defRPr sz="1800" kern="1200">
+                <a:solidFill>
+                  <a:schemeClr val="tx1"/>
+                </a:solidFill>
+                <a:latin typeface="+mn-lt"/>
+                <a:ea typeface="+mn-ea"/>
+                <a:cs typeface="+mn-cs"/>
+              </a:defRPr>
+            </a:lvl4pPr>
+            <a:lvl5pPr marL="1828800" algn="l" defTabSz="914400" rtl="0" eaLnBrk="1" latinLnBrk="0" hangingPunct="1">
+              <a:defRPr sz="1800" kern="1200">
+                <a:solidFill>
+                  <a:schemeClr val="tx1"/>
+                </a:solidFill>
+                <a:latin typeface="+mn-lt"/>
+                <a:ea typeface="+mn-ea"/>
+                <a:cs typeface="+mn-cs"/>
+              </a:defRPr>
+            </a:lvl5pPr>
+            <a:lvl6pPr marL="2286000" algn="l" defTabSz="914400" rtl="0" eaLnBrk="1" latinLnBrk="0" hangingPunct="1">
+              <a:defRPr sz="1800" kern="1200">
+                <a:solidFill>
+                  <a:schemeClr val="tx1"/>
+                </a:solidFill>
+                <a:latin typeface="+mn-lt"/>
+                <a:ea typeface="+mn-ea"/>
+                <a:cs typeface="+mn-cs"/>
+              </a:defRPr>
+            </a:lvl6pPr>
+            <a:lvl7pPr marL="2743200" algn="l" defTabSz="914400" rtl="0" eaLnBrk="1" latinLnBrk="0" hangingPunct="1">
+              <a:defRPr sz="1800" kern="1200">
+                <a:solidFill>
+                  <a:schemeClr val="tx1"/>
+                </a:solidFill>
+                <a:latin typeface="+mn-lt"/>
+                <a:ea typeface="+mn-ea"/>
+                <a:cs typeface="+mn-cs"/>
+              </a:defRPr>
+            </a:lvl7pPr>
+            <a:lvl8pPr marL="3200400" algn="l" defTabSz="914400" rtl="0" eaLnBrk="1" latinLnBrk="0" hangingPunct="1">
+              <a:defRPr sz="1800" kern="1200">
+                <a:solidFill>
+                  <a:schemeClr val="tx1"/>
+                </a:solidFill>
+                <a:latin typeface="+mn-lt"/>
+                <a:ea typeface="+mn-ea"/>
+                <a:cs typeface="+mn-cs"/>
+              </a:defRPr>
+            </a:lvl8pPr>
+            <a:lvl9pPr marL="3657600" algn="l" defTabSz="914400" rtl="0" eaLnBrk="1" latinLnBrk="0" hangingPunct="1">
+              <a:defRPr sz="1800" kern="1200">
+                <a:solidFill>
+                  <a:schemeClr val="tx1"/>
+                </a:solidFill>
+                <a:latin typeface="+mn-lt"/>
+                <a:ea typeface="+mn-ea"/>
+                <a:cs typeface="+mn-cs"/>
+              </a:defRPr>
+            </a:lvl9pPr>
+          </a:lstStyle>
+          <a:p>
+            <a:pPr marL="0" marR="0" lvl="0" indent="0" algn="ctr" defTabSz="914400" rtl="0" eaLnBrk="1" fontAlgn="base" latinLnBrk="0" hangingPunct="1">
+              <a:lnSpc>
+                <a:spcPct val="100000"/>
+              </a:lnSpc>
+              <a:spcBef>
+                <a:spcPct val="0"/>
+              </a:spcBef>
+              <a:spcAft>
+                <a:spcPct val="0"/>
+              </a:spcAft>
+              <a:buClrTx/>
+              <a:buSzTx/>
+              <a:buFontTx/>
+              <a:buNone/>
+              <a:tabLst/>
+            </a:pPr>
+            <a:r>
+              <a:rPr kumimoji="0" lang="en-US" sz="1400" b="1" i="0" u="none" strike="noStrike" cap="none" normalizeH="0" baseline="0" dirty="0">
+                <a:ln>
+                  <a:noFill/>
+                </a:ln>
+                <a:solidFill>
+                  <a:schemeClr val="tx1"/>
+                </a:solidFill>
+                <a:effectLst/>
+                <a:latin typeface="Calibri" pitchFamily="34" charset="0"/>
+                <a:cs typeface="Arial" pitchFamily="34" charset="0"/>
+              </a:rPr>
+              <a:t>SICK </a:t>
+            </a:r>
+            <a:endParaRPr lang="en-US" sz="1200" dirty="0">
+              <a:latin typeface="Calibri" pitchFamily="34" charset="0"/>
+              <a:cs typeface="Arial" pitchFamily="34" charset="0"/>
+            </a:endParaRPr>
+          </a:p>
+          <a:p>
+            <a:pPr algn="ctr" fontAlgn="base">
+              <a:spcBef>
+                <a:spcPct val="0"/>
+              </a:spcBef>
+              <a:spcAft>
+                <a:spcPct val="0"/>
+              </a:spcAft>
+            </a:pPr>
+            <a:r>
+              <a:rPr lang="en-US" sz="1200" b="1" dirty="0">
+                <a:latin typeface="Calibri" pitchFamily="34" charset="0"/>
+                <a:cs typeface="Arial" pitchFamily="34" charset="0"/>
+              </a:rPr>
+              <a:t>S30A-4011BA</a:t>
+            </a:r>
+          </a:p>
+          <a:p>
+            <a:pPr marL="0" marR="0" lvl="0" indent="0" algn="ctr" defTabSz="914400" rtl="0" eaLnBrk="1" fontAlgn="base" latinLnBrk="0" hangingPunct="1">
+              <a:lnSpc>
+                <a:spcPct val="100000"/>
+              </a:lnSpc>
+              <a:spcBef>
+                <a:spcPct val="0"/>
+              </a:spcBef>
+              <a:spcAft>
+                <a:spcPct val="0"/>
+              </a:spcAft>
+              <a:buClrTx/>
+              <a:buSzTx/>
+              <a:buFontTx/>
+              <a:buNone/>
+              <a:tabLst/>
+            </a:pPr>
+            <a:r>
+              <a:rPr kumimoji="0" lang="en-US" sz="1400" i="0" u="none" strike="noStrike" cap="none" normalizeH="0" baseline="0" dirty="0">
+                <a:ln>
+                  <a:noFill/>
+                </a:ln>
+                <a:solidFill>
+                  <a:schemeClr val="tx1"/>
+                </a:solidFill>
+                <a:effectLst/>
+                <a:latin typeface="Calibri" pitchFamily="34" charset="0"/>
+                <a:cs typeface="Arial" pitchFamily="34" charset="0"/>
+              </a:rPr>
+              <a:t>Safety scanner laser</a:t>
+            </a:r>
+          </a:p>
+        </p:txBody>
+      </p:sp>
+      <p:pic>
+        <p:nvPicPr>
+          <p:cNvPr id="9" name="Obrázok 8">
+            <a:extLst>
+              <a:ext uri="{FF2B5EF4-FFF2-40B4-BE49-F238E27FC236}">
+                <a16:creationId xmlns:a16="http://schemas.microsoft.com/office/drawing/2014/main" id="{F28AB467-CFB9-324C-B9A7-B39545B4CC37}"/>
+              </a:ext>
+            </a:extLst>
+          </p:cNvPr>
+          <p:cNvPicPr>
+            <a:picLocks noChangeAspect="1"/>
+          </p:cNvPicPr>
+          <p:nvPr/>
+        </p:nvPicPr>
+        <p:blipFill>
+          <a:blip r:embed="rId6">
+            <a:extLst>
+              <a:ext uri="{28A0092B-C50C-407E-A947-70E740481C1C}">
+                <a14:useLocalDpi xmlns:a14="http://schemas.microsoft.com/office/drawing/2010/main" val="0"/>
+              </a:ext>
+            </a:extLst>
+          </a:blip>
+          <a:stretch>
+            <a:fillRect/>
+          </a:stretch>
+        </p:blipFill>
+        <p:spPr>
+          <a:xfrm>
+            <a:off x="5381910" y="2764089"/>
+            <a:ext cx="948294" cy="963035"/>
+          </a:xfrm>
+          <a:prstGeom prst="rect">
+            <a:avLst/>
+          </a:prstGeom>
+        </p:spPr>
+      </p:pic>
+      <p:sp>
+        <p:nvSpPr>
+          <p:cNvPr id="53" name="Text Box 2">
+            <a:extLst>
+              <a:ext uri="{FF2B5EF4-FFF2-40B4-BE49-F238E27FC236}">
+                <a16:creationId xmlns:a16="http://schemas.microsoft.com/office/drawing/2014/main" id="{68CD7B93-1D13-3045-8DCC-1BF62BBF9DC0}"/>
+              </a:ext>
+            </a:extLst>
+          </p:cNvPr>
+          <p:cNvSpPr txBox="1">
+            <a:spLocks noChangeArrowheads="1"/>
+          </p:cNvSpPr>
+          <p:nvPr/>
+        </p:nvSpPr>
+        <p:spPr bwMode="auto">
+          <a:xfrm>
+            <a:off x="5381910" y="3944461"/>
+            <a:ext cx="1332410" cy="523220"/>
+          </a:xfrm>
+          <a:prstGeom prst="rect">
+            <a:avLst/>
+          </a:prstGeom>
+          <a:noFill/>
+          <a:ln w="9525">
+            <a:noFill/>
+            <a:miter lim="800000"/>
+            <a:headEnd/>
+            <a:tailEnd/>
+          </a:ln>
+        </p:spPr>
+        <p:txBody>
+          <a:bodyPr vert="horz" wrap="square" lIns="91440" tIns="45720" rIns="91440" bIns="45720" numCol="1" anchor="t" anchorCtr="0" compatLnSpc="1">
+            <a:prstTxWarp prst="textNoShape">
+              <a:avLst/>
+            </a:prstTxWarp>
+            <a:spAutoFit/>
+          </a:bodyPr>
+          <a:lstStyle>
+            <a:defPPr>
+              <a:defRPr lang="sk-SK"/>
+            </a:defPPr>
+            <a:lvl1pPr marL="0" algn="l" defTabSz="914400" rtl="0" eaLnBrk="1" latinLnBrk="0" hangingPunct="1">
+              <a:defRPr sz="1800" kern="1200">
+                <a:solidFill>
+                  <a:schemeClr val="tx1"/>
+                </a:solidFill>
+                <a:latin typeface="+mn-lt"/>
+                <a:ea typeface="+mn-ea"/>
+                <a:cs typeface="+mn-cs"/>
+              </a:defRPr>
+            </a:lvl1pPr>
+            <a:lvl2pPr marL="457200" algn="l" defTabSz="914400" rtl="0" eaLnBrk="1" latinLnBrk="0" hangingPunct="1">
+              <a:defRPr sz="1800" kern="1200">
+                <a:solidFill>
+                  <a:schemeClr val="tx1"/>
+                </a:solidFill>
+                <a:latin typeface="+mn-lt"/>
+                <a:ea typeface="+mn-ea"/>
+                <a:cs typeface="+mn-cs"/>
+              </a:defRPr>
+            </a:lvl2pPr>
+            <a:lvl3pPr marL="914400" algn="l" defTabSz="914400" rtl="0" eaLnBrk="1" latinLnBrk="0" hangingPunct="1">
+              <a:defRPr sz="1800" kern="1200">
+                <a:solidFill>
+                  <a:schemeClr val="tx1"/>
+                </a:solidFill>
+                <a:latin typeface="+mn-lt"/>
+                <a:ea typeface="+mn-ea"/>
+                <a:cs typeface="+mn-cs"/>
+              </a:defRPr>
+            </a:lvl3pPr>
+            <a:lvl4pPr marL="1371600" algn="l" defTabSz="914400" rtl="0" eaLnBrk="1" latinLnBrk="0" hangingPunct="1">
+              <a:defRPr sz="1800" kern="1200">
+                <a:solidFill>
+                  <a:schemeClr val="tx1"/>
+                </a:solidFill>
+                <a:latin typeface="+mn-lt"/>
+                <a:ea typeface="+mn-ea"/>
+                <a:cs typeface="+mn-cs"/>
+              </a:defRPr>
+            </a:lvl4pPr>
+            <a:lvl5pPr marL="1828800" algn="l" defTabSz="914400" rtl="0" eaLnBrk="1" latinLnBrk="0" hangingPunct="1">
+              <a:defRPr sz="1800" kern="1200">
+                <a:solidFill>
+                  <a:schemeClr val="tx1"/>
+                </a:solidFill>
+                <a:latin typeface="+mn-lt"/>
+                <a:ea typeface="+mn-ea"/>
+                <a:cs typeface="+mn-cs"/>
+              </a:defRPr>
+            </a:lvl5pPr>
+            <a:lvl6pPr marL="2286000" algn="l" defTabSz="914400" rtl="0" eaLnBrk="1" latinLnBrk="0" hangingPunct="1">
+              <a:defRPr sz="1800" kern="1200">
+                <a:solidFill>
+                  <a:schemeClr val="tx1"/>
+                </a:solidFill>
+                <a:latin typeface="+mn-lt"/>
+                <a:ea typeface="+mn-ea"/>
+                <a:cs typeface="+mn-cs"/>
+              </a:defRPr>
+            </a:lvl6pPr>
+            <a:lvl7pPr marL="2743200" algn="l" defTabSz="914400" rtl="0" eaLnBrk="1" latinLnBrk="0" hangingPunct="1">
+              <a:defRPr sz="1800" kern="1200">
+                <a:solidFill>
+                  <a:schemeClr val="tx1"/>
+                </a:solidFill>
+                <a:latin typeface="+mn-lt"/>
+                <a:ea typeface="+mn-ea"/>
+                <a:cs typeface="+mn-cs"/>
+              </a:defRPr>
+            </a:lvl7pPr>
+            <a:lvl8pPr marL="3200400" algn="l" defTabSz="914400" rtl="0" eaLnBrk="1" latinLnBrk="0" hangingPunct="1">
+              <a:defRPr sz="1800" kern="1200">
+                <a:solidFill>
+                  <a:schemeClr val="tx1"/>
+                </a:solidFill>
+                <a:latin typeface="+mn-lt"/>
+                <a:ea typeface="+mn-ea"/>
+                <a:cs typeface="+mn-cs"/>
+              </a:defRPr>
+            </a:lvl8pPr>
+            <a:lvl9pPr marL="3657600" algn="l" defTabSz="914400" rtl="0" eaLnBrk="1" latinLnBrk="0" hangingPunct="1">
+              <a:defRPr sz="1800" kern="1200">
+                <a:solidFill>
+                  <a:schemeClr val="tx1"/>
+                </a:solidFill>
+                <a:latin typeface="+mn-lt"/>
+                <a:ea typeface="+mn-ea"/>
+                <a:cs typeface="+mn-cs"/>
+              </a:defRPr>
+            </a:lvl9pPr>
+          </a:lstStyle>
+          <a:p>
+            <a:pPr marL="0" marR="0" lvl="0" indent="0" algn="ctr" defTabSz="914400" rtl="0" eaLnBrk="1" fontAlgn="base" latinLnBrk="0" hangingPunct="1">
+              <a:lnSpc>
+                <a:spcPct val="100000"/>
+              </a:lnSpc>
+              <a:spcBef>
+                <a:spcPct val="0"/>
+              </a:spcBef>
+              <a:spcAft>
+                <a:spcPct val="0"/>
+              </a:spcAft>
+              <a:buClrTx/>
+              <a:buSzTx/>
+              <a:buFontTx/>
+              <a:buNone/>
+              <a:tabLst/>
+            </a:pPr>
+            <a:r>
+              <a:rPr lang="en-US" sz="1400" b="1" dirty="0">
+                <a:latin typeface="Calibri" pitchFamily="34" charset="0"/>
+                <a:cs typeface="Arial" pitchFamily="34" charset="0"/>
+              </a:rPr>
+              <a:t>EMERGENCY Stop</a:t>
+            </a:r>
+            <a:endParaRPr lang="en-US" sz="1200" b="1" dirty="0">
+              <a:latin typeface="Calibri" pitchFamily="34" charset="0"/>
+              <a:cs typeface="Arial" pitchFamily="34" charset="0"/>
+            </a:endParaRPr>
+          </a:p>
+        </p:txBody>
+      </p:sp>
+      <p:sp>
+        <p:nvSpPr>
+          <p:cNvPr id="22" name="Line 6">
+            <a:extLst>
+              <a:ext uri="{FF2B5EF4-FFF2-40B4-BE49-F238E27FC236}">
+                <a16:creationId xmlns:a16="http://schemas.microsoft.com/office/drawing/2014/main" id="{56A86B79-4C82-4940-94F5-4F581A40E77D}"/>
+              </a:ext>
+            </a:extLst>
+          </p:cNvPr>
+          <p:cNvSpPr>
+            <a:spLocks/>
+          </p:cNvSpPr>
+          <p:nvPr/>
+        </p:nvSpPr>
+        <p:spPr bwMode="auto">
+          <a:xfrm flipH="1">
+            <a:off x="2233102" y="3297489"/>
+            <a:ext cx="1405112" cy="0"/>
+          </a:xfrm>
+          <a:prstGeom prst="line">
+            <a:avLst/>
+          </a:prstGeom>
+          <a:ln>
+            <a:headEnd type="none" w="med" len="med"/>
+            <a:tailEnd type="none"/>
+          </a:ln>
+        </p:spPr>
+        <p:style>
+          <a:lnRef idx="2">
+            <a:schemeClr val="dk1"/>
+          </a:lnRef>
+          <a:fillRef idx="0">
+            <a:schemeClr val="dk1"/>
+          </a:fillRef>
+          <a:effectRef idx="1">
+            <a:schemeClr val="dk1"/>
+          </a:effectRef>
+          <a:fontRef idx="minor">
+            <a:schemeClr val="tx1"/>
+          </a:fontRef>
+        </p:style>
+        <p:txBody>
+          <a:bodyPr vert="horz" wrap="square" lIns="91440" tIns="45720" rIns="91440" bIns="45720" numCol="1" anchor="t" anchorCtr="0" compatLnSpc="1">
+            <a:prstTxWarp prst="textNoShape">
+              <a:avLst/>
+            </a:prstTxWarp>
+          </a:bodyPr>
+          <a:lstStyle/>
+          <a:p>
+            <a:endParaRPr lang="en-US"/>
+          </a:p>
+        </p:txBody>
+      </p:sp>
+      <p:sp>
+        <p:nvSpPr>
+          <p:cNvPr id="23" name="Line 6">
+            <a:extLst>
+              <a:ext uri="{FF2B5EF4-FFF2-40B4-BE49-F238E27FC236}">
+                <a16:creationId xmlns:a16="http://schemas.microsoft.com/office/drawing/2014/main" id="{4C0DF923-3694-8240-B830-4C53C19047AA}"/>
+              </a:ext>
+            </a:extLst>
+          </p:cNvPr>
+          <p:cNvSpPr>
+            <a:spLocks/>
+          </p:cNvSpPr>
+          <p:nvPr/>
+        </p:nvSpPr>
+        <p:spPr bwMode="auto">
+          <a:xfrm flipH="1">
+            <a:off x="2233102" y="3373689"/>
+            <a:ext cx="1405112" cy="0"/>
+          </a:xfrm>
+          <a:prstGeom prst="line">
+            <a:avLst/>
+          </a:prstGeom>
+          <a:ln>
+            <a:headEnd type="none" w="med" len="med"/>
+            <a:tailEnd type="none"/>
+          </a:ln>
+        </p:spPr>
+        <p:style>
+          <a:lnRef idx="2">
+            <a:schemeClr val="dk1"/>
+          </a:lnRef>
+          <a:fillRef idx="0">
+            <a:schemeClr val="dk1"/>
+          </a:fillRef>
+          <a:effectRef idx="1">
+            <a:schemeClr val="dk1"/>
+          </a:effectRef>
+          <a:fontRef idx="minor">
+            <a:schemeClr val="tx1"/>
+          </a:fontRef>
+        </p:style>
+        <p:txBody>
+          <a:bodyPr vert="horz" wrap="square" lIns="91440" tIns="45720" rIns="91440" bIns="45720" numCol="1" anchor="t" anchorCtr="0" compatLnSpc="1">
+            <a:prstTxWarp prst="textNoShape">
+              <a:avLst/>
+            </a:prstTxWarp>
+          </a:bodyPr>
+          <a:lstStyle/>
+          <a:p>
+            <a:endParaRPr lang="en-US"/>
+          </a:p>
+        </p:txBody>
+      </p:sp>
+      <p:pic>
+        <p:nvPicPr>
+          <p:cNvPr id="30" name="Obrázok 8">
+            <a:extLst>
+              <a:ext uri="{FF2B5EF4-FFF2-40B4-BE49-F238E27FC236}">
+                <a16:creationId xmlns:a16="http://schemas.microsoft.com/office/drawing/2014/main" id="{59FD2C0E-AE85-E246-8107-525ED4AA45E2}"/>
+              </a:ext>
+            </a:extLst>
+          </p:cNvPr>
+          <p:cNvPicPr>
+            <a:picLocks noChangeAspect="1"/>
+          </p:cNvPicPr>
+          <p:nvPr/>
+        </p:nvPicPr>
+        <p:blipFill>
+          <a:blip r:embed="rId6">
+            <a:extLst>
+              <a:ext uri="{28A0092B-C50C-407E-A947-70E740481C1C}">
+                <a14:useLocalDpi xmlns:a14="http://schemas.microsoft.com/office/drawing/2010/main" val="0"/>
+              </a:ext>
+            </a:extLst>
+          </a:blip>
+          <a:stretch>
+            <a:fillRect/>
+          </a:stretch>
+        </p:blipFill>
+        <p:spPr>
+          <a:xfrm>
+            <a:off x="6896656" y="2778676"/>
+            <a:ext cx="948294" cy="963035"/>
+          </a:xfrm>
+          <a:prstGeom prst="rect">
+            <a:avLst/>
+          </a:prstGeom>
+        </p:spPr>
+      </p:pic>
+      <p:sp>
+        <p:nvSpPr>
+          <p:cNvPr id="31" name="Line 6">
+            <a:extLst>
+              <a:ext uri="{FF2B5EF4-FFF2-40B4-BE49-F238E27FC236}">
+                <a16:creationId xmlns:a16="http://schemas.microsoft.com/office/drawing/2014/main" id="{9C14E1DD-B6C4-8B4D-80B2-30546B7DDA7B}"/>
+              </a:ext>
+            </a:extLst>
+          </p:cNvPr>
+          <p:cNvSpPr>
+            <a:spLocks/>
+          </p:cNvSpPr>
+          <p:nvPr/>
+        </p:nvSpPr>
+        <p:spPr bwMode="auto">
+          <a:xfrm flipH="1">
+            <a:off x="2233100" y="2230133"/>
+            <a:ext cx="5814015" cy="556"/>
+          </a:xfrm>
+          <a:prstGeom prst="line">
+            <a:avLst/>
+          </a:prstGeom>
+          <a:ln>
+            <a:headEnd type="none" w="med" len="med"/>
+            <a:tailEnd type="none"/>
+          </a:ln>
+        </p:spPr>
+        <p:style>
+          <a:lnRef idx="2">
+            <a:schemeClr val="dk1"/>
+          </a:lnRef>
+          <a:fillRef idx="0">
+            <a:schemeClr val="dk1"/>
+          </a:fillRef>
+          <a:effectRef idx="1">
+            <a:schemeClr val="dk1"/>
+          </a:effectRef>
+          <a:fontRef idx="minor">
+            <a:schemeClr val="tx1"/>
+          </a:fontRef>
+        </p:style>
+        <p:txBody>
+          <a:bodyPr vert="horz" wrap="square" lIns="91440" tIns="45720" rIns="91440" bIns="45720" numCol="1" anchor="t" anchorCtr="0" compatLnSpc="1">
+            <a:prstTxWarp prst="textNoShape">
+              <a:avLst/>
+            </a:prstTxWarp>
+          </a:bodyPr>
+          <a:lstStyle/>
+          <a:p>
+            <a:endParaRPr lang="en-US"/>
+          </a:p>
+        </p:txBody>
+      </p:sp>
+      <p:sp>
+        <p:nvSpPr>
+          <p:cNvPr id="32" name="Line 6">
+            <a:extLst>
+              <a:ext uri="{FF2B5EF4-FFF2-40B4-BE49-F238E27FC236}">
+                <a16:creationId xmlns:a16="http://schemas.microsoft.com/office/drawing/2014/main" id="{D9AE52B1-FD42-4143-83B4-F671A5DF68A5}"/>
+              </a:ext>
+            </a:extLst>
+          </p:cNvPr>
+          <p:cNvSpPr>
+            <a:spLocks/>
+          </p:cNvSpPr>
+          <p:nvPr/>
+        </p:nvSpPr>
+        <p:spPr bwMode="auto">
+          <a:xfrm flipH="1">
+            <a:off x="2233099" y="2306333"/>
+            <a:ext cx="5736051" cy="556"/>
+          </a:xfrm>
+          <a:prstGeom prst="line">
+            <a:avLst/>
+          </a:prstGeom>
+          <a:ln>
+            <a:headEnd type="none" w="med" len="med"/>
+            <a:tailEnd type="none"/>
+          </a:ln>
+        </p:spPr>
+        <p:style>
+          <a:lnRef idx="2">
+            <a:schemeClr val="dk1"/>
+          </a:lnRef>
+          <a:fillRef idx="0">
+            <a:schemeClr val="dk1"/>
+          </a:fillRef>
+          <a:effectRef idx="1">
+            <a:schemeClr val="dk1"/>
+          </a:effectRef>
+          <a:fontRef idx="minor">
+            <a:schemeClr val="tx1"/>
+          </a:fontRef>
+        </p:style>
+        <p:txBody>
+          <a:bodyPr vert="horz" wrap="square" lIns="91440" tIns="45720" rIns="91440" bIns="45720" numCol="1" anchor="t" anchorCtr="0" compatLnSpc="1">
+            <a:prstTxWarp prst="textNoShape">
+              <a:avLst/>
+            </a:prstTxWarp>
+          </a:bodyPr>
+          <a:lstStyle/>
+          <a:p>
+            <a:endParaRPr lang="en-US"/>
+          </a:p>
+        </p:txBody>
+      </p:sp>
+      <p:sp>
+        <p:nvSpPr>
+          <p:cNvPr id="33" name="Line 6">
+            <a:extLst>
+              <a:ext uri="{FF2B5EF4-FFF2-40B4-BE49-F238E27FC236}">
+                <a16:creationId xmlns:a16="http://schemas.microsoft.com/office/drawing/2014/main" id="{3D94BC74-987F-314E-BAF9-5E32F0631C75}"/>
+              </a:ext>
+            </a:extLst>
+          </p:cNvPr>
+          <p:cNvSpPr>
+            <a:spLocks/>
+          </p:cNvSpPr>
+          <p:nvPr/>
+        </p:nvSpPr>
+        <p:spPr bwMode="auto">
+          <a:xfrm flipH="1" flipV="1">
+            <a:off x="7808589" y="3319908"/>
+            <a:ext cx="238513" cy="0"/>
+          </a:xfrm>
+          <a:prstGeom prst="line">
+            <a:avLst/>
+          </a:prstGeom>
+          <a:ln>
+            <a:headEnd type="oval" w="med" len="med"/>
+            <a:tailEnd type="none"/>
+          </a:ln>
+        </p:spPr>
+        <p:style>
+          <a:lnRef idx="2">
+            <a:schemeClr val="dk1"/>
+          </a:lnRef>
+          <a:fillRef idx="0">
+            <a:schemeClr val="dk1"/>
+          </a:fillRef>
+          <a:effectRef idx="1">
+            <a:schemeClr val="dk1"/>
+          </a:effectRef>
+          <a:fontRef idx="minor">
+            <a:schemeClr val="tx1"/>
+          </a:fontRef>
+        </p:style>
+        <p:txBody>
+          <a:bodyPr vert="horz" wrap="square" lIns="91440" tIns="45720" rIns="91440" bIns="45720" numCol="1" anchor="t" anchorCtr="0" compatLnSpc="1">
+            <a:prstTxWarp prst="textNoShape">
+              <a:avLst/>
+            </a:prstTxWarp>
+          </a:bodyPr>
+          <a:lstStyle/>
+          <a:p>
+            <a:endParaRPr lang="en-US"/>
+          </a:p>
+        </p:txBody>
+      </p:sp>
+      <p:sp>
+        <p:nvSpPr>
+          <p:cNvPr id="34" name="Line 6">
+            <a:extLst>
+              <a:ext uri="{FF2B5EF4-FFF2-40B4-BE49-F238E27FC236}">
+                <a16:creationId xmlns:a16="http://schemas.microsoft.com/office/drawing/2014/main" id="{30A68018-4B34-5147-8CE3-E7BF185E9212}"/>
+              </a:ext>
+            </a:extLst>
+          </p:cNvPr>
+          <p:cNvSpPr>
+            <a:spLocks/>
+          </p:cNvSpPr>
+          <p:nvPr/>
+        </p:nvSpPr>
+        <p:spPr bwMode="auto">
+          <a:xfrm flipH="1">
+            <a:off x="8047123" y="2230688"/>
+            <a:ext cx="0" cy="1089220"/>
+          </a:xfrm>
+          <a:prstGeom prst="line">
+            <a:avLst/>
+          </a:prstGeom>
+          <a:ln>
+            <a:headEnd type="oval" w="med" len="med"/>
+            <a:tailEnd type="none"/>
+          </a:ln>
+        </p:spPr>
+        <p:style>
+          <a:lnRef idx="2">
+            <a:schemeClr val="dk1"/>
+          </a:lnRef>
+          <a:fillRef idx="0">
+            <a:schemeClr val="dk1"/>
+          </a:fillRef>
+          <a:effectRef idx="1">
+            <a:schemeClr val="dk1"/>
+          </a:effectRef>
+          <a:fontRef idx="minor">
+            <a:schemeClr val="tx1"/>
+          </a:fontRef>
+        </p:style>
+        <p:txBody>
+          <a:bodyPr vert="horz" wrap="square" lIns="91440" tIns="45720" rIns="91440" bIns="45720" numCol="1" anchor="t" anchorCtr="0" compatLnSpc="1">
+            <a:prstTxWarp prst="textNoShape">
+              <a:avLst/>
+            </a:prstTxWarp>
+          </a:bodyPr>
+          <a:lstStyle/>
+          <a:p>
+            <a:endParaRPr lang="en-US"/>
+          </a:p>
+        </p:txBody>
+      </p:sp>
+      <p:sp>
+        <p:nvSpPr>
+          <p:cNvPr id="35" name="Line 6">
+            <a:extLst>
+              <a:ext uri="{FF2B5EF4-FFF2-40B4-BE49-F238E27FC236}">
+                <a16:creationId xmlns:a16="http://schemas.microsoft.com/office/drawing/2014/main" id="{9E921434-DD65-2E48-98E2-75B75DC2E793}"/>
+              </a:ext>
+            </a:extLst>
+          </p:cNvPr>
+          <p:cNvSpPr>
+            <a:spLocks/>
+          </p:cNvSpPr>
+          <p:nvPr/>
+        </p:nvSpPr>
+        <p:spPr bwMode="auto">
+          <a:xfrm flipH="1">
+            <a:off x="7969164" y="2306811"/>
+            <a:ext cx="0" cy="914400"/>
+          </a:xfrm>
+          <a:prstGeom prst="line">
+            <a:avLst/>
+          </a:prstGeom>
+          <a:ln>
+            <a:headEnd type="oval" w="med" len="med"/>
+            <a:tailEnd type="none"/>
+          </a:ln>
+        </p:spPr>
+        <p:style>
+          <a:lnRef idx="2">
+            <a:schemeClr val="dk1"/>
+          </a:lnRef>
+          <a:fillRef idx="0">
+            <a:schemeClr val="dk1"/>
+          </a:fillRef>
+          <a:effectRef idx="1">
+            <a:schemeClr val="dk1"/>
+          </a:effectRef>
+          <a:fontRef idx="minor">
+            <a:schemeClr val="tx1"/>
+          </a:fontRef>
+        </p:style>
+        <p:txBody>
+          <a:bodyPr vert="horz" wrap="square" lIns="91440" tIns="45720" rIns="91440" bIns="45720" numCol="1" anchor="t" anchorCtr="0" compatLnSpc="1">
+            <a:prstTxWarp prst="textNoShape">
+              <a:avLst/>
+            </a:prstTxWarp>
+          </a:bodyPr>
+          <a:lstStyle/>
+          <a:p>
+            <a:endParaRPr lang="en-US"/>
+          </a:p>
+        </p:txBody>
+      </p:sp>
+      <p:sp>
+        <p:nvSpPr>
+          <p:cNvPr id="36" name="Line 6">
+            <a:extLst>
+              <a:ext uri="{FF2B5EF4-FFF2-40B4-BE49-F238E27FC236}">
+                <a16:creationId xmlns:a16="http://schemas.microsoft.com/office/drawing/2014/main" id="{FFD5D438-9E4E-024A-AE56-00E8905110CA}"/>
+              </a:ext>
+            </a:extLst>
+          </p:cNvPr>
+          <p:cNvSpPr>
+            <a:spLocks/>
+          </p:cNvSpPr>
+          <p:nvPr/>
+        </p:nvSpPr>
+        <p:spPr bwMode="auto">
+          <a:xfrm flipH="1" flipV="1">
+            <a:off x="7808590" y="3221211"/>
+            <a:ext cx="162332" cy="0"/>
+          </a:xfrm>
+          <a:prstGeom prst="line">
+            <a:avLst/>
+          </a:prstGeom>
+          <a:ln>
+            <a:headEnd type="oval" w="med" len="med"/>
+            <a:tailEnd type="none"/>
+          </a:ln>
+        </p:spPr>
+        <p:style>
+          <a:lnRef idx="2">
+            <a:schemeClr val="dk1"/>
+          </a:lnRef>
+          <a:fillRef idx="0">
+            <a:schemeClr val="dk1"/>
+          </a:fillRef>
+          <a:effectRef idx="1">
+            <a:schemeClr val="dk1"/>
+          </a:effectRef>
+          <a:fontRef idx="minor">
+            <a:schemeClr val="tx1"/>
+          </a:fontRef>
+        </p:style>
+        <p:txBody>
+          <a:bodyPr vert="horz" wrap="square" lIns="91440" tIns="45720" rIns="91440" bIns="45720" numCol="1" anchor="t" anchorCtr="0" compatLnSpc="1">
+            <a:prstTxWarp prst="textNoShape">
+              <a:avLst/>
+            </a:prstTxWarp>
+          </a:bodyPr>
+          <a:lstStyle/>
+          <a:p>
+            <a:endParaRPr lang="en-US"/>
+          </a:p>
+        </p:txBody>
+      </p:sp>
+      <p:sp>
+        <p:nvSpPr>
+          <p:cNvPr id="37" name="Line 6">
+            <a:extLst>
+              <a:ext uri="{FF2B5EF4-FFF2-40B4-BE49-F238E27FC236}">
+                <a16:creationId xmlns:a16="http://schemas.microsoft.com/office/drawing/2014/main" id="{93B43747-CB4A-0246-A0FE-46311CF472A7}"/>
+              </a:ext>
+            </a:extLst>
+          </p:cNvPr>
+          <p:cNvSpPr>
+            <a:spLocks/>
+          </p:cNvSpPr>
+          <p:nvPr/>
+        </p:nvSpPr>
+        <p:spPr bwMode="auto">
+          <a:xfrm flipH="1">
+            <a:off x="4827650" y="3373689"/>
+            <a:ext cx="401860" cy="0"/>
+          </a:xfrm>
+          <a:prstGeom prst="line">
+            <a:avLst/>
+          </a:prstGeom>
+          <a:ln>
+            <a:headEnd type="none" w="med" len="med"/>
+            <a:tailEnd type="none"/>
+          </a:ln>
+        </p:spPr>
+        <p:style>
+          <a:lnRef idx="2">
+            <a:schemeClr val="dk1"/>
+          </a:lnRef>
+          <a:fillRef idx="0">
+            <a:schemeClr val="dk1"/>
+          </a:fillRef>
+          <a:effectRef idx="1">
+            <a:schemeClr val="dk1"/>
+          </a:effectRef>
+          <a:fontRef idx="minor">
+            <a:schemeClr val="tx1"/>
+          </a:fontRef>
+        </p:style>
+        <p:txBody>
+          <a:bodyPr vert="horz" wrap="square" lIns="91440" tIns="45720" rIns="91440" bIns="45720" numCol="1" anchor="t" anchorCtr="0" compatLnSpc="1">
+            <a:prstTxWarp prst="textNoShape">
+              <a:avLst/>
+            </a:prstTxWarp>
+          </a:bodyPr>
+          <a:lstStyle/>
+          <a:p>
+            <a:endParaRPr lang="en-US"/>
+          </a:p>
+        </p:txBody>
+      </p:sp>
+      <p:sp>
+        <p:nvSpPr>
+          <p:cNvPr id="38" name="Line 6">
+            <a:extLst>
+              <a:ext uri="{FF2B5EF4-FFF2-40B4-BE49-F238E27FC236}">
+                <a16:creationId xmlns:a16="http://schemas.microsoft.com/office/drawing/2014/main" id="{2D72E6B7-1307-E14B-95D5-496A77843568}"/>
+              </a:ext>
+            </a:extLst>
+          </p:cNvPr>
+          <p:cNvSpPr>
+            <a:spLocks/>
+          </p:cNvSpPr>
+          <p:nvPr/>
+        </p:nvSpPr>
+        <p:spPr bwMode="auto">
+          <a:xfrm flipH="1">
+            <a:off x="4823868" y="3297489"/>
+            <a:ext cx="401860" cy="0"/>
+          </a:xfrm>
+          <a:prstGeom prst="line">
+            <a:avLst/>
+          </a:prstGeom>
+          <a:ln>
+            <a:headEnd type="none" w="med" len="med"/>
+            <a:tailEnd type="none"/>
+          </a:ln>
+        </p:spPr>
+        <p:style>
+          <a:lnRef idx="2">
+            <a:schemeClr val="dk1"/>
+          </a:lnRef>
+          <a:fillRef idx="0">
+            <a:schemeClr val="dk1"/>
+          </a:fillRef>
+          <a:effectRef idx="1">
+            <a:schemeClr val="dk1"/>
+          </a:effectRef>
+          <a:fontRef idx="minor">
+            <a:schemeClr val="tx1"/>
+          </a:fontRef>
+        </p:style>
+        <p:txBody>
+          <a:bodyPr vert="horz" wrap="square" lIns="91440" tIns="45720" rIns="91440" bIns="45720" numCol="1" anchor="t" anchorCtr="0" compatLnSpc="1">
+            <a:prstTxWarp prst="textNoShape">
+              <a:avLst/>
+            </a:prstTxWarp>
+          </a:bodyPr>
+          <a:lstStyle/>
+          <a:p>
+            <a:endParaRPr lang="en-US"/>
+          </a:p>
+        </p:txBody>
+      </p:sp>
+      <p:sp>
+        <p:nvSpPr>
+          <p:cNvPr id="39" name="Line 6">
+            <a:extLst>
+              <a:ext uri="{FF2B5EF4-FFF2-40B4-BE49-F238E27FC236}">
+                <a16:creationId xmlns:a16="http://schemas.microsoft.com/office/drawing/2014/main" id="{AB3DA897-9885-554E-8454-75C2375E068A}"/>
+              </a:ext>
+            </a:extLst>
+          </p:cNvPr>
+          <p:cNvSpPr>
+            <a:spLocks/>
+          </p:cNvSpPr>
+          <p:nvPr/>
+        </p:nvSpPr>
+        <p:spPr bwMode="auto">
+          <a:xfrm flipH="1">
+            <a:off x="6376292" y="3373689"/>
+            <a:ext cx="401860" cy="0"/>
+          </a:xfrm>
+          <a:prstGeom prst="line">
+            <a:avLst/>
+          </a:prstGeom>
+          <a:ln>
+            <a:headEnd type="none" w="med" len="med"/>
+            <a:tailEnd type="none"/>
+          </a:ln>
+        </p:spPr>
+        <p:style>
+          <a:lnRef idx="2">
+            <a:schemeClr val="dk1"/>
+          </a:lnRef>
+          <a:fillRef idx="0">
+            <a:schemeClr val="dk1"/>
+          </a:fillRef>
+          <a:effectRef idx="1">
+            <a:schemeClr val="dk1"/>
+          </a:effectRef>
+          <a:fontRef idx="minor">
+            <a:schemeClr val="tx1"/>
+          </a:fontRef>
+        </p:style>
+        <p:txBody>
+          <a:bodyPr vert="horz" wrap="square" lIns="91440" tIns="45720" rIns="91440" bIns="45720" numCol="1" anchor="t" anchorCtr="0" compatLnSpc="1">
+            <a:prstTxWarp prst="textNoShape">
+              <a:avLst/>
+            </a:prstTxWarp>
+          </a:bodyPr>
+          <a:lstStyle/>
+          <a:p>
+            <a:endParaRPr lang="en-US"/>
+          </a:p>
+        </p:txBody>
+      </p:sp>
+      <p:sp>
+        <p:nvSpPr>
+          <p:cNvPr id="40" name="Line 6">
+            <a:extLst>
+              <a:ext uri="{FF2B5EF4-FFF2-40B4-BE49-F238E27FC236}">
+                <a16:creationId xmlns:a16="http://schemas.microsoft.com/office/drawing/2014/main" id="{256991E7-93E2-264E-B600-41B3CE58EBD2}"/>
+              </a:ext>
+            </a:extLst>
+          </p:cNvPr>
+          <p:cNvSpPr>
+            <a:spLocks/>
+          </p:cNvSpPr>
+          <p:nvPr/>
+        </p:nvSpPr>
+        <p:spPr bwMode="auto">
+          <a:xfrm flipH="1">
+            <a:off x="6372510" y="3297489"/>
+            <a:ext cx="401860" cy="0"/>
+          </a:xfrm>
+          <a:prstGeom prst="line">
+            <a:avLst/>
+          </a:prstGeom>
+          <a:ln>
+            <a:headEnd type="none" w="med" len="med"/>
+            <a:tailEnd type="none"/>
+          </a:ln>
+        </p:spPr>
+        <p:style>
+          <a:lnRef idx="2">
+            <a:schemeClr val="dk1"/>
+          </a:lnRef>
+          <a:fillRef idx="0">
+            <a:schemeClr val="dk1"/>
+          </a:fillRef>
+          <a:effectRef idx="1">
+            <a:schemeClr val="dk1"/>
+          </a:effectRef>
+          <a:fontRef idx="minor">
+            <a:schemeClr val="tx1"/>
+          </a:fontRef>
+        </p:style>
+        <p:txBody>
+          <a:bodyPr vert="horz" wrap="square" lIns="91440" tIns="45720" rIns="91440" bIns="45720" numCol="1" anchor="t" anchorCtr="0" compatLnSpc="1">
+            <a:prstTxWarp prst="textNoShape">
+              <a:avLst/>
+            </a:prstTxWarp>
+          </a:bodyPr>
+          <a:lstStyle/>
+          <a:p>
+            <a:endParaRPr lang="en-US"/>
+          </a:p>
         </p:txBody>
       </p:sp>
     </p:spTree>
     <p:extLst>
       <p:ext uri="{BB962C8B-B14F-4D97-AF65-F5344CB8AC3E}">
-        <p14:creationId xmlns:p14="http://schemas.microsoft.com/office/powerpoint/2010/main" val="1155813441"/>
+        <p14:creationId xmlns:p14="http://schemas.microsoft.com/office/powerpoint/2010/main" val="840410281"/>
       </p:ext>
     </p:extLst>
   </p:cSld>
   <p:clrMapOvr>
     <a:masterClrMapping/>
   </p:clrMapOvr>
-  <mc:AlternateContent xmlns:mc="http://schemas.openxmlformats.org/markup-compatibility/2006">
-    <mc:Choice xmlns:p14="http://schemas.microsoft.com/office/powerpoint/2010/main" Requires="p14">
+  <mc:AlternateContent xmlns:mc="http://schemas.openxmlformats.org/markup-compatibility/2006" xmlns:p14="http://schemas.microsoft.com/office/powerpoint/2010/main">
+    <mc:Choice Requires="p14">
       <p:transition spd="slow" p14:dur="1200">
         <p14:prism/>
       </p:transition>
     </mc:Choice>
-    <mc:Fallback>
+    <mc:Fallback xmlns="">
       <p:transition spd="slow">
         <p:fade/>
       </p:transition>
